--- a/Présentation Projet Individuel Annuaire.pptx
+++ b/Présentation Projet Individuel Annuaire.pptx
@@ -5,25 +5,24 @@
     <p:sldMasterId id="2147483700" r:id="rId1"/>
   </p:sldMasterIdLst>
   <p:notesMasterIdLst>
-    <p:notesMasterId r:id="rId18"/>
+    <p:notesMasterId r:id="rId17"/>
   </p:notesMasterIdLst>
   <p:sldIdLst>
     <p:sldId id="256" r:id="rId2"/>
     <p:sldId id="257" r:id="rId3"/>
-    <p:sldId id="258" r:id="rId4"/>
-    <p:sldId id="259" r:id="rId5"/>
-    <p:sldId id="260" r:id="rId6"/>
-    <p:sldId id="261" r:id="rId7"/>
-    <p:sldId id="262" r:id="rId8"/>
-    <p:sldId id="263" r:id="rId9"/>
-    <p:sldId id="264" r:id="rId10"/>
-    <p:sldId id="265" r:id="rId11"/>
-    <p:sldId id="271" r:id="rId12"/>
-    <p:sldId id="266" r:id="rId13"/>
-    <p:sldId id="267" r:id="rId14"/>
-    <p:sldId id="268" r:id="rId15"/>
-    <p:sldId id="269" r:id="rId16"/>
-    <p:sldId id="270" r:id="rId17"/>
+    <p:sldId id="259" r:id="rId4"/>
+    <p:sldId id="260" r:id="rId5"/>
+    <p:sldId id="261" r:id="rId6"/>
+    <p:sldId id="262" r:id="rId7"/>
+    <p:sldId id="263" r:id="rId8"/>
+    <p:sldId id="264" r:id="rId9"/>
+    <p:sldId id="265" r:id="rId10"/>
+    <p:sldId id="271" r:id="rId11"/>
+    <p:sldId id="266" r:id="rId12"/>
+    <p:sldId id="267" r:id="rId13"/>
+    <p:sldId id="268" r:id="rId14"/>
+    <p:sldId id="269" r:id="rId15"/>
+    <p:sldId id="270" r:id="rId16"/>
   </p:sldIdLst>
   <p:sldSz cx="12192000" cy="6858000"/>
   <p:notesSz cx="6858000" cy="9144000"/>
@@ -556,7 +555,7 @@
           <a:p>
             <a:fld id="{6C8DD5FA-1F4C-4D2B-BA99-49A29785BFB7}" type="slidenum">
               <a:rPr lang="fr-FR"/>
-              <a:t>6</a:t>
+              <a:t>5</a:t>
             </a:fld>
             <a:endParaRPr lang="fr-FR"/>
           </a:p>
@@ -14938,93 +14937,6 @@
           <p:cNvPr id="2" name="Titre 1">
             <a:extLst>
               <a:ext uri="{FF2B5EF4-FFF2-40B4-BE49-F238E27FC236}">
-                <a16:creationId xmlns:a16="http://schemas.microsoft.com/office/drawing/2014/main" id="{DC2C7A8D-4BAB-400B-BCD7-095582F0CEE9}"/>
-              </a:ext>
-            </a:extLst>
-          </p:cNvPr>
-          <p:cNvSpPr>
-            <a:spLocks noGrp="1"/>
-          </p:cNvSpPr>
-          <p:nvPr>
-            <p:ph type="title"/>
-          </p:nvPr>
-        </p:nvSpPr>
-        <p:spPr/>
-        <p:txBody>
-          <a:bodyPr/>
-          <a:lstStyle/>
-          <a:p>
-            <a:r>
-              <a:rPr lang="fr-FR" dirty="0"/>
-              <a:t>Structure du site web</a:t>
-            </a:r>
-          </a:p>
-        </p:txBody>
-      </p:sp>
-      <p:pic>
-        <p:nvPicPr>
-          <p:cNvPr id="4" name="Image 4" descr="Une image contenant texte&#10;&#10;Description générée automatiquement">
-            <a:extLst>
-              <a:ext uri="{FF2B5EF4-FFF2-40B4-BE49-F238E27FC236}">
-                <a16:creationId xmlns:a16="http://schemas.microsoft.com/office/drawing/2014/main" id="{658D00A9-B801-41C5-BB79-2B90173A64FC}"/>
-              </a:ext>
-            </a:extLst>
-          </p:cNvPr>
-          <p:cNvPicPr>
-            <a:picLocks noGrp="1" noChangeAspect="1"/>
-          </p:cNvPicPr>
-          <p:nvPr>
-            <p:ph idx="1"/>
-          </p:nvPr>
-        </p:nvPicPr>
-        <p:blipFill>
-          <a:blip r:embed="rId2"/>
-          <a:stretch>
-            <a:fillRect/>
-          </a:stretch>
-        </p:blipFill>
-        <p:spPr>
-          <a:xfrm>
-            <a:off x="2188151" y="1542075"/>
-            <a:ext cx="8205560" cy="5197194"/>
-          </a:xfrm>
-        </p:spPr>
-      </p:pic>
-    </p:spTree>
-    <p:extLst>
-      <p:ext uri="{BB962C8B-B14F-4D97-AF65-F5344CB8AC3E}">
-        <p14:creationId xmlns:p14="http://schemas.microsoft.com/office/powerpoint/2010/main" val="2243696926"/>
-      </p:ext>
-    </p:extLst>
-  </p:cSld>
-  <p:clrMapOvr>
-    <a:masterClrMapping/>
-  </p:clrMapOvr>
-</p:sld>
-</file>
-
-<file path=ppt/slides/slide11.xml><?xml version="1.0" encoding="utf-8"?>
-<p:sld xmlns:a="http://schemas.openxmlformats.org/drawingml/2006/main" xmlns:r="http://schemas.openxmlformats.org/officeDocument/2006/relationships" xmlns:p="http://schemas.openxmlformats.org/presentationml/2006/main">
-  <p:cSld>
-    <p:spTree>
-      <p:nvGrpSpPr>
-        <p:cNvPr id="1" name=""/>
-        <p:cNvGrpSpPr/>
-        <p:nvPr/>
-      </p:nvGrpSpPr>
-      <p:grpSpPr>
-        <a:xfrm>
-          <a:off x="0" y="0"/>
-          <a:ext cx="0" cy="0"/>
-          <a:chOff x="0" y="0"/>
-          <a:chExt cx="0" cy="0"/>
-        </a:xfrm>
-      </p:grpSpPr>
-      <p:sp>
-        <p:nvSpPr>
-          <p:cNvPr id="2" name="Titre 1">
-            <a:extLst>
-              <a:ext uri="{FF2B5EF4-FFF2-40B4-BE49-F238E27FC236}">
                 <a16:creationId xmlns:a16="http://schemas.microsoft.com/office/drawing/2014/main" id="{80C7A8FE-023B-4604-A757-F9EB1E3F2A8B}"/>
               </a:ext>
             </a:extLst>
@@ -15096,7 +15008,7 @@
 </p:sld>
 </file>
 
-<file path=ppt/slides/slide12.xml><?xml version="1.0" encoding="utf-8"?>
+<file path=ppt/slides/slide11.xml><?xml version="1.0" encoding="utf-8"?>
 <p:sld xmlns:a="http://schemas.openxmlformats.org/drawingml/2006/main" xmlns:r="http://schemas.openxmlformats.org/officeDocument/2006/relationships" xmlns:p="http://schemas.openxmlformats.org/presentationml/2006/main">
   <p:cSld>
     <p:bg>
@@ -17098,7 +17010,7 @@
 </p:sld>
 </file>
 
-<file path=ppt/slides/slide13.xml><?xml version="1.0" encoding="utf-8"?>
+<file path=ppt/slides/slide12.xml><?xml version="1.0" encoding="utf-8"?>
 <p:sld xmlns:a="http://schemas.openxmlformats.org/drawingml/2006/main" xmlns:r="http://schemas.openxmlformats.org/officeDocument/2006/relationships" xmlns:p="http://schemas.openxmlformats.org/presentationml/2006/main">
   <p:cSld>
     <p:bg>
@@ -18221,6 +18133,1152 @@
     <p:extLst>
       <p:ext uri="{BB962C8B-B14F-4D97-AF65-F5344CB8AC3E}">
         <p14:creationId xmlns:p14="http://schemas.microsoft.com/office/powerpoint/2010/main" val="2871088209"/>
+      </p:ext>
+    </p:extLst>
+  </p:cSld>
+  <p:clrMapOvr>
+    <a:masterClrMapping/>
+  </p:clrMapOvr>
+</p:sld>
+</file>
+
+<file path=ppt/slides/slide13.xml><?xml version="1.0" encoding="utf-8"?>
+<p:sld xmlns:a="http://schemas.openxmlformats.org/drawingml/2006/main" xmlns:r="http://schemas.openxmlformats.org/officeDocument/2006/relationships" xmlns:p="http://schemas.openxmlformats.org/presentationml/2006/main">
+  <p:cSld>
+    <p:bg>
+      <p:bgPr>
+        <a:solidFill>
+          <a:schemeClr val="bg1"/>
+        </a:solidFill>
+        <a:effectLst/>
+      </p:bgPr>
+    </p:bg>
+    <p:spTree>
+      <p:nvGrpSpPr>
+        <p:cNvPr id="1" name=""/>
+        <p:cNvGrpSpPr/>
+        <p:nvPr/>
+      </p:nvGrpSpPr>
+      <p:grpSpPr>
+        <a:xfrm>
+          <a:off x="0" y="0"/>
+          <a:ext cx="0" cy="0"/>
+          <a:chOff x="0" y="0"/>
+          <a:chExt cx="0" cy="0"/>
+        </a:xfrm>
+      </p:grpSpPr>
+      <p:sp useBgFill="1">
+        <p:nvSpPr>
+          <p:cNvPr id="15" name="Rectangle 14">
+            <a:extLst>
+              <a:ext uri="{FF2B5EF4-FFF2-40B4-BE49-F238E27FC236}">
+                <a16:creationId xmlns:a16="http://schemas.microsoft.com/office/drawing/2014/main" id="{FBE20309-1FB9-4818-BAFA-9C4C0534178B}"/>
+              </a:ext>
+              <a:ext uri="{C183D7F6-B498-43B3-948B-1728B52AA6E4}">
+                <adec:decorative xmlns:adec="http://schemas.microsoft.com/office/drawing/2017/decorative" val="1"/>
+              </a:ext>
+            </a:extLst>
+          </p:cNvPr>
+          <p:cNvSpPr>
+            <a:spLocks noGrp="1" noRot="1" noChangeAspect="1" noMove="1" noResize="1" noEditPoints="1" noAdjustHandles="1" noChangeArrowheads="1" noChangeShapeType="1" noTextEdit="1"/>
+          </p:cNvSpPr>
+          <p:nvPr>
+            <p:extLst>
+              <p:ext uri="{386F3935-93C4-4BCD-93E2-E3B085C9AB24}">
+                <p16:designElem xmlns:p16="http://schemas.microsoft.com/office/powerpoint/2015/main" val="1"/>
+              </p:ext>
+            </p:extLst>
+          </p:nvPr>
+        </p:nvSpPr>
+        <p:spPr>
+          <a:xfrm>
+            <a:off x="0" y="0"/>
+            <a:ext cx="12188952" cy="6858000"/>
+          </a:xfrm>
+          <a:prstGeom prst="rect">
+            <a:avLst/>
+          </a:prstGeom>
+          <a:ln>
+            <a:noFill/>
+          </a:ln>
+        </p:spPr>
+        <p:style>
+          <a:lnRef idx="2">
+            <a:schemeClr val="accent1">
+              <a:shade val="50000"/>
+            </a:schemeClr>
+          </a:lnRef>
+          <a:fillRef idx="1">
+            <a:schemeClr val="accent1"/>
+          </a:fillRef>
+          <a:effectRef idx="0">
+            <a:schemeClr val="accent1"/>
+          </a:effectRef>
+          <a:fontRef idx="minor">
+            <a:schemeClr val="lt1"/>
+          </a:fontRef>
+        </p:style>
+        <p:txBody>
+          <a:bodyPr rtlCol="0" anchor="ctr"/>
+          <a:lstStyle/>
+          <a:p>
+            <a:pPr algn="ctr"/>
+            <a:endParaRPr lang="en-US"/>
+          </a:p>
+        </p:txBody>
+      </p:sp>
+      <p:sp>
+        <p:nvSpPr>
+          <p:cNvPr id="17" name="Freeform: Shape 16">
+            <a:extLst>
+              <a:ext uri="{FF2B5EF4-FFF2-40B4-BE49-F238E27FC236}">
+                <a16:creationId xmlns:a16="http://schemas.microsoft.com/office/drawing/2014/main" id="{FBD77573-9EF2-4C35-8285-A1CF6FBB0EA5}"/>
+              </a:ext>
+              <a:ext uri="{C183D7F6-B498-43B3-948B-1728B52AA6E4}">
+                <adec:decorative xmlns:adec="http://schemas.microsoft.com/office/drawing/2017/decorative" val="1"/>
+              </a:ext>
+            </a:extLst>
+          </p:cNvPr>
+          <p:cNvSpPr>
+            <a:spLocks noGrp="1" noRot="1" noChangeAspect="1" noMove="1" noResize="1" noEditPoints="1" noAdjustHandles="1" noChangeArrowheads="1" noChangeShapeType="1" noTextEdit="1"/>
+          </p:cNvSpPr>
+          <p:nvPr>
+            <p:extLst>
+              <p:ext uri="{386F3935-93C4-4BCD-93E2-E3B085C9AB24}">
+                <p16:designElem xmlns:p16="http://schemas.microsoft.com/office/powerpoint/2015/main" val="1"/>
+              </p:ext>
+            </p:extLst>
+          </p:nvPr>
+        </p:nvSpPr>
+        <p:spPr>
+          <a:xfrm flipH="1">
+            <a:off x="1" y="0"/>
+            <a:ext cx="5511704" cy="6858000"/>
+          </a:xfrm>
+          <a:custGeom>
+            <a:avLst/>
+            <a:gdLst>
+              <a:gd name="connsiteX0" fmla="*/ 5511704 w 5511704"/>
+              <a:gd name="connsiteY0" fmla="*/ 0 h 6886576"/>
+              <a:gd name="connsiteX1" fmla="*/ 1008599 w 5511704"/>
+              <a:gd name="connsiteY1" fmla="*/ 0 h 6886576"/>
+              <a:gd name="connsiteX2" fmla="*/ 1310975 w 5511704"/>
+              <a:gd name="connsiteY2" fmla="*/ 110728 h 6886576"/>
+              <a:gd name="connsiteX3" fmla="*/ 1267362 w 5511704"/>
+              <a:gd name="connsiteY3" fmla="*/ 135731 h 6886576"/>
+              <a:gd name="connsiteX4" fmla="*/ 1005692 w 5511704"/>
+              <a:gd name="connsiteY4" fmla="*/ 71437 h 6886576"/>
+              <a:gd name="connsiteX5" fmla="*/ 953358 w 5511704"/>
+              <a:gd name="connsiteY5" fmla="*/ 89297 h 6886576"/>
+              <a:gd name="connsiteX6" fmla="*/ 979525 w 5511704"/>
+              <a:gd name="connsiteY6" fmla="*/ 164307 h 6886576"/>
+              <a:gd name="connsiteX7" fmla="*/ 1092915 w 5511704"/>
+              <a:gd name="connsiteY7" fmla="*/ 192882 h 6886576"/>
+              <a:gd name="connsiteX8" fmla="*/ 1270270 w 5511704"/>
+              <a:gd name="connsiteY8" fmla="*/ 375047 h 6886576"/>
+              <a:gd name="connsiteX9" fmla="*/ 1002784 w 5511704"/>
+              <a:gd name="connsiteY9" fmla="*/ 353615 h 6886576"/>
+              <a:gd name="connsiteX10" fmla="*/ 956265 w 5511704"/>
+              <a:gd name="connsiteY10" fmla="*/ 396479 h 6886576"/>
+              <a:gd name="connsiteX11" fmla="*/ 938820 w 5511704"/>
+              <a:gd name="connsiteY11" fmla="*/ 453629 h 6886576"/>
+              <a:gd name="connsiteX12" fmla="*/ 860319 w 5511704"/>
+              <a:gd name="connsiteY12" fmla="*/ 360759 h 6886576"/>
+              <a:gd name="connsiteX13" fmla="*/ 793447 w 5511704"/>
+              <a:gd name="connsiteY13" fmla="*/ 335757 h 6886576"/>
+              <a:gd name="connsiteX14" fmla="*/ 773095 w 5511704"/>
+              <a:gd name="connsiteY14" fmla="*/ 417910 h 6886576"/>
+              <a:gd name="connsiteX15" fmla="*/ 834151 w 5511704"/>
+              <a:gd name="connsiteY15" fmla="*/ 507206 h 6886576"/>
+              <a:gd name="connsiteX16" fmla="*/ 996969 w 5511704"/>
+              <a:gd name="connsiteY16" fmla="*/ 560785 h 6886576"/>
+              <a:gd name="connsiteX17" fmla="*/ 822522 w 5511704"/>
+              <a:gd name="connsiteY17" fmla="*/ 560785 h 6886576"/>
+              <a:gd name="connsiteX18" fmla="*/ 621908 w 5511704"/>
+              <a:gd name="connsiteY18" fmla="*/ 525066 h 6886576"/>
+              <a:gd name="connsiteX19" fmla="*/ 409664 w 5511704"/>
+              <a:gd name="connsiteY19" fmla="*/ 535781 h 6886576"/>
+              <a:gd name="connsiteX20" fmla="*/ 209049 w 5511704"/>
+              <a:gd name="connsiteY20" fmla="*/ 464344 h 6886576"/>
+              <a:gd name="connsiteX21" fmla="*/ 5527 w 5511704"/>
+              <a:gd name="connsiteY21" fmla="*/ 467916 h 6886576"/>
+              <a:gd name="connsiteX22" fmla="*/ 906838 w 5511704"/>
+              <a:gd name="connsiteY22" fmla="*/ 914400 h 6886576"/>
+              <a:gd name="connsiteX23" fmla="*/ 863226 w 5511704"/>
+              <a:gd name="connsiteY23" fmla="*/ 925116 h 6886576"/>
+              <a:gd name="connsiteX24" fmla="*/ 805077 w 5511704"/>
+              <a:gd name="connsiteY24" fmla="*/ 953691 h 6886576"/>
+              <a:gd name="connsiteX25" fmla="*/ 848689 w 5511704"/>
+              <a:gd name="connsiteY25" fmla="*/ 1010841 h 6886576"/>
+              <a:gd name="connsiteX26" fmla="*/ 1084193 w 5511704"/>
+              <a:gd name="connsiteY26" fmla="*/ 1117997 h 6886576"/>
+              <a:gd name="connsiteX27" fmla="*/ 1142342 w 5511704"/>
+              <a:gd name="connsiteY27" fmla="*/ 1225153 h 6886576"/>
+              <a:gd name="connsiteX28" fmla="*/ 1069655 w 5511704"/>
+              <a:gd name="connsiteY28" fmla="*/ 1214438 h 6886576"/>
+              <a:gd name="connsiteX29" fmla="*/ 1005692 w 5511704"/>
+              <a:gd name="connsiteY29" fmla="*/ 1235869 h 6886576"/>
+              <a:gd name="connsiteX30" fmla="*/ 1031858 w 5511704"/>
+              <a:gd name="connsiteY30" fmla="*/ 1371600 h 6886576"/>
+              <a:gd name="connsiteX31" fmla="*/ 1366216 w 5511704"/>
+              <a:gd name="connsiteY31" fmla="*/ 1546622 h 6886576"/>
+              <a:gd name="connsiteX32" fmla="*/ 1395290 w 5511704"/>
+              <a:gd name="connsiteY32" fmla="*/ 1603772 h 6886576"/>
+              <a:gd name="connsiteX33" fmla="*/ 1354586 w 5511704"/>
+              <a:gd name="connsiteY33" fmla="*/ 1643063 h 6886576"/>
+              <a:gd name="connsiteX34" fmla="*/ 1247011 w 5511704"/>
+              <a:gd name="connsiteY34" fmla="*/ 1664494 h 6886576"/>
+              <a:gd name="connsiteX35" fmla="*/ 1398198 w 5511704"/>
+              <a:gd name="connsiteY35" fmla="*/ 1857375 h 6886576"/>
+              <a:gd name="connsiteX36" fmla="*/ 1453440 w 5511704"/>
+              <a:gd name="connsiteY36" fmla="*/ 1910954 h 6886576"/>
+              <a:gd name="connsiteX37" fmla="*/ 1549386 w 5511704"/>
+              <a:gd name="connsiteY37" fmla="*/ 1993106 h 6886576"/>
+              <a:gd name="connsiteX38" fmla="*/ 1549386 w 5511704"/>
+              <a:gd name="connsiteY38" fmla="*/ 2021681 h 6886576"/>
+              <a:gd name="connsiteX39" fmla="*/ 1421458 w 5511704"/>
+              <a:gd name="connsiteY39" fmla="*/ 2110978 h 6886576"/>
+              <a:gd name="connsiteX40" fmla="*/ 1188861 w 5511704"/>
+              <a:gd name="connsiteY40" fmla="*/ 2085976 h 6886576"/>
+              <a:gd name="connsiteX41" fmla="*/ 1531941 w 5511704"/>
+              <a:gd name="connsiteY41" fmla="*/ 2218135 h 6886576"/>
+              <a:gd name="connsiteX42" fmla="*/ 421293 w 5511704"/>
+              <a:gd name="connsiteY42" fmla="*/ 1900238 h 6886576"/>
+              <a:gd name="connsiteX43" fmla="*/ 491072 w 5511704"/>
+              <a:gd name="connsiteY43" fmla="*/ 1982391 h 6886576"/>
+              <a:gd name="connsiteX44" fmla="*/ 880671 w 5511704"/>
+              <a:gd name="connsiteY44" fmla="*/ 2200276 h 6886576"/>
+              <a:gd name="connsiteX45" fmla="*/ 991154 w 5511704"/>
+              <a:gd name="connsiteY45" fmla="*/ 2336007 h 6886576"/>
+              <a:gd name="connsiteX46" fmla="*/ 1107453 w 5511704"/>
+              <a:gd name="connsiteY46" fmla="*/ 2411016 h 6886576"/>
+              <a:gd name="connsiteX47" fmla="*/ 1270270 w 5511704"/>
+              <a:gd name="connsiteY47" fmla="*/ 2411016 h 6886576"/>
+              <a:gd name="connsiteX48" fmla="*/ 1386568 w 5511704"/>
+              <a:gd name="connsiteY48" fmla="*/ 2528889 h 6886576"/>
+              <a:gd name="connsiteX49" fmla="*/ 1267362 w 5511704"/>
+              <a:gd name="connsiteY49" fmla="*/ 2553891 h 6886576"/>
+              <a:gd name="connsiteX50" fmla="*/ 1127805 w 5511704"/>
+              <a:gd name="connsiteY50" fmla="*/ 2536032 h 6886576"/>
+              <a:gd name="connsiteX51" fmla="*/ 970802 w 5511704"/>
+              <a:gd name="connsiteY51" fmla="*/ 2575322 h 6886576"/>
+              <a:gd name="connsiteX52" fmla="*/ 825429 w 5511704"/>
+              <a:gd name="connsiteY52" fmla="*/ 2543176 h 6886576"/>
+              <a:gd name="connsiteX53" fmla="*/ 650982 w 5511704"/>
+              <a:gd name="connsiteY53" fmla="*/ 2564607 h 6886576"/>
+              <a:gd name="connsiteX54" fmla="*/ 595740 w 5511704"/>
+              <a:gd name="connsiteY54" fmla="*/ 2703909 h 6886576"/>
+              <a:gd name="connsiteX55" fmla="*/ 578296 w 5511704"/>
+              <a:gd name="connsiteY55" fmla="*/ 2714626 h 6886576"/>
+              <a:gd name="connsiteX56" fmla="*/ 255568 w 5511704"/>
+              <a:gd name="connsiteY56" fmla="*/ 2936081 h 6886576"/>
+              <a:gd name="connsiteX57" fmla="*/ 165437 w 5511704"/>
+              <a:gd name="connsiteY57" fmla="*/ 2953941 h 6886576"/>
+              <a:gd name="connsiteX58" fmla="*/ 697501 w 5511704"/>
+              <a:gd name="connsiteY58" fmla="*/ 3343275 h 6886576"/>
+              <a:gd name="connsiteX59" fmla="*/ 339884 w 5511704"/>
+              <a:gd name="connsiteY59" fmla="*/ 3243263 h 6886576"/>
+              <a:gd name="connsiteX60" fmla="*/ 290458 w 5511704"/>
+              <a:gd name="connsiteY60" fmla="*/ 3407569 h 6886576"/>
+              <a:gd name="connsiteX61" fmla="*/ 459090 w 5511704"/>
+              <a:gd name="connsiteY61" fmla="*/ 3554016 h 6886576"/>
+              <a:gd name="connsiteX62" fmla="*/ 520147 w 5511704"/>
+              <a:gd name="connsiteY62" fmla="*/ 3843338 h 6886576"/>
+              <a:gd name="connsiteX63" fmla="*/ 491072 w 5511704"/>
+              <a:gd name="connsiteY63" fmla="*/ 4107657 h 6886576"/>
+              <a:gd name="connsiteX64" fmla="*/ 418386 w 5511704"/>
+              <a:gd name="connsiteY64" fmla="*/ 4189810 h 6886576"/>
+              <a:gd name="connsiteX65" fmla="*/ 313718 w 5511704"/>
+              <a:gd name="connsiteY65" fmla="*/ 4339829 h 6886576"/>
+              <a:gd name="connsiteX66" fmla="*/ 249753 w 5511704"/>
+              <a:gd name="connsiteY66" fmla="*/ 4432698 h 6886576"/>
+              <a:gd name="connsiteX67" fmla="*/ 25879 w 5511704"/>
+              <a:gd name="connsiteY67" fmla="*/ 4396979 h 6886576"/>
+              <a:gd name="connsiteX68" fmla="*/ 325347 w 5511704"/>
+              <a:gd name="connsiteY68" fmla="*/ 4632722 h 6886576"/>
+              <a:gd name="connsiteX69" fmla="*/ 84029 w 5511704"/>
+              <a:gd name="connsiteY69" fmla="*/ 4604147 h 6886576"/>
+              <a:gd name="connsiteX70" fmla="*/ 5527 w 5511704"/>
+              <a:gd name="connsiteY70" fmla="*/ 4622007 h 6886576"/>
+              <a:gd name="connsiteX71" fmla="*/ 49139 w 5511704"/>
+              <a:gd name="connsiteY71" fmla="*/ 4697016 h 6886576"/>
+              <a:gd name="connsiteX72" fmla="*/ 226494 w 5511704"/>
+              <a:gd name="connsiteY72" fmla="*/ 4825604 h 6886576"/>
+              <a:gd name="connsiteX73" fmla="*/ 592833 w 5511704"/>
+              <a:gd name="connsiteY73" fmla="*/ 5175647 h 6886576"/>
+              <a:gd name="connsiteX74" fmla="*/ 238123 w 5511704"/>
+              <a:gd name="connsiteY74" fmla="*/ 5014913 h 6886576"/>
+              <a:gd name="connsiteX75" fmla="*/ 610278 w 5511704"/>
+              <a:gd name="connsiteY75" fmla="*/ 5375673 h 6886576"/>
+              <a:gd name="connsiteX76" fmla="*/ 691686 w 5511704"/>
+              <a:gd name="connsiteY76" fmla="*/ 5497116 h 6886576"/>
+              <a:gd name="connsiteX77" fmla="*/ 860319 w 5511704"/>
+              <a:gd name="connsiteY77" fmla="*/ 5793582 h 6886576"/>
+              <a:gd name="connsiteX78" fmla="*/ 851597 w 5511704"/>
+              <a:gd name="connsiteY78" fmla="*/ 5825729 h 6886576"/>
+              <a:gd name="connsiteX79" fmla="*/ 659704 w 5511704"/>
+              <a:gd name="connsiteY79" fmla="*/ 5779295 h 6886576"/>
+              <a:gd name="connsiteX80" fmla="*/ 909746 w 5511704"/>
+              <a:gd name="connsiteY80" fmla="*/ 6029326 h 6886576"/>
+              <a:gd name="connsiteX81" fmla="*/ 1168509 w 5511704"/>
+              <a:gd name="connsiteY81" fmla="*/ 6222207 h 6886576"/>
+              <a:gd name="connsiteX82" fmla="*/ 985339 w 5511704"/>
+              <a:gd name="connsiteY82" fmla="*/ 6193632 h 6886576"/>
+              <a:gd name="connsiteX83" fmla="*/ 732391 w 5511704"/>
+              <a:gd name="connsiteY83" fmla="*/ 6082904 h 6886576"/>
+              <a:gd name="connsiteX84" fmla="*/ 645167 w 5511704"/>
+              <a:gd name="connsiteY84" fmla="*/ 6125766 h 6886576"/>
+              <a:gd name="connsiteX85" fmla="*/ 883579 w 5511704"/>
+              <a:gd name="connsiteY85" fmla="*/ 6307932 h 6886576"/>
+              <a:gd name="connsiteX86" fmla="*/ 1020229 w 5511704"/>
+              <a:gd name="connsiteY86" fmla="*/ 6393657 h 6886576"/>
+              <a:gd name="connsiteX87" fmla="*/ 1075471 w 5511704"/>
+              <a:gd name="connsiteY87" fmla="*/ 6457950 h 6886576"/>
+              <a:gd name="connsiteX88" fmla="*/ 1232473 w 5511704"/>
+              <a:gd name="connsiteY88" fmla="*/ 6686551 h 6886576"/>
+              <a:gd name="connsiteX89" fmla="*/ 1592997 w 5511704"/>
+              <a:gd name="connsiteY89" fmla="*/ 6886576 h 6886576"/>
+              <a:gd name="connsiteX90" fmla="*/ 5511704 w 5511704"/>
+              <a:gd name="connsiteY90" fmla="*/ 6886576 h 6886576"/>
+            </a:gdLst>
+            <a:ahLst/>
+            <a:cxnLst>
+              <a:cxn ang="0">
+                <a:pos x="connsiteX0" y="connsiteY0"/>
+              </a:cxn>
+              <a:cxn ang="0">
+                <a:pos x="connsiteX1" y="connsiteY1"/>
+              </a:cxn>
+              <a:cxn ang="0">
+                <a:pos x="connsiteX2" y="connsiteY2"/>
+              </a:cxn>
+              <a:cxn ang="0">
+                <a:pos x="connsiteX3" y="connsiteY3"/>
+              </a:cxn>
+              <a:cxn ang="0">
+                <a:pos x="connsiteX4" y="connsiteY4"/>
+              </a:cxn>
+              <a:cxn ang="0">
+                <a:pos x="connsiteX5" y="connsiteY5"/>
+              </a:cxn>
+              <a:cxn ang="0">
+                <a:pos x="connsiteX6" y="connsiteY6"/>
+              </a:cxn>
+              <a:cxn ang="0">
+                <a:pos x="connsiteX7" y="connsiteY7"/>
+              </a:cxn>
+              <a:cxn ang="0">
+                <a:pos x="connsiteX8" y="connsiteY8"/>
+              </a:cxn>
+              <a:cxn ang="0">
+                <a:pos x="connsiteX9" y="connsiteY9"/>
+              </a:cxn>
+              <a:cxn ang="0">
+                <a:pos x="connsiteX10" y="connsiteY10"/>
+              </a:cxn>
+              <a:cxn ang="0">
+                <a:pos x="connsiteX11" y="connsiteY11"/>
+              </a:cxn>
+              <a:cxn ang="0">
+                <a:pos x="connsiteX12" y="connsiteY12"/>
+              </a:cxn>
+              <a:cxn ang="0">
+                <a:pos x="connsiteX13" y="connsiteY13"/>
+              </a:cxn>
+              <a:cxn ang="0">
+                <a:pos x="connsiteX14" y="connsiteY14"/>
+              </a:cxn>
+              <a:cxn ang="0">
+                <a:pos x="connsiteX15" y="connsiteY15"/>
+              </a:cxn>
+              <a:cxn ang="0">
+                <a:pos x="connsiteX16" y="connsiteY16"/>
+              </a:cxn>
+              <a:cxn ang="0">
+                <a:pos x="connsiteX17" y="connsiteY17"/>
+              </a:cxn>
+              <a:cxn ang="0">
+                <a:pos x="connsiteX18" y="connsiteY18"/>
+              </a:cxn>
+              <a:cxn ang="0">
+                <a:pos x="connsiteX19" y="connsiteY19"/>
+              </a:cxn>
+              <a:cxn ang="0">
+                <a:pos x="connsiteX20" y="connsiteY20"/>
+              </a:cxn>
+              <a:cxn ang="0">
+                <a:pos x="connsiteX21" y="connsiteY21"/>
+              </a:cxn>
+              <a:cxn ang="0">
+                <a:pos x="connsiteX22" y="connsiteY22"/>
+              </a:cxn>
+              <a:cxn ang="0">
+                <a:pos x="connsiteX23" y="connsiteY23"/>
+              </a:cxn>
+              <a:cxn ang="0">
+                <a:pos x="connsiteX24" y="connsiteY24"/>
+              </a:cxn>
+              <a:cxn ang="0">
+                <a:pos x="connsiteX25" y="connsiteY25"/>
+              </a:cxn>
+              <a:cxn ang="0">
+                <a:pos x="connsiteX26" y="connsiteY26"/>
+              </a:cxn>
+              <a:cxn ang="0">
+                <a:pos x="connsiteX27" y="connsiteY27"/>
+              </a:cxn>
+              <a:cxn ang="0">
+                <a:pos x="connsiteX28" y="connsiteY28"/>
+              </a:cxn>
+              <a:cxn ang="0">
+                <a:pos x="connsiteX29" y="connsiteY29"/>
+              </a:cxn>
+              <a:cxn ang="0">
+                <a:pos x="connsiteX30" y="connsiteY30"/>
+              </a:cxn>
+              <a:cxn ang="0">
+                <a:pos x="connsiteX31" y="connsiteY31"/>
+              </a:cxn>
+              <a:cxn ang="0">
+                <a:pos x="connsiteX32" y="connsiteY32"/>
+              </a:cxn>
+              <a:cxn ang="0">
+                <a:pos x="connsiteX33" y="connsiteY33"/>
+              </a:cxn>
+              <a:cxn ang="0">
+                <a:pos x="connsiteX34" y="connsiteY34"/>
+              </a:cxn>
+              <a:cxn ang="0">
+                <a:pos x="connsiteX35" y="connsiteY35"/>
+              </a:cxn>
+              <a:cxn ang="0">
+                <a:pos x="connsiteX36" y="connsiteY36"/>
+              </a:cxn>
+              <a:cxn ang="0">
+                <a:pos x="connsiteX37" y="connsiteY37"/>
+              </a:cxn>
+              <a:cxn ang="0">
+                <a:pos x="connsiteX38" y="connsiteY38"/>
+              </a:cxn>
+              <a:cxn ang="0">
+                <a:pos x="connsiteX39" y="connsiteY39"/>
+              </a:cxn>
+              <a:cxn ang="0">
+                <a:pos x="connsiteX40" y="connsiteY40"/>
+              </a:cxn>
+              <a:cxn ang="0">
+                <a:pos x="connsiteX41" y="connsiteY41"/>
+              </a:cxn>
+              <a:cxn ang="0">
+                <a:pos x="connsiteX42" y="connsiteY42"/>
+              </a:cxn>
+              <a:cxn ang="0">
+                <a:pos x="connsiteX43" y="connsiteY43"/>
+              </a:cxn>
+              <a:cxn ang="0">
+                <a:pos x="connsiteX44" y="connsiteY44"/>
+              </a:cxn>
+              <a:cxn ang="0">
+                <a:pos x="connsiteX45" y="connsiteY45"/>
+              </a:cxn>
+              <a:cxn ang="0">
+                <a:pos x="connsiteX46" y="connsiteY46"/>
+              </a:cxn>
+              <a:cxn ang="0">
+                <a:pos x="connsiteX47" y="connsiteY47"/>
+              </a:cxn>
+              <a:cxn ang="0">
+                <a:pos x="connsiteX48" y="connsiteY48"/>
+              </a:cxn>
+              <a:cxn ang="0">
+                <a:pos x="connsiteX49" y="connsiteY49"/>
+              </a:cxn>
+              <a:cxn ang="0">
+                <a:pos x="connsiteX50" y="connsiteY50"/>
+              </a:cxn>
+              <a:cxn ang="0">
+                <a:pos x="connsiteX51" y="connsiteY51"/>
+              </a:cxn>
+              <a:cxn ang="0">
+                <a:pos x="connsiteX52" y="connsiteY52"/>
+              </a:cxn>
+              <a:cxn ang="0">
+                <a:pos x="connsiteX53" y="connsiteY53"/>
+              </a:cxn>
+              <a:cxn ang="0">
+                <a:pos x="connsiteX54" y="connsiteY54"/>
+              </a:cxn>
+              <a:cxn ang="0">
+                <a:pos x="connsiteX55" y="connsiteY55"/>
+              </a:cxn>
+              <a:cxn ang="0">
+                <a:pos x="connsiteX56" y="connsiteY56"/>
+              </a:cxn>
+              <a:cxn ang="0">
+                <a:pos x="connsiteX57" y="connsiteY57"/>
+              </a:cxn>
+              <a:cxn ang="0">
+                <a:pos x="connsiteX58" y="connsiteY58"/>
+              </a:cxn>
+              <a:cxn ang="0">
+                <a:pos x="connsiteX59" y="connsiteY59"/>
+              </a:cxn>
+              <a:cxn ang="0">
+                <a:pos x="connsiteX60" y="connsiteY60"/>
+              </a:cxn>
+              <a:cxn ang="0">
+                <a:pos x="connsiteX61" y="connsiteY61"/>
+              </a:cxn>
+              <a:cxn ang="0">
+                <a:pos x="connsiteX62" y="connsiteY62"/>
+              </a:cxn>
+              <a:cxn ang="0">
+                <a:pos x="connsiteX63" y="connsiteY63"/>
+              </a:cxn>
+              <a:cxn ang="0">
+                <a:pos x="connsiteX64" y="connsiteY64"/>
+              </a:cxn>
+              <a:cxn ang="0">
+                <a:pos x="connsiteX65" y="connsiteY65"/>
+              </a:cxn>
+              <a:cxn ang="0">
+                <a:pos x="connsiteX66" y="connsiteY66"/>
+              </a:cxn>
+              <a:cxn ang="0">
+                <a:pos x="connsiteX67" y="connsiteY67"/>
+              </a:cxn>
+              <a:cxn ang="0">
+                <a:pos x="connsiteX68" y="connsiteY68"/>
+              </a:cxn>
+              <a:cxn ang="0">
+                <a:pos x="connsiteX69" y="connsiteY69"/>
+              </a:cxn>
+              <a:cxn ang="0">
+                <a:pos x="connsiteX70" y="connsiteY70"/>
+              </a:cxn>
+              <a:cxn ang="0">
+                <a:pos x="connsiteX71" y="connsiteY71"/>
+              </a:cxn>
+              <a:cxn ang="0">
+                <a:pos x="connsiteX72" y="connsiteY72"/>
+              </a:cxn>
+              <a:cxn ang="0">
+                <a:pos x="connsiteX73" y="connsiteY73"/>
+              </a:cxn>
+              <a:cxn ang="0">
+                <a:pos x="connsiteX74" y="connsiteY74"/>
+              </a:cxn>
+              <a:cxn ang="0">
+                <a:pos x="connsiteX75" y="connsiteY75"/>
+              </a:cxn>
+              <a:cxn ang="0">
+                <a:pos x="connsiteX76" y="connsiteY76"/>
+              </a:cxn>
+              <a:cxn ang="0">
+                <a:pos x="connsiteX77" y="connsiteY77"/>
+              </a:cxn>
+              <a:cxn ang="0">
+                <a:pos x="connsiteX78" y="connsiteY78"/>
+              </a:cxn>
+              <a:cxn ang="0">
+                <a:pos x="connsiteX79" y="connsiteY79"/>
+              </a:cxn>
+              <a:cxn ang="0">
+                <a:pos x="connsiteX80" y="connsiteY80"/>
+              </a:cxn>
+              <a:cxn ang="0">
+                <a:pos x="connsiteX81" y="connsiteY81"/>
+              </a:cxn>
+              <a:cxn ang="0">
+                <a:pos x="connsiteX82" y="connsiteY82"/>
+              </a:cxn>
+              <a:cxn ang="0">
+                <a:pos x="connsiteX83" y="connsiteY83"/>
+              </a:cxn>
+              <a:cxn ang="0">
+                <a:pos x="connsiteX84" y="connsiteY84"/>
+              </a:cxn>
+              <a:cxn ang="0">
+                <a:pos x="connsiteX85" y="connsiteY85"/>
+              </a:cxn>
+              <a:cxn ang="0">
+                <a:pos x="connsiteX86" y="connsiteY86"/>
+              </a:cxn>
+              <a:cxn ang="0">
+                <a:pos x="connsiteX87" y="connsiteY87"/>
+              </a:cxn>
+              <a:cxn ang="0">
+                <a:pos x="connsiteX88" y="connsiteY88"/>
+              </a:cxn>
+              <a:cxn ang="0">
+                <a:pos x="connsiteX89" y="connsiteY89"/>
+              </a:cxn>
+              <a:cxn ang="0">
+                <a:pos x="connsiteX90" y="connsiteY90"/>
+              </a:cxn>
+            </a:cxnLst>
+            <a:rect l="l" t="t" r="r" b="b"/>
+            <a:pathLst>
+              <a:path w="5511704" h="6886576">
+                <a:moveTo>
+                  <a:pt x="5511704" y="0"/>
+                </a:moveTo>
+                <a:lnTo>
+                  <a:pt x="1008599" y="0"/>
+                </a:lnTo>
+                <a:cubicBezTo>
+                  <a:pt x="1110360" y="35719"/>
+                  <a:pt x="1209214" y="78581"/>
+                  <a:pt x="1310975" y="110728"/>
+                </a:cubicBezTo>
+                <a:cubicBezTo>
+                  <a:pt x="1296437" y="146447"/>
+                  <a:pt x="1281900" y="139303"/>
+                  <a:pt x="1267362" y="135731"/>
+                </a:cubicBezTo>
+                <a:cubicBezTo>
+                  <a:pt x="1180139" y="121445"/>
+                  <a:pt x="1090008" y="110728"/>
+                  <a:pt x="1005692" y="71437"/>
+                </a:cubicBezTo>
+                <a:cubicBezTo>
+                  <a:pt x="985339" y="64294"/>
+                  <a:pt x="962080" y="64294"/>
+                  <a:pt x="953358" y="89297"/>
+                </a:cubicBezTo>
+                <a:cubicBezTo>
+                  <a:pt x="938820" y="125016"/>
+                  <a:pt x="959172" y="146447"/>
+                  <a:pt x="979525" y="164307"/>
+                </a:cubicBezTo>
+                <a:cubicBezTo>
+                  <a:pt x="1014414" y="196453"/>
+                  <a:pt x="1055118" y="189310"/>
+                  <a:pt x="1092915" y="192882"/>
+                </a:cubicBezTo>
+                <a:cubicBezTo>
+                  <a:pt x="1197583" y="210741"/>
+                  <a:pt x="1247011" y="260747"/>
+                  <a:pt x="1270270" y="375047"/>
+                </a:cubicBezTo>
+                <a:cubicBezTo>
+                  <a:pt x="1180139" y="328613"/>
+                  <a:pt x="1090008" y="385763"/>
+                  <a:pt x="1002784" y="353615"/>
+                </a:cubicBezTo>
+                <a:cubicBezTo>
+                  <a:pt x="979525" y="346472"/>
+                  <a:pt x="944635" y="357188"/>
+                  <a:pt x="956265" y="396479"/>
+                </a:cubicBezTo>
+                <a:cubicBezTo>
+                  <a:pt x="967894" y="432198"/>
+                  <a:pt x="1005692" y="460772"/>
+                  <a:pt x="938820" y="453629"/>
+                </a:cubicBezTo>
+                <a:cubicBezTo>
+                  <a:pt x="889393" y="450056"/>
+                  <a:pt x="874856" y="407194"/>
+                  <a:pt x="860319" y="360759"/>
+                </a:cubicBezTo>
+                <a:cubicBezTo>
+                  <a:pt x="848689" y="335757"/>
+                  <a:pt x="816707" y="321469"/>
+                  <a:pt x="793447" y="335757"/>
+                </a:cubicBezTo>
+                <a:cubicBezTo>
+                  <a:pt x="764373" y="350044"/>
+                  <a:pt x="773095" y="389335"/>
+                  <a:pt x="773095" y="417910"/>
+                </a:cubicBezTo>
+                <a:cubicBezTo>
+                  <a:pt x="770187" y="471488"/>
+                  <a:pt x="793447" y="496491"/>
+                  <a:pt x="834151" y="507206"/>
+                </a:cubicBezTo>
+                <a:cubicBezTo>
+                  <a:pt x="883579" y="521494"/>
+                  <a:pt x="933005" y="539354"/>
+                  <a:pt x="996969" y="560785"/>
+                </a:cubicBezTo>
+                <a:cubicBezTo>
+                  <a:pt x="927190" y="596503"/>
+                  <a:pt x="874856" y="589360"/>
+                  <a:pt x="822522" y="560785"/>
+                </a:cubicBezTo>
+                <a:cubicBezTo>
+                  <a:pt x="758558" y="528637"/>
+                  <a:pt x="674242" y="485775"/>
+                  <a:pt x="621908" y="525066"/>
+                </a:cubicBezTo>
+                <a:cubicBezTo>
+                  <a:pt x="543407" y="582216"/>
+                  <a:pt x="479443" y="546497"/>
+                  <a:pt x="409664" y="535781"/>
+                </a:cubicBezTo>
+                <a:cubicBezTo>
+                  <a:pt x="264290" y="514350"/>
+                  <a:pt x="354422" y="482204"/>
+                  <a:pt x="209049" y="464344"/>
+                </a:cubicBezTo>
+                <a:cubicBezTo>
+                  <a:pt x="150900" y="457200"/>
+                  <a:pt x="89843" y="428625"/>
+                  <a:pt x="5527" y="467916"/>
+                </a:cubicBezTo>
+                <a:cubicBezTo>
+                  <a:pt x="386404" y="675085"/>
+                  <a:pt x="566666" y="660797"/>
+                  <a:pt x="906838" y="914400"/>
+                </a:cubicBezTo>
+                <a:cubicBezTo>
+                  <a:pt x="892301" y="939404"/>
+                  <a:pt x="877764" y="928688"/>
+                  <a:pt x="863226" y="925116"/>
+                </a:cubicBezTo>
+                <a:cubicBezTo>
+                  <a:pt x="839967" y="921544"/>
+                  <a:pt x="810892" y="907256"/>
+                  <a:pt x="805077" y="953691"/>
+                </a:cubicBezTo>
+                <a:cubicBezTo>
+                  <a:pt x="802169" y="989410"/>
+                  <a:pt x="819615" y="1007269"/>
+                  <a:pt x="848689" y="1010841"/>
+                </a:cubicBezTo>
+                <a:cubicBezTo>
+                  <a:pt x="933005" y="1025129"/>
+                  <a:pt x="1008599" y="1075135"/>
+                  <a:pt x="1084193" y="1117997"/>
+                </a:cubicBezTo>
+                <a:cubicBezTo>
+                  <a:pt x="1119082" y="1135857"/>
+                  <a:pt x="1156879" y="1160860"/>
+                  <a:pt x="1142342" y="1225153"/>
+                </a:cubicBezTo>
+                <a:cubicBezTo>
+                  <a:pt x="1113268" y="1243013"/>
+                  <a:pt x="1092915" y="1218009"/>
+                  <a:pt x="1069655" y="1214438"/>
+                </a:cubicBezTo>
+                <a:cubicBezTo>
+                  <a:pt x="1046396" y="1210866"/>
+                  <a:pt x="991154" y="1225153"/>
+                  <a:pt x="1005692" y="1235869"/>
+                </a:cubicBezTo>
+                <a:cubicBezTo>
+                  <a:pt x="1072563" y="1275159"/>
+                  <a:pt x="950450" y="1371600"/>
+                  <a:pt x="1031858" y="1371600"/>
+                </a:cubicBezTo>
+                <a:cubicBezTo>
+                  <a:pt x="1165601" y="1371600"/>
+                  <a:pt x="1238288" y="1543050"/>
+                  <a:pt x="1366216" y="1546622"/>
+                </a:cubicBezTo>
+                <a:cubicBezTo>
+                  <a:pt x="1386568" y="1546622"/>
+                  <a:pt x="1395290" y="1578770"/>
+                  <a:pt x="1395290" y="1603772"/>
+                </a:cubicBezTo>
+                <a:cubicBezTo>
+                  <a:pt x="1395290" y="1635920"/>
+                  <a:pt x="1374939" y="1639491"/>
+                  <a:pt x="1354586" y="1643063"/>
+                </a:cubicBezTo>
+                <a:cubicBezTo>
+                  <a:pt x="1322604" y="1646635"/>
+                  <a:pt x="1287715" y="1603772"/>
+                  <a:pt x="1247011" y="1664494"/>
+                </a:cubicBezTo>
+                <a:cubicBezTo>
+                  <a:pt x="1322604" y="1700213"/>
+                  <a:pt x="1401105" y="1735932"/>
+                  <a:pt x="1398198" y="1857375"/>
+                </a:cubicBezTo>
+                <a:cubicBezTo>
+                  <a:pt x="1398198" y="1889523"/>
+                  <a:pt x="1430180" y="1903810"/>
+                  <a:pt x="1453440" y="1910954"/>
+                </a:cubicBezTo>
+                <a:cubicBezTo>
+                  <a:pt x="1494144" y="1925241"/>
+                  <a:pt x="1526126" y="1946673"/>
+                  <a:pt x="1549386" y="1993106"/>
+                </a:cubicBezTo>
+                <a:cubicBezTo>
+                  <a:pt x="1549386" y="2003822"/>
+                  <a:pt x="1549386" y="2010966"/>
+                  <a:pt x="1549386" y="2021681"/>
+                </a:cubicBezTo>
+                <a:cubicBezTo>
+                  <a:pt x="1543571" y="2132410"/>
+                  <a:pt x="1485422" y="2128838"/>
+                  <a:pt x="1421458" y="2110978"/>
+                </a:cubicBezTo>
+                <a:cubicBezTo>
+                  <a:pt x="1345864" y="2089547"/>
+                  <a:pt x="1270270" y="2046685"/>
+                  <a:pt x="1188861" y="2085976"/>
+                </a:cubicBezTo>
+                <a:cubicBezTo>
+                  <a:pt x="1302252" y="2139554"/>
+                  <a:pt x="1427272" y="2143126"/>
+                  <a:pt x="1531941" y="2218135"/>
+                </a:cubicBezTo>
+                <a:cubicBezTo>
+                  <a:pt x="1142342" y="2232422"/>
+                  <a:pt x="799262" y="1993106"/>
+                  <a:pt x="421293" y="1900238"/>
+                </a:cubicBezTo>
+                <a:cubicBezTo>
+                  <a:pt x="432923" y="1960960"/>
+                  <a:pt x="464905" y="1975247"/>
+                  <a:pt x="491072" y="1982391"/>
+                </a:cubicBezTo>
+                <a:cubicBezTo>
+                  <a:pt x="630630" y="2028825"/>
+                  <a:pt x="752743" y="2121695"/>
+                  <a:pt x="880671" y="2200276"/>
+                </a:cubicBezTo>
+                <a:cubicBezTo>
+                  <a:pt x="933005" y="2232422"/>
+                  <a:pt x="970802" y="2268142"/>
+                  <a:pt x="991154" y="2336007"/>
+                </a:cubicBezTo>
+                <a:cubicBezTo>
+                  <a:pt x="1008599" y="2400300"/>
+                  <a:pt x="1043489" y="2428875"/>
+                  <a:pt x="1107453" y="2411016"/>
+                </a:cubicBezTo>
+                <a:cubicBezTo>
+                  <a:pt x="1159787" y="2396729"/>
+                  <a:pt x="1215029" y="2403873"/>
+                  <a:pt x="1270270" y="2411016"/>
+                </a:cubicBezTo>
+                <a:cubicBezTo>
+                  <a:pt x="1331326" y="2418160"/>
+                  <a:pt x="1401105" y="2489597"/>
+                  <a:pt x="1386568" y="2528889"/>
+                </a:cubicBezTo>
+                <a:cubicBezTo>
+                  <a:pt x="1357494" y="2593182"/>
+                  <a:pt x="1308067" y="2561035"/>
+                  <a:pt x="1267362" y="2553891"/>
+                </a:cubicBezTo>
+                <a:cubicBezTo>
+                  <a:pt x="1217936" y="2546748"/>
+                  <a:pt x="1127805" y="2528889"/>
+                  <a:pt x="1127805" y="2536032"/>
+                </a:cubicBezTo>
+                <a:cubicBezTo>
+                  <a:pt x="1095822" y="2696766"/>
+                  <a:pt x="1023136" y="2575322"/>
+                  <a:pt x="970802" y="2575322"/>
+                </a:cubicBezTo>
+                <a:cubicBezTo>
+                  <a:pt x="921375" y="2575322"/>
+                  <a:pt x="871949" y="2557463"/>
+                  <a:pt x="825429" y="2543176"/>
+                </a:cubicBezTo>
+                <a:cubicBezTo>
+                  <a:pt x="764373" y="2525316"/>
+                  <a:pt x="709132" y="2557463"/>
+                  <a:pt x="650982" y="2564607"/>
+                </a:cubicBezTo>
+                <a:cubicBezTo>
+                  <a:pt x="598648" y="2571751"/>
+                  <a:pt x="627722" y="2664620"/>
+                  <a:pt x="595740" y="2703909"/>
+                </a:cubicBezTo>
+                <a:cubicBezTo>
+                  <a:pt x="589926" y="2714626"/>
+                  <a:pt x="584111" y="2714626"/>
+                  <a:pt x="578296" y="2714626"/>
+                </a:cubicBezTo>
+                <a:cubicBezTo>
+                  <a:pt x="560851" y="2993232"/>
+                  <a:pt x="255568" y="2925366"/>
+                  <a:pt x="255568" y="2936081"/>
+                </a:cubicBezTo>
+                <a:cubicBezTo>
+                  <a:pt x="229401" y="2953941"/>
+                  <a:pt x="197419" y="2911079"/>
+                  <a:pt x="165437" y="2953941"/>
+                </a:cubicBezTo>
+                <a:cubicBezTo>
+                  <a:pt x="302087" y="3150394"/>
+                  <a:pt x="511425" y="3196828"/>
+                  <a:pt x="697501" y="3343275"/>
+                </a:cubicBezTo>
+                <a:cubicBezTo>
+                  <a:pt x="543407" y="3393282"/>
+                  <a:pt x="453275" y="3221832"/>
+                  <a:pt x="339884" y="3243263"/>
+                </a:cubicBezTo>
+                <a:cubicBezTo>
+                  <a:pt x="284643" y="3296842"/>
+                  <a:pt x="450368" y="3382566"/>
+                  <a:pt x="290458" y="3407569"/>
+                </a:cubicBezTo>
+                <a:cubicBezTo>
+                  <a:pt x="360236" y="3454004"/>
+                  <a:pt x="409664" y="3500439"/>
+                  <a:pt x="459090" y="3554016"/>
+                </a:cubicBezTo>
+                <a:cubicBezTo>
+                  <a:pt x="543407" y="3650457"/>
+                  <a:pt x="560851" y="3714751"/>
+                  <a:pt x="520147" y="3843338"/>
+                </a:cubicBezTo>
+                <a:cubicBezTo>
+                  <a:pt x="493979" y="3929063"/>
+                  <a:pt x="456183" y="4007645"/>
+                  <a:pt x="491072" y="4107657"/>
+                </a:cubicBezTo>
+                <a:cubicBezTo>
+                  <a:pt x="514332" y="4175522"/>
+                  <a:pt x="505609" y="4221957"/>
+                  <a:pt x="418386" y="4189810"/>
+                </a:cubicBezTo>
+                <a:cubicBezTo>
+                  <a:pt x="325347" y="4157663"/>
+                  <a:pt x="290458" y="4218386"/>
+                  <a:pt x="313718" y="4339829"/>
+                </a:cubicBezTo>
+                <a:cubicBezTo>
+                  <a:pt x="328254" y="4418410"/>
+                  <a:pt x="313718" y="4443413"/>
+                  <a:pt x="249753" y="4432698"/>
+                </a:cubicBezTo>
+                <a:cubicBezTo>
+                  <a:pt x="179975" y="4421982"/>
+                  <a:pt x="113103" y="4371976"/>
+                  <a:pt x="25879" y="4396979"/>
+                </a:cubicBezTo>
+                <a:cubicBezTo>
+                  <a:pt x="95658" y="4539854"/>
+                  <a:pt x="243939" y="4496991"/>
+                  <a:pt x="325347" y="4632722"/>
+                </a:cubicBezTo>
+                <a:cubicBezTo>
+                  <a:pt x="229401" y="4632722"/>
+                  <a:pt x="153807" y="4632722"/>
+                  <a:pt x="84029" y="4604147"/>
+                </a:cubicBezTo>
+                <a:cubicBezTo>
+                  <a:pt x="54954" y="4593433"/>
+                  <a:pt x="22972" y="4579145"/>
+                  <a:pt x="5527" y="4622007"/>
+                </a:cubicBezTo>
+                <a:cubicBezTo>
+                  <a:pt x="-14826" y="4672014"/>
+                  <a:pt x="25879" y="4689872"/>
+                  <a:pt x="49139" y="4697016"/>
+                </a:cubicBezTo>
+                <a:cubicBezTo>
+                  <a:pt x="116011" y="4722019"/>
+                  <a:pt x="168344" y="4779170"/>
+                  <a:pt x="226494" y="4825604"/>
+                </a:cubicBezTo>
+                <a:cubicBezTo>
+                  <a:pt x="351514" y="4925616"/>
+                  <a:pt x="488165" y="5011341"/>
+                  <a:pt x="592833" y="5175647"/>
+                </a:cubicBezTo>
+                <a:cubicBezTo>
+                  <a:pt x="461997" y="5132785"/>
+                  <a:pt x="363144" y="5032772"/>
+                  <a:pt x="238123" y="5014913"/>
+                </a:cubicBezTo>
+                <a:cubicBezTo>
+                  <a:pt x="345700" y="5164932"/>
+                  <a:pt x="482350" y="5264944"/>
+                  <a:pt x="610278" y="5375673"/>
+                </a:cubicBezTo>
+                <a:cubicBezTo>
+                  <a:pt x="648075" y="5407819"/>
+                  <a:pt x="685872" y="5429250"/>
+                  <a:pt x="691686" y="5497116"/>
+                </a:cubicBezTo>
+                <a:cubicBezTo>
+                  <a:pt x="709132" y="5629276"/>
+                  <a:pt x="755650" y="5736432"/>
+                  <a:pt x="860319" y="5793582"/>
+                </a:cubicBezTo>
+                <a:cubicBezTo>
+                  <a:pt x="860319" y="5793582"/>
+                  <a:pt x="854504" y="5815013"/>
+                  <a:pt x="851597" y="5825729"/>
+                </a:cubicBezTo>
+                <a:cubicBezTo>
+                  <a:pt x="787632" y="5829301"/>
+                  <a:pt x="738206" y="5750720"/>
+                  <a:pt x="659704" y="5779295"/>
+                </a:cubicBezTo>
+                <a:cubicBezTo>
+                  <a:pt x="738206" y="5886451"/>
+                  <a:pt x="802169" y="5979319"/>
+                  <a:pt x="909746" y="6029326"/>
+                </a:cubicBezTo>
+                <a:cubicBezTo>
+                  <a:pt x="996969" y="6068616"/>
+                  <a:pt x="1104545" y="6093620"/>
+                  <a:pt x="1168509" y="6222207"/>
+                </a:cubicBezTo>
+                <a:cubicBezTo>
+                  <a:pt x="1095822" y="6247210"/>
+                  <a:pt x="1040581" y="6215063"/>
+                  <a:pt x="985339" y="6193632"/>
+                </a:cubicBezTo>
+                <a:cubicBezTo>
+                  <a:pt x="901023" y="6157913"/>
+                  <a:pt x="816707" y="6118623"/>
+                  <a:pt x="732391" y="6082904"/>
+                </a:cubicBezTo>
+                <a:cubicBezTo>
+                  <a:pt x="700408" y="6068616"/>
+                  <a:pt x="665519" y="6061472"/>
+                  <a:pt x="645167" y="6125766"/>
+                </a:cubicBezTo>
+                <a:cubicBezTo>
+                  <a:pt x="752743" y="6140053"/>
+                  <a:pt x="816707" y="6225779"/>
+                  <a:pt x="883579" y="6307932"/>
+                </a:cubicBezTo>
+                <a:cubicBezTo>
+                  <a:pt x="921375" y="6354366"/>
+                  <a:pt x="953358" y="6415088"/>
+                  <a:pt x="1020229" y="6393657"/>
+                </a:cubicBezTo>
+                <a:cubicBezTo>
+                  <a:pt x="1055118" y="6382942"/>
+                  <a:pt x="1078378" y="6415088"/>
+                  <a:pt x="1075471" y="6457950"/>
+                </a:cubicBezTo>
+                <a:cubicBezTo>
+                  <a:pt x="1060933" y="6607970"/>
+                  <a:pt x="1145250" y="6657976"/>
+                  <a:pt x="1232473" y="6686551"/>
+                </a:cubicBezTo>
+                <a:cubicBezTo>
+                  <a:pt x="1360401" y="6729413"/>
+                  <a:pt x="1473792" y="6815138"/>
+                  <a:pt x="1592997" y="6886576"/>
+                </a:cubicBezTo>
+                <a:lnTo>
+                  <a:pt x="5511704" y="6886576"/>
+                </a:lnTo>
+                <a:close/>
+              </a:path>
+            </a:pathLst>
+          </a:custGeom>
+          <a:solidFill>
+            <a:srgbClr val="9698C6">
+              <a:alpha val="20000"/>
+            </a:srgbClr>
+          </a:solidFill>
+          <a:ln w="32707" cap="flat">
+            <a:noFill/>
+            <a:prstDash val="solid"/>
+            <a:miter/>
+          </a:ln>
+        </p:spPr>
+        <p:txBody>
+          <a:bodyPr rtlCol="0" anchor="ctr"/>
+          <a:lstStyle/>
+          <a:p>
+            <a:endParaRPr lang="en-US" dirty="0"/>
+          </a:p>
+        </p:txBody>
+      </p:sp>
+      <p:sp>
+        <p:nvSpPr>
+          <p:cNvPr id="2" name="Titre 1">
+            <a:extLst>
+              <a:ext uri="{FF2B5EF4-FFF2-40B4-BE49-F238E27FC236}">
+                <a16:creationId xmlns:a16="http://schemas.microsoft.com/office/drawing/2014/main" id="{AA266468-95E4-42D0-B129-EF8A7A046F7A}"/>
+              </a:ext>
+            </a:extLst>
+          </p:cNvPr>
+          <p:cNvSpPr>
+            <a:spLocks noGrp="1"/>
+          </p:cNvSpPr>
+          <p:nvPr>
+            <p:ph type="title"/>
+          </p:nvPr>
+        </p:nvSpPr>
+        <p:spPr>
+          <a:xfrm>
+            <a:off x="838200" y="713312"/>
+            <a:ext cx="3461084" cy="5431376"/>
+          </a:xfrm>
+        </p:spPr>
+        <p:txBody>
+          <a:bodyPr>
+            <a:normAutofit/>
+          </a:bodyPr>
+          <a:lstStyle/>
+          <a:p>
+            <a:r>
+              <a:rPr lang="fr-FR"/>
+              <a:t>Difficultés rencontrées</a:t>
+            </a:r>
+          </a:p>
+        </p:txBody>
+      </p:sp>
+      <p:sp>
+        <p:nvSpPr>
+          <p:cNvPr id="3" name="Espace réservé du contenu 2">
+            <a:extLst>
+              <a:ext uri="{FF2B5EF4-FFF2-40B4-BE49-F238E27FC236}">
+                <a16:creationId xmlns:a16="http://schemas.microsoft.com/office/drawing/2014/main" id="{A2627E0F-8B2B-4E92-927D-30986FA7D1AC}"/>
+              </a:ext>
+            </a:extLst>
+          </p:cNvPr>
+          <p:cNvSpPr>
+            <a:spLocks noGrp="1"/>
+          </p:cNvSpPr>
+          <p:nvPr>
+            <p:ph idx="1"/>
+          </p:nvPr>
+        </p:nvSpPr>
+        <p:spPr>
+          <a:xfrm>
+            <a:off x="6095999" y="713313"/>
+            <a:ext cx="5257801" cy="5431376"/>
+          </a:xfrm>
+        </p:spPr>
+        <p:txBody>
+          <a:bodyPr vert="horz" lIns="91440" tIns="45720" rIns="91440" bIns="45720" rtlCol="0" anchor="ctr">
+            <a:normAutofit/>
+          </a:bodyPr>
+          <a:lstStyle/>
+          <a:p>
+            <a:r>
+              <a:rPr lang="fr-FR" sz="2000">
+                <a:ea typeface="+mn-lt"/>
+                <a:cs typeface="+mn-lt"/>
+              </a:rPr>
+              <a:t>L’environnement MVC</a:t>
+            </a:r>
+          </a:p>
+          <a:p>
+            <a:r>
+              <a:rPr lang="fr-FR" sz="2000">
+                <a:ea typeface="+mn-lt"/>
+                <a:cs typeface="+mn-lt"/>
+              </a:rPr>
+              <a:t>La mise en place de la Session </a:t>
+            </a:r>
+            <a:endParaRPr lang="fr-FR" sz="2000"/>
+          </a:p>
+        </p:txBody>
+      </p:sp>
+    </p:spTree>
+    <p:extLst>
+      <p:ext uri="{BB962C8B-B14F-4D97-AF65-F5344CB8AC3E}">
+        <p14:creationId xmlns:p14="http://schemas.microsoft.com/office/powerpoint/2010/main" val="1268166428"/>
       </p:ext>
     </p:extLst>
   </p:cSld>
@@ -19285,1152 +20343,6 @@
           <p:cNvPr id="2" name="Titre 1">
             <a:extLst>
               <a:ext uri="{FF2B5EF4-FFF2-40B4-BE49-F238E27FC236}">
-                <a16:creationId xmlns:a16="http://schemas.microsoft.com/office/drawing/2014/main" id="{AA266468-95E4-42D0-B129-EF8A7A046F7A}"/>
-              </a:ext>
-            </a:extLst>
-          </p:cNvPr>
-          <p:cNvSpPr>
-            <a:spLocks noGrp="1"/>
-          </p:cNvSpPr>
-          <p:nvPr>
-            <p:ph type="title"/>
-          </p:nvPr>
-        </p:nvSpPr>
-        <p:spPr>
-          <a:xfrm>
-            <a:off x="838200" y="713312"/>
-            <a:ext cx="3461084" cy="5431376"/>
-          </a:xfrm>
-        </p:spPr>
-        <p:txBody>
-          <a:bodyPr>
-            <a:normAutofit/>
-          </a:bodyPr>
-          <a:lstStyle/>
-          <a:p>
-            <a:r>
-              <a:rPr lang="fr-FR"/>
-              <a:t>Difficultés rencontrées</a:t>
-            </a:r>
-          </a:p>
-        </p:txBody>
-      </p:sp>
-      <p:sp>
-        <p:nvSpPr>
-          <p:cNvPr id="3" name="Espace réservé du contenu 2">
-            <a:extLst>
-              <a:ext uri="{FF2B5EF4-FFF2-40B4-BE49-F238E27FC236}">
-                <a16:creationId xmlns:a16="http://schemas.microsoft.com/office/drawing/2014/main" id="{A2627E0F-8B2B-4E92-927D-30986FA7D1AC}"/>
-              </a:ext>
-            </a:extLst>
-          </p:cNvPr>
-          <p:cNvSpPr>
-            <a:spLocks noGrp="1"/>
-          </p:cNvSpPr>
-          <p:nvPr>
-            <p:ph idx="1"/>
-          </p:nvPr>
-        </p:nvSpPr>
-        <p:spPr>
-          <a:xfrm>
-            <a:off x="6095999" y="713313"/>
-            <a:ext cx="5257801" cy="5431376"/>
-          </a:xfrm>
-        </p:spPr>
-        <p:txBody>
-          <a:bodyPr vert="horz" lIns="91440" tIns="45720" rIns="91440" bIns="45720" rtlCol="0" anchor="ctr">
-            <a:normAutofit/>
-          </a:bodyPr>
-          <a:lstStyle/>
-          <a:p>
-            <a:r>
-              <a:rPr lang="fr-FR" sz="2000">
-                <a:ea typeface="+mn-lt"/>
-                <a:cs typeface="+mn-lt"/>
-              </a:rPr>
-              <a:t>L’environnement MVC</a:t>
-            </a:r>
-          </a:p>
-          <a:p>
-            <a:r>
-              <a:rPr lang="fr-FR" sz="2000">
-                <a:ea typeface="+mn-lt"/>
-                <a:cs typeface="+mn-lt"/>
-              </a:rPr>
-              <a:t>La mise en place de la Session </a:t>
-            </a:r>
-            <a:endParaRPr lang="fr-FR" sz="2000"/>
-          </a:p>
-        </p:txBody>
-      </p:sp>
-    </p:spTree>
-    <p:extLst>
-      <p:ext uri="{BB962C8B-B14F-4D97-AF65-F5344CB8AC3E}">
-        <p14:creationId xmlns:p14="http://schemas.microsoft.com/office/powerpoint/2010/main" val="1268166428"/>
-      </p:ext>
-    </p:extLst>
-  </p:cSld>
-  <p:clrMapOvr>
-    <a:masterClrMapping/>
-  </p:clrMapOvr>
-</p:sld>
-</file>
-
-<file path=ppt/slides/slide15.xml><?xml version="1.0" encoding="utf-8"?>
-<p:sld xmlns:a="http://schemas.openxmlformats.org/drawingml/2006/main" xmlns:r="http://schemas.openxmlformats.org/officeDocument/2006/relationships" xmlns:p="http://schemas.openxmlformats.org/presentationml/2006/main">
-  <p:cSld>
-    <p:bg>
-      <p:bgPr>
-        <a:solidFill>
-          <a:schemeClr val="bg1"/>
-        </a:solidFill>
-        <a:effectLst/>
-      </p:bgPr>
-    </p:bg>
-    <p:spTree>
-      <p:nvGrpSpPr>
-        <p:cNvPr id="1" name=""/>
-        <p:cNvGrpSpPr/>
-        <p:nvPr/>
-      </p:nvGrpSpPr>
-      <p:grpSpPr>
-        <a:xfrm>
-          <a:off x="0" y="0"/>
-          <a:ext cx="0" cy="0"/>
-          <a:chOff x="0" y="0"/>
-          <a:chExt cx="0" cy="0"/>
-        </a:xfrm>
-      </p:grpSpPr>
-      <p:sp useBgFill="1">
-        <p:nvSpPr>
-          <p:cNvPr id="15" name="Rectangle 14">
-            <a:extLst>
-              <a:ext uri="{FF2B5EF4-FFF2-40B4-BE49-F238E27FC236}">
-                <a16:creationId xmlns:a16="http://schemas.microsoft.com/office/drawing/2014/main" id="{FBE20309-1FB9-4818-BAFA-9C4C0534178B}"/>
-              </a:ext>
-              <a:ext uri="{C183D7F6-B498-43B3-948B-1728B52AA6E4}">
-                <adec:decorative xmlns:adec="http://schemas.microsoft.com/office/drawing/2017/decorative" val="1"/>
-              </a:ext>
-            </a:extLst>
-          </p:cNvPr>
-          <p:cNvSpPr>
-            <a:spLocks noGrp="1" noRot="1" noChangeAspect="1" noMove="1" noResize="1" noEditPoints="1" noAdjustHandles="1" noChangeArrowheads="1" noChangeShapeType="1" noTextEdit="1"/>
-          </p:cNvSpPr>
-          <p:nvPr>
-            <p:extLst>
-              <p:ext uri="{386F3935-93C4-4BCD-93E2-E3B085C9AB24}">
-                <p16:designElem xmlns:p16="http://schemas.microsoft.com/office/powerpoint/2015/main" val="1"/>
-              </p:ext>
-            </p:extLst>
-          </p:nvPr>
-        </p:nvSpPr>
-        <p:spPr>
-          <a:xfrm>
-            <a:off x="0" y="0"/>
-            <a:ext cx="12188952" cy="6858000"/>
-          </a:xfrm>
-          <a:prstGeom prst="rect">
-            <a:avLst/>
-          </a:prstGeom>
-          <a:ln>
-            <a:noFill/>
-          </a:ln>
-        </p:spPr>
-        <p:style>
-          <a:lnRef idx="2">
-            <a:schemeClr val="accent1">
-              <a:shade val="50000"/>
-            </a:schemeClr>
-          </a:lnRef>
-          <a:fillRef idx="1">
-            <a:schemeClr val="accent1"/>
-          </a:fillRef>
-          <a:effectRef idx="0">
-            <a:schemeClr val="accent1"/>
-          </a:effectRef>
-          <a:fontRef idx="minor">
-            <a:schemeClr val="lt1"/>
-          </a:fontRef>
-        </p:style>
-        <p:txBody>
-          <a:bodyPr rtlCol="0" anchor="ctr"/>
-          <a:lstStyle/>
-          <a:p>
-            <a:pPr algn="ctr"/>
-            <a:endParaRPr lang="en-US"/>
-          </a:p>
-        </p:txBody>
-      </p:sp>
-      <p:sp>
-        <p:nvSpPr>
-          <p:cNvPr id="17" name="Freeform: Shape 16">
-            <a:extLst>
-              <a:ext uri="{FF2B5EF4-FFF2-40B4-BE49-F238E27FC236}">
-                <a16:creationId xmlns:a16="http://schemas.microsoft.com/office/drawing/2014/main" id="{FBD77573-9EF2-4C35-8285-A1CF6FBB0EA5}"/>
-              </a:ext>
-              <a:ext uri="{C183D7F6-B498-43B3-948B-1728B52AA6E4}">
-                <adec:decorative xmlns:adec="http://schemas.microsoft.com/office/drawing/2017/decorative" val="1"/>
-              </a:ext>
-            </a:extLst>
-          </p:cNvPr>
-          <p:cNvSpPr>
-            <a:spLocks noGrp="1" noRot="1" noChangeAspect="1" noMove="1" noResize="1" noEditPoints="1" noAdjustHandles="1" noChangeArrowheads="1" noChangeShapeType="1" noTextEdit="1"/>
-          </p:cNvSpPr>
-          <p:nvPr>
-            <p:extLst>
-              <p:ext uri="{386F3935-93C4-4BCD-93E2-E3B085C9AB24}">
-                <p16:designElem xmlns:p16="http://schemas.microsoft.com/office/powerpoint/2015/main" val="1"/>
-              </p:ext>
-            </p:extLst>
-          </p:nvPr>
-        </p:nvSpPr>
-        <p:spPr>
-          <a:xfrm flipH="1">
-            <a:off x="1" y="0"/>
-            <a:ext cx="5511704" cy="6858000"/>
-          </a:xfrm>
-          <a:custGeom>
-            <a:avLst/>
-            <a:gdLst>
-              <a:gd name="connsiteX0" fmla="*/ 5511704 w 5511704"/>
-              <a:gd name="connsiteY0" fmla="*/ 0 h 6886576"/>
-              <a:gd name="connsiteX1" fmla="*/ 1008599 w 5511704"/>
-              <a:gd name="connsiteY1" fmla="*/ 0 h 6886576"/>
-              <a:gd name="connsiteX2" fmla="*/ 1310975 w 5511704"/>
-              <a:gd name="connsiteY2" fmla="*/ 110728 h 6886576"/>
-              <a:gd name="connsiteX3" fmla="*/ 1267362 w 5511704"/>
-              <a:gd name="connsiteY3" fmla="*/ 135731 h 6886576"/>
-              <a:gd name="connsiteX4" fmla="*/ 1005692 w 5511704"/>
-              <a:gd name="connsiteY4" fmla="*/ 71437 h 6886576"/>
-              <a:gd name="connsiteX5" fmla="*/ 953358 w 5511704"/>
-              <a:gd name="connsiteY5" fmla="*/ 89297 h 6886576"/>
-              <a:gd name="connsiteX6" fmla="*/ 979525 w 5511704"/>
-              <a:gd name="connsiteY6" fmla="*/ 164307 h 6886576"/>
-              <a:gd name="connsiteX7" fmla="*/ 1092915 w 5511704"/>
-              <a:gd name="connsiteY7" fmla="*/ 192882 h 6886576"/>
-              <a:gd name="connsiteX8" fmla="*/ 1270270 w 5511704"/>
-              <a:gd name="connsiteY8" fmla="*/ 375047 h 6886576"/>
-              <a:gd name="connsiteX9" fmla="*/ 1002784 w 5511704"/>
-              <a:gd name="connsiteY9" fmla="*/ 353615 h 6886576"/>
-              <a:gd name="connsiteX10" fmla="*/ 956265 w 5511704"/>
-              <a:gd name="connsiteY10" fmla="*/ 396479 h 6886576"/>
-              <a:gd name="connsiteX11" fmla="*/ 938820 w 5511704"/>
-              <a:gd name="connsiteY11" fmla="*/ 453629 h 6886576"/>
-              <a:gd name="connsiteX12" fmla="*/ 860319 w 5511704"/>
-              <a:gd name="connsiteY12" fmla="*/ 360759 h 6886576"/>
-              <a:gd name="connsiteX13" fmla="*/ 793447 w 5511704"/>
-              <a:gd name="connsiteY13" fmla="*/ 335757 h 6886576"/>
-              <a:gd name="connsiteX14" fmla="*/ 773095 w 5511704"/>
-              <a:gd name="connsiteY14" fmla="*/ 417910 h 6886576"/>
-              <a:gd name="connsiteX15" fmla="*/ 834151 w 5511704"/>
-              <a:gd name="connsiteY15" fmla="*/ 507206 h 6886576"/>
-              <a:gd name="connsiteX16" fmla="*/ 996969 w 5511704"/>
-              <a:gd name="connsiteY16" fmla="*/ 560785 h 6886576"/>
-              <a:gd name="connsiteX17" fmla="*/ 822522 w 5511704"/>
-              <a:gd name="connsiteY17" fmla="*/ 560785 h 6886576"/>
-              <a:gd name="connsiteX18" fmla="*/ 621908 w 5511704"/>
-              <a:gd name="connsiteY18" fmla="*/ 525066 h 6886576"/>
-              <a:gd name="connsiteX19" fmla="*/ 409664 w 5511704"/>
-              <a:gd name="connsiteY19" fmla="*/ 535781 h 6886576"/>
-              <a:gd name="connsiteX20" fmla="*/ 209049 w 5511704"/>
-              <a:gd name="connsiteY20" fmla="*/ 464344 h 6886576"/>
-              <a:gd name="connsiteX21" fmla="*/ 5527 w 5511704"/>
-              <a:gd name="connsiteY21" fmla="*/ 467916 h 6886576"/>
-              <a:gd name="connsiteX22" fmla="*/ 906838 w 5511704"/>
-              <a:gd name="connsiteY22" fmla="*/ 914400 h 6886576"/>
-              <a:gd name="connsiteX23" fmla="*/ 863226 w 5511704"/>
-              <a:gd name="connsiteY23" fmla="*/ 925116 h 6886576"/>
-              <a:gd name="connsiteX24" fmla="*/ 805077 w 5511704"/>
-              <a:gd name="connsiteY24" fmla="*/ 953691 h 6886576"/>
-              <a:gd name="connsiteX25" fmla="*/ 848689 w 5511704"/>
-              <a:gd name="connsiteY25" fmla="*/ 1010841 h 6886576"/>
-              <a:gd name="connsiteX26" fmla="*/ 1084193 w 5511704"/>
-              <a:gd name="connsiteY26" fmla="*/ 1117997 h 6886576"/>
-              <a:gd name="connsiteX27" fmla="*/ 1142342 w 5511704"/>
-              <a:gd name="connsiteY27" fmla="*/ 1225153 h 6886576"/>
-              <a:gd name="connsiteX28" fmla="*/ 1069655 w 5511704"/>
-              <a:gd name="connsiteY28" fmla="*/ 1214438 h 6886576"/>
-              <a:gd name="connsiteX29" fmla="*/ 1005692 w 5511704"/>
-              <a:gd name="connsiteY29" fmla="*/ 1235869 h 6886576"/>
-              <a:gd name="connsiteX30" fmla="*/ 1031858 w 5511704"/>
-              <a:gd name="connsiteY30" fmla="*/ 1371600 h 6886576"/>
-              <a:gd name="connsiteX31" fmla="*/ 1366216 w 5511704"/>
-              <a:gd name="connsiteY31" fmla="*/ 1546622 h 6886576"/>
-              <a:gd name="connsiteX32" fmla="*/ 1395290 w 5511704"/>
-              <a:gd name="connsiteY32" fmla="*/ 1603772 h 6886576"/>
-              <a:gd name="connsiteX33" fmla="*/ 1354586 w 5511704"/>
-              <a:gd name="connsiteY33" fmla="*/ 1643063 h 6886576"/>
-              <a:gd name="connsiteX34" fmla="*/ 1247011 w 5511704"/>
-              <a:gd name="connsiteY34" fmla="*/ 1664494 h 6886576"/>
-              <a:gd name="connsiteX35" fmla="*/ 1398198 w 5511704"/>
-              <a:gd name="connsiteY35" fmla="*/ 1857375 h 6886576"/>
-              <a:gd name="connsiteX36" fmla="*/ 1453440 w 5511704"/>
-              <a:gd name="connsiteY36" fmla="*/ 1910954 h 6886576"/>
-              <a:gd name="connsiteX37" fmla="*/ 1549386 w 5511704"/>
-              <a:gd name="connsiteY37" fmla="*/ 1993106 h 6886576"/>
-              <a:gd name="connsiteX38" fmla="*/ 1549386 w 5511704"/>
-              <a:gd name="connsiteY38" fmla="*/ 2021681 h 6886576"/>
-              <a:gd name="connsiteX39" fmla="*/ 1421458 w 5511704"/>
-              <a:gd name="connsiteY39" fmla="*/ 2110978 h 6886576"/>
-              <a:gd name="connsiteX40" fmla="*/ 1188861 w 5511704"/>
-              <a:gd name="connsiteY40" fmla="*/ 2085976 h 6886576"/>
-              <a:gd name="connsiteX41" fmla="*/ 1531941 w 5511704"/>
-              <a:gd name="connsiteY41" fmla="*/ 2218135 h 6886576"/>
-              <a:gd name="connsiteX42" fmla="*/ 421293 w 5511704"/>
-              <a:gd name="connsiteY42" fmla="*/ 1900238 h 6886576"/>
-              <a:gd name="connsiteX43" fmla="*/ 491072 w 5511704"/>
-              <a:gd name="connsiteY43" fmla="*/ 1982391 h 6886576"/>
-              <a:gd name="connsiteX44" fmla="*/ 880671 w 5511704"/>
-              <a:gd name="connsiteY44" fmla="*/ 2200276 h 6886576"/>
-              <a:gd name="connsiteX45" fmla="*/ 991154 w 5511704"/>
-              <a:gd name="connsiteY45" fmla="*/ 2336007 h 6886576"/>
-              <a:gd name="connsiteX46" fmla="*/ 1107453 w 5511704"/>
-              <a:gd name="connsiteY46" fmla="*/ 2411016 h 6886576"/>
-              <a:gd name="connsiteX47" fmla="*/ 1270270 w 5511704"/>
-              <a:gd name="connsiteY47" fmla="*/ 2411016 h 6886576"/>
-              <a:gd name="connsiteX48" fmla="*/ 1386568 w 5511704"/>
-              <a:gd name="connsiteY48" fmla="*/ 2528889 h 6886576"/>
-              <a:gd name="connsiteX49" fmla="*/ 1267362 w 5511704"/>
-              <a:gd name="connsiteY49" fmla="*/ 2553891 h 6886576"/>
-              <a:gd name="connsiteX50" fmla="*/ 1127805 w 5511704"/>
-              <a:gd name="connsiteY50" fmla="*/ 2536032 h 6886576"/>
-              <a:gd name="connsiteX51" fmla="*/ 970802 w 5511704"/>
-              <a:gd name="connsiteY51" fmla="*/ 2575322 h 6886576"/>
-              <a:gd name="connsiteX52" fmla="*/ 825429 w 5511704"/>
-              <a:gd name="connsiteY52" fmla="*/ 2543176 h 6886576"/>
-              <a:gd name="connsiteX53" fmla="*/ 650982 w 5511704"/>
-              <a:gd name="connsiteY53" fmla="*/ 2564607 h 6886576"/>
-              <a:gd name="connsiteX54" fmla="*/ 595740 w 5511704"/>
-              <a:gd name="connsiteY54" fmla="*/ 2703909 h 6886576"/>
-              <a:gd name="connsiteX55" fmla="*/ 578296 w 5511704"/>
-              <a:gd name="connsiteY55" fmla="*/ 2714626 h 6886576"/>
-              <a:gd name="connsiteX56" fmla="*/ 255568 w 5511704"/>
-              <a:gd name="connsiteY56" fmla="*/ 2936081 h 6886576"/>
-              <a:gd name="connsiteX57" fmla="*/ 165437 w 5511704"/>
-              <a:gd name="connsiteY57" fmla="*/ 2953941 h 6886576"/>
-              <a:gd name="connsiteX58" fmla="*/ 697501 w 5511704"/>
-              <a:gd name="connsiteY58" fmla="*/ 3343275 h 6886576"/>
-              <a:gd name="connsiteX59" fmla="*/ 339884 w 5511704"/>
-              <a:gd name="connsiteY59" fmla="*/ 3243263 h 6886576"/>
-              <a:gd name="connsiteX60" fmla="*/ 290458 w 5511704"/>
-              <a:gd name="connsiteY60" fmla="*/ 3407569 h 6886576"/>
-              <a:gd name="connsiteX61" fmla="*/ 459090 w 5511704"/>
-              <a:gd name="connsiteY61" fmla="*/ 3554016 h 6886576"/>
-              <a:gd name="connsiteX62" fmla="*/ 520147 w 5511704"/>
-              <a:gd name="connsiteY62" fmla="*/ 3843338 h 6886576"/>
-              <a:gd name="connsiteX63" fmla="*/ 491072 w 5511704"/>
-              <a:gd name="connsiteY63" fmla="*/ 4107657 h 6886576"/>
-              <a:gd name="connsiteX64" fmla="*/ 418386 w 5511704"/>
-              <a:gd name="connsiteY64" fmla="*/ 4189810 h 6886576"/>
-              <a:gd name="connsiteX65" fmla="*/ 313718 w 5511704"/>
-              <a:gd name="connsiteY65" fmla="*/ 4339829 h 6886576"/>
-              <a:gd name="connsiteX66" fmla="*/ 249753 w 5511704"/>
-              <a:gd name="connsiteY66" fmla="*/ 4432698 h 6886576"/>
-              <a:gd name="connsiteX67" fmla="*/ 25879 w 5511704"/>
-              <a:gd name="connsiteY67" fmla="*/ 4396979 h 6886576"/>
-              <a:gd name="connsiteX68" fmla="*/ 325347 w 5511704"/>
-              <a:gd name="connsiteY68" fmla="*/ 4632722 h 6886576"/>
-              <a:gd name="connsiteX69" fmla="*/ 84029 w 5511704"/>
-              <a:gd name="connsiteY69" fmla="*/ 4604147 h 6886576"/>
-              <a:gd name="connsiteX70" fmla="*/ 5527 w 5511704"/>
-              <a:gd name="connsiteY70" fmla="*/ 4622007 h 6886576"/>
-              <a:gd name="connsiteX71" fmla="*/ 49139 w 5511704"/>
-              <a:gd name="connsiteY71" fmla="*/ 4697016 h 6886576"/>
-              <a:gd name="connsiteX72" fmla="*/ 226494 w 5511704"/>
-              <a:gd name="connsiteY72" fmla="*/ 4825604 h 6886576"/>
-              <a:gd name="connsiteX73" fmla="*/ 592833 w 5511704"/>
-              <a:gd name="connsiteY73" fmla="*/ 5175647 h 6886576"/>
-              <a:gd name="connsiteX74" fmla="*/ 238123 w 5511704"/>
-              <a:gd name="connsiteY74" fmla="*/ 5014913 h 6886576"/>
-              <a:gd name="connsiteX75" fmla="*/ 610278 w 5511704"/>
-              <a:gd name="connsiteY75" fmla="*/ 5375673 h 6886576"/>
-              <a:gd name="connsiteX76" fmla="*/ 691686 w 5511704"/>
-              <a:gd name="connsiteY76" fmla="*/ 5497116 h 6886576"/>
-              <a:gd name="connsiteX77" fmla="*/ 860319 w 5511704"/>
-              <a:gd name="connsiteY77" fmla="*/ 5793582 h 6886576"/>
-              <a:gd name="connsiteX78" fmla="*/ 851597 w 5511704"/>
-              <a:gd name="connsiteY78" fmla="*/ 5825729 h 6886576"/>
-              <a:gd name="connsiteX79" fmla="*/ 659704 w 5511704"/>
-              <a:gd name="connsiteY79" fmla="*/ 5779295 h 6886576"/>
-              <a:gd name="connsiteX80" fmla="*/ 909746 w 5511704"/>
-              <a:gd name="connsiteY80" fmla="*/ 6029326 h 6886576"/>
-              <a:gd name="connsiteX81" fmla="*/ 1168509 w 5511704"/>
-              <a:gd name="connsiteY81" fmla="*/ 6222207 h 6886576"/>
-              <a:gd name="connsiteX82" fmla="*/ 985339 w 5511704"/>
-              <a:gd name="connsiteY82" fmla="*/ 6193632 h 6886576"/>
-              <a:gd name="connsiteX83" fmla="*/ 732391 w 5511704"/>
-              <a:gd name="connsiteY83" fmla="*/ 6082904 h 6886576"/>
-              <a:gd name="connsiteX84" fmla="*/ 645167 w 5511704"/>
-              <a:gd name="connsiteY84" fmla="*/ 6125766 h 6886576"/>
-              <a:gd name="connsiteX85" fmla="*/ 883579 w 5511704"/>
-              <a:gd name="connsiteY85" fmla="*/ 6307932 h 6886576"/>
-              <a:gd name="connsiteX86" fmla="*/ 1020229 w 5511704"/>
-              <a:gd name="connsiteY86" fmla="*/ 6393657 h 6886576"/>
-              <a:gd name="connsiteX87" fmla="*/ 1075471 w 5511704"/>
-              <a:gd name="connsiteY87" fmla="*/ 6457950 h 6886576"/>
-              <a:gd name="connsiteX88" fmla="*/ 1232473 w 5511704"/>
-              <a:gd name="connsiteY88" fmla="*/ 6686551 h 6886576"/>
-              <a:gd name="connsiteX89" fmla="*/ 1592997 w 5511704"/>
-              <a:gd name="connsiteY89" fmla="*/ 6886576 h 6886576"/>
-              <a:gd name="connsiteX90" fmla="*/ 5511704 w 5511704"/>
-              <a:gd name="connsiteY90" fmla="*/ 6886576 h 6886576"/>
-            </a:gdLst>
-            <a:ahLst/>
-            <a:cxnLst>
-              <a:cxn ang="0">
-                <a:pos x="connsiteX0" y="connsiteY0"/>
-              </a:cxn>
-              <a:cxn ang="0">
-                <a:pos x="connsiteX1" y="connsiteY1"/>
-              </a:cxn>
-              <a:cxn ang="0">
-                <a:pos x="connsiteX2" y="connsiteY2"/>
-              </a:cxn>
-              <a:cxn ang="0">
-                <a:pos x="connsiteX3" y="connsiteY3"/>
-              </a:cxn>
-              <a:cxn ang="0">
-                <a:pos x="connsiteX4" y="connsiteY4"/>
-              </a:cxn>
-              <a:cxn ang="0">
-                <a:pos x="connsiteX5" y="connsiteY5"/>
-              </a:cxn>
-              <a:cxn ang="0">
-                <a:pos x="connsiteX6" y="connsiteY6"/>
-              </a:cxn>
-              <a:cxn ang="0">
-                <a:pos x="connsiteX7" y="connsiteY7"/>
-              </a:cxn>
-              <a:cxn ang="0">
-                <a:pos x="connsiteX8" y="connsiteY8"/>
-              </a:cxn>
-              <a:cxn ang="0">
-                <a:pos x="connsiteX9" y="connsiteY9"/>
-              </a:cxn>
-              <a:cxn ang="0">
-                <a:pos x="connsiteX10" y="connsiteY10"/>
-              </a:cxn>
-              <a:cxn ang="0">
-                <a:pos x="connsiteX11" y="connsiteY11"/>
-              </a:cxn>
-              <a:cxn ang="0">
-                <a:pos x="connsiteX12" y="connsiteY12"/>
-              </a:cxn>
-              <a:cxn ang="0">
-                <a:pos x="connsiteX13" y="connsiteY13"/>
-              </a:cxn>
-              <a:cxn ang="0">
-                <a:pos x="connsiteX14" y="connsiteY14"/>
-              </a:cxn>
-              <a:cxn ang="0">
-                <a:pos x="connsiteX15" y="connsiteY15"/>
-              </a:cxn>
-              <a:cxn ang="0">
-                <a:pos x="connsiteX16" y="connsiteY16"/>
-              </a:cxn>
-              <a:cxn ang="0">
-                <a:pos x="connsiteX17" y="connsiteY17"/>
-              </a:cxn>
-              <a:cxn ang="0">
-                <a:pos x="connsiteX18" y="connsiteY18"/>
-              </a:cxn>
-              <a:cxn ang="0">
-                <a:pos x="connsiteX19" y="connsiteY19"/>
-              </a:cxn>
-              <a:cxn ang="0">
-                <a:pos x="connsiteX20" y="connsiteY20"/>
-              </a:cxn>
-              <a:cxn ang="0">
-                <a:pos x="connsiteX21" y="connsiteY21"/>
-              </a:cxn>
-              <a:cxn ang="0">
-                <a:pos x="connsiteX22" y="connsiteY22"/>
-              </a:cxn>
-              <a:cxn ang="0">
-                <a:pos x="connsiteX23" y="connsiteY23"/>
-              </a:cxn>
-              <a:cxn ang="0">
-                <a:pos x="connsiteX24" y="connsiteY24"/>
-              </a:cxn>
-              <a:cxn ang="0">
-                <a:pos x="connsiteX25" y="connsiteY25"/>
-              </a:cxn>
-              <a:cxn ang="0">
-                <a:pos x="connsiteX26" y="connsiteY26"/>
-              </a:cxn>
-              <a:cxn ang="0">
-                <a:pos x="connsiteX27" y="connsiteY27"/>
-              </a:cxn>
-              <a:cxn ang="0">
-                <a:pos x="connsiteX28" y="connsiteY28"/>
-              </a:cxn>
-              <a:cxn ang="0">
-                <a:pos x="connsiteX29" y="connsiteY29"/>
-              </a:cxn>
-              <a:cxn ang="0">
-                <a:pos x="connsiteX30" y="connsiteY30"/>
-              </a:cxn>
-              <a:cxn ang="0">
-                <a:pos x="connsiteX31" y="connsiteY31"/>
-              </a:cxn>
-              <a:cxn ang="0">
-                <a:pos x="connsiteX32" y="connsiteY32"/>
-              </a:cxn>
-              <a:cxn ang="0">
-                <a:pos x="connsiteX33" y="connsiteY33"/>
-              </a:cxn>
-              <a:cxn ang="0">
-                <a:pos x="connsiteX34" y="connsiteY34"/>
-              </a:cxn>
-              <a:cxn ang="0">
-                <a:pos x="connsiteX35" y="connsiteY35"/>
-              </a:cxn>
-              <a:cxn ang="0">
-                <a:pos x="connsiteX36" y="connsiteY36"/>
-              </a:cxn>
-              <a:cxn ang="0">
-                <a:pos x="connsiteX37" y="connsiteY37"/>
-              </a:cxn>
-              <a:cxn ang="0">
-                <a:pos x="connsiteX38" y="connsiteY38"/>
-              </a:cxn>
-              <a:cxn ang="0">
-                <a:pos x="connsiteX39" y="connsiteY39"/>
-              </a:cxn>
-              <a:cxn ang="0">
-                <a:pos x="connsiteX40" y="connsiteY40"/>
-              </a:cxn>
-              <a:cxn ang="0">
-                <a:pos x="connsiteX41" y="connsiteY41"/>
-              </a:cxn>
-              <a:cxn ang="0">
-                <a:pos x="connsiteX42" y="connsiteY42"/>
-              </a:cxn>
-              <a:cxn ang="0">
-                <a:pos x="connsiteX43" y="connsiteY43"/>
-              </a:cxn>
-              <a:cxn ang="0">
-                <a:pos x="connsiteX44" y="connsiteY44"/>
-              </a:cxn>
-              <a:cxn ang="0">
-                <a:pos x="connsiteX45" y="connsiteY45"/>
-              </a:cxn>
-              <a:cxn ang="0">
-                <a:pos x="connsiteX46" y="connsiteY46"/>
-              </a:cxn>
-              <a:cxn ang="0">
-                <a:pos x="connsiteX47" y="connsiteY47"/>
-              </a:cxn>
-              <a:cxn ang="0">
-                <a:pos x="connsiteX48" y="connsiteY48"/>
-              </a:cxn>
-              <a:cxn ang="0">
-                <a:pos x="connsiteX49" y="connsiteY49"/>
-              </a:cxn>
-              <a:cxn ang="0">
-                <a:pos x="connsiteX50" y="connsiteY50"/>
-              </a:cxn>
-              <a:cxn ang="0">
-                <a:pos x="connsiteX51" y="connsiteY51"/>
-              </a:cxn>
-              <a:cxn ang="0">
-                <a:pos x="connsiteX52" y="connsiteY52"/>
-              </a:cxn>
-              <a:cxn ang="0">
-                <a:pos x="connsiteX53" y="connsiteY53"/>
-              </a:cxn>
-              <a:cxn ang="0">
-                <a:pos x="connsiteX54" y="connsiteY54"/>
-              </a:cxn>
-              <a:cxn ang="0">
-                <a:pos x="connsiteX55" y="connsiteY55"/>
-              </a:cxn>
-              <a:cxn ang="0">
-                <a:pos x="connsiteX56" y="connsiteY56"/>
-              </a:cxn>
-              <a:cxn ang="0">
-                <a:pos x="connsiteX57" y="connsiteY57"/>
-              </a:cxn>
-              <a:cxn ang="0">
-                <a:pos x="connsiteX58" y="connsiteY58"/>
-              </a:cxn>
-              <a:cxn ang="0">
-                <a:pos x="connsiteX59" y="connsiteY59"/>
-              </a:cxn>
-              <a:cxn ang="0">
-                <a:pos x="connsiteX60" y="connsiteY60"/>
-              </a:cxn>
-              <a:cxn ang="0">
-                <a:pos x="connsiteX61" y="connsiteY61"/>
-              </a:cxn>
-              <a:cxn ang="0">
-                <a:pos x="connsiteX62" y="connsiteY62"/>
-              </a:cxn>
-              <a:cxn ang="0">
-                <a:pos x="connsiteX63" y="connsiteY63"/>
-              </a:cxn>
-              <a:cxn ang="0">
-                <a:pos x="connsiteX64" y="connsiteY64"/>
-              </a:cxn>
-              <a:cxn ang="0">
-                <a:pos x="connsiteX65" y="connsiteY65"/>
-              </a:cxn>
-              <a:cxn ang="0">
-                <a:pos x="connsiteX66" y="connsiteY66"/>
-              </a:cxn>
-              <a:cxn ang="0">
-                <a:pos x="connsiteX67" y="connsiteY67"/>
-              </a:cxn>
-              <a:cxn ang="0">
-                <a:pos x="connsiteX68" y="connsiteY68"/>
-              </a:cxn>
-              <a:cxn ang="0">
-                <a:pos x="connsiteX69" y="connsiteY69"/>
-              </a:cxn>
-              <a:cxn ang="0">
-                <a:pos x="connsiteX70" y="connsiteY70"/>
-              </a:cxn>
-              <a:cxn ang="0">
-                <a:pos x="connsiteX71" y="connsiteY71"/>
-              </a:cxn>
-              <a:cxn ang="0">
-                <a:pos x="connsiteX72" y="connsiteY72"/>
-              </a:cxn>
-              <a:cxn ang="0">
-                <a:pos x="connsiteX73" y="connsiteY73"/>
-              </a:cxn>
-              <a:cxn ang="0">
-                <a:pos x="connsiteX74" y="connsiteY74"/>
-              </a:cxn>
-              <a:cxn ang="0">
-                <a:pos x="connsiteX75" y="connsiteY75"/>
-              </a:cxn>
-              <a:cxn ang="0">
-                <a:pos x="connsiteX76" y="connsiteY76"/>
-              </a:cxn>
-              <a:cxn ang="0">
-                <a:pos x="connsiteX77" y="connsiteY77"/>
-              </a:cxn>
-              <a:cxn ang="0">
-                <a:pos x="connsiteX78" y="connsiteY78"/>
-              </a:cxn>
-              <a:cxn ang="0">
-                <a:pos x="connsiteX79" y="connsiteY79"/>
-              </a:cxn>
-              <a:cxn ang="0">
-                <a:pos x="connsiteX80" y="connsiteY80"/>
-              </a:cxn>
-              <a:cxn ang="0">
-                <a:pos x="connsiteX81" y="connsiteY81"/>
-              </a:cxn>
-              <a:cxn ang="0">
-                <a:pos x="connsiteX82" y="connsiteY82"/>
-              </a:cxn>
-              <a:cxn ang="0">
-                <a:pos x="connsiteX83" y="connsiteY83"/>
-              </a:cxn>
-              <a:cxn ang="0">
-                <a:pos x="connsiteX84" y="connsiteY84"/>
-              </a:cxn>
-              <a:cxn ang="0">
-                <a:pos x="connsiteX85" y="connsiteY85"/>
-              </a:cxn>
-              <a:cxn ang="0">
-                <a:pos x="connsiteX86" y="connsiteY86"/>
-              </a:cxn>
-              <a:cxn ang="0">
-                <a:pos x="connsiteX87" y="connsiteY87"/>
-              </a:cxn>
-              <a:cxn ang="0">
-                <a:pos x="connsiteX88" y="connsiteY88"/>
-              </a:cxn>
-              <a:cxn ang="0">
-                <a:pos x="connsiteX89" y="connsiteY89"/>
-              </a:cxn>
-              <a:cxn ang="0">
-                <a:pos x="connsiteX90" y="connsiteY90"/>
-              </a:cxn>
-            </a:cxnLst>
-            <a:rect l="l" t="t" r="r" b="b"/>
-            <a:pathLst>
-              <a:path w="5511704" h="6886576">
-                <a:moveTo>
-                  <a:pt x="5511704" y="0"/>
-                </a:moveTo>
-                <a:lnTo>
-                  <a:pt x="1008599" y="0"/>
-                </a:lnTo>
-                <a:cubicBezTo>
-                  <a:pt x="1110360" y="35719"/>
-                  <a:pt x="1209214" y="78581"/>
-                  <a:pt x="1310975" y="110728"/>
-                </a:cubicBezTo>
-                <a:cubicBezTo>
-                  <a:pt x="1296437" y="146447"/>
-                  <a:pt x="1281900" y="139303"/>
-                  <a:pt x="1267362" y="135731"/>
-                </a:cubicBezTo>
-                <a:cubicBezTo>
-                  <a:pt x="1180139" y="121445"/>
-                  <a:pt x="1090008" y="110728"/>
-                  <a:pt x="1005692" y="71437"/>
-                </a:cubicBezTo>
-                <a:cubicBezTo>
-                  <a:pt x="985339" y="64294"/>
-                  <a:pt x="962080" y="64294"/>
-                  <a:pt x="953358" y="89297"/>
-                </a:cubicBezTo>
-                <a:cubicBezTo>
-                  <a:pt x="938820" y="125016"/>
-                  <a:pt x="959172" y="146447"/>
-                  <a:pt x="979525" y="164307"/>
-                </a:cubicBezTo>
-                <a:cubicBezTo>
-                  <a:pt x="1014414" y="196453"/>
-                  <a:pt x="1055118" y="189310"/>
-                  <a:pt x="1092915" y="192882"/>
-                </a:cubicBezTo>
-                <a:cubicBezTo>
-                  <a:pt x="1197583" y="210741"/>
-                  <a:pt x="1247011" y="260747"/>
-                  <a:pt x="1270270" y="375047"/>
-                </a:cubicBezTo>
-                <a:cubicBezTo>
-                  <a:pt x="1180139" y="328613"/>
-                  <a:pt x="1090008" y="385763"/>
-                  <a:pt x="1002784" y="353615"/>
-                </a:cubicBezTo>
-                <a:cubicBezTo>
-                  <a:pt x="979525" y="346472"/>
-                  <a:pt x="944635" y="357188"/>
-                  <a:pt x="956265" y="396479"/>
-                </a:cubicBezTo>
-                <a:cubicBezTo>
-                  <a:pt x="967894" y="432198"/>
-                  <a:pt x="1005692" y="460772"/>
-                  <a:pt x="938820" y="453629"/>
-                </a:cubicBezTo>
-                <a:cubicBezTo>
-                  <a:pt x="889393" y="450056"/>
-                  <a:pt x="874856" y="407194"/>
-                  <a:pt x="860319" y="360759"/>
-                </a:cubicBezTo>
-                <a:cubicBezTo>
-                  <a:pt x="848689" y="335757"/>
-                  <a:pt x="816707" y="321469"/>
-                  <a:pt x="793447" y="335757"/>
-                </a:cubicBezTo>
-                <a:cubicBezTo>
-                  <a:pt x="764373" y="350044"/>
-                  <a:pt x="773095" y="389335"/>
-                  <a:pt x="773095" y="417910"/>
-                </a:cubicBezTo>
-                <a:cubicBezTo>
-                  <a:pt x="770187" y="471488"/>
-                  <a:pt x="793447" y="496491"/>
-                  <a:pt x="834151" y="507206"/>
-                </a:cubicBezTo>
-                <a:cubicBezTo>
-                  <a:pt x="883579" y="521494"/>
-                  <a:pt x="933005" y="539354"/>
-                  <a:pt x="996969" y="560785"/>
-                </a:cubicBezTo>
-                <a:cubicBezTo>
-                  <a:pt x="927190" y="596503"/>
-                  <a:pt x="874856" y="589360"/>
-                  <a:pt x="822522" y="560785"/>
-                </a:cubicBezTo>
-                <a:cubicBezTo>
-                  <a:pt x="758558" y="528637"/>
-                  <a:pt x="674242" y="485775"/>
-                  <a:pt x="621908" y="525066"/>
-                </a:cubicBezTo>
-                <a:cubicBezTo>
-                  <a:pt x="543407" y="582216"/>
-                  <a:pt x="479443" y="546497"/>
-                  <a:pt x="409664" y="535781"/>
-                </a:cubicBezTo>
-                <a:cubicBezTo>
-                  <a:pt x="264290" y="514350"/>
-                  <a:pt x="354422" y="482204"/>
-                  <a:pt x="209049" y="464344"/>
-                </a:cubicBezTo>
-                <a:cubicBezTo>
-                  <a:pt x="150900" y="457200"/>
-                  <a:pt x="89843" y="428625"/>
-                  <a:pt x="5527" y="467916"/>
-                </a:cubicBezTo>
-                <a:cubicBezTo>
-                  <a:pt x="386404" y="675085"/>
-                  <a:pt x="566666" y="660797"/>
-                  <a:pt x="906838" y="914400"/>
-                </a:cubicBezTo>
-                <a:cubicBezTo>
-                  <a:pt x="892301" y="939404"/>
-                  <a:pt x="877764" y="928688"/>
-                  <a:pt x="863226" y="925116"/>
-                </a:cubicBezTo>
-                <a:cubicBezTo>
-                  <a:pt x="839967" y="921544"/>
-                  <a:pt x="810892" y="907256"/>
-                  <a:pt x="805077" y="953691"/>
-                </a:cubicBezTo>
-                <a:cubicBezTo>
-                  <a:pt x="802169" y="989410"/>
-                  <a:pt x="819615" y="1007269"/>
-                  <a:pt x="848689" y="1010841"/>
-                </a:cubicBezTo>
-                <a:cubicBezTo>
-                  <a:pt x="933005" y="1025129"/>
-                  <a:pt x="1008599" y="1075135"/>
-                  <a:pt x="1084193" y="1117997"/>
-                </a:cubicBezTo>
-                <a:cubicBezTo>
-                  <a:pt x="1119082" y="1135857"/>
-                  <a:pt x="1156879" y="1160860"/>
-                  <a:pt x="1142342" y="1225153"/>
-                </a:cubicBezTo>
-                <a:cubicBezTo>
-                  <a:pt x="1113268" y="1243013"/>
-                  <a:pt x="1092915" y="1218009"/>
-                  <a:pt x="1069655" y="1214438"/>
-                </a:cubicBezTo>
-                <a:cubicBezTo>
-                  <a:pt x="1046396" y="1210866"/>
-                  <a:pt x="991154" y="1225153"/>
-                  <a:pt x="1005692" y="1235869"/>
-                </a:cubicBezTo>
-                <a:cubicBezTo>
-                  <a:pt x="1072563" y="1275159"/>
-                  <a:pt x="950450" y="1371600"/>
-                  <a:pt x="1031858" y="1371600"/>
-                </a:cubicBezTo>
-                <a:cubicBezTo>
-                  <a:pt x="1165601" y="1371600"/>
-                  <a:pt x="1238288" y="1543050"/>
-                  <a:pt x="1366216" y="1546622"/>
-                </a:cubicBezTo>
-                <a:cubicBezTo>
-                  <a:pt x="1386568" y="1546622"/>
-                  <a:pt x="1395290" y="1578770"/>
-                  <a:pt x="1395290" y="1603772"/>
-                </a:cubicBezTo>
-                <a:cubicBezTo>
-                  <a:pt x="1395290" y="1635920"/>
-                  <a:pt x="1374939" y="1639491"/>
-                  <a:pt x="1354586" y="1643063"/>
-                </a:cubicBezTo>
-                <a:cubicBezTo>
-                  <a:pt x="1322604" y="1646635"/>
-                  <a:pt x="1287715" y="1603772"/>
-                  <a:pt x="1247011" y="1664494"/>
-                </a:cubicBezTo>
-                <a:cubicBezTo>
-                  <a:pt x="1322604" y="1700213"/>
-                  <a:pt x="1401105" y="1735932"/>
-                  <a:pt x="1398198" y="1857375"/>
-                </a:cubicBezTo>
-                <a:cubicBezTo>
-                  <a:pt x="1398198" y="1889523"/>
-                  <a:pt x="1430180" y="1903810"/>
-                  <a:pt x="1453440" y="1910954"/>
-                </a:cubicBezTo>
-                <a:cubicBezTo>
-                  <a:pt x="1494144" y="1925241"/>
-                  <a:pt x="1526126" y="1946673"/>
-                  <a:pt x="1549386" y="1993106"/>
-                </a:cubicBezTo>
-                <a:cubicBezTo>
-                  <a:pt x="1549386" y="2003822"/>
-                  <a:pt x="1549386" y="2010966"/>
-                  <a:pt x="1549386" y="2021681"/>
-                </a:cubicBezTo>
-                <a:cubicBezTo>
-                  <a:pt x="1543571" y="2132410"/>
-                  <a:pt x="1485422" y="2128838"/>
-                  <a:pt x="1421458" y="2110978"/>
-                </a:cubicBezTo>
-                <a:cubicBezTo>
-                  <a:pt x="1345864" y="2089547"/>
-                  <a:pt x="1270270" y="2046685"/>
-                  <a:pt x="1188861" y="2085976"/>
-                </a:cubicBezTo>
-                <a:cubicBezTo>
-                  <a:pt x="1302252" y="2139554"/>
-                  <a:pt x="1427272" y="2143126"/>
-                  <a:pt x="1531941" y="2218135"/>
-                </a:cubicBezTo>
-                <a:cubicBezTo>
-                  <a:pt x="1142342" y="2232422"/>
-                  <a:pt x="799262" y="1993106"/>
-                  <a:pt x="421293" y="1900238"/>
-                </a:cubicBezTo>
-                <a:cubicBezTo>
-                  <a:pt x="432923" y="1960960"/>
-                  <a:pt x="464905" y="1975247"/>
-                  <a:pt x="491072" y="1982391"/>
-                </a:cubicBezTo>
-                <a:cubicBezTo>
-                  <a:pt x="630630" y="2028825"/>
-                  <a:pt x="752743" y="2121695"/>
-                  <a:pt x="880671" y="2200276"/>
-                </a:cubicBezTo>
-                <a:cubicBezTo>
-                  <a:pt x="933005" y="2232422"/>
-                  <a:pt x="970802" y="2268142"/>
-                  <a:pt x="991154" y="2336007"/>
-                </a:cubicBezTo>
-                <a:cubicBezTo>
-                  <a:pt x="1008599" y="2400300"/>
-                  <a:pt x="1043489" y="2428875"/>
-                  <a:pt x="1107453" y="2411016"/>
-                </a:cubicBezTo>
-                <a:cubicBezTo>
-                  <a:pt x="1159787" y="2396729"/>
-                  <a:pt x="1215029" y="2403873"/>
-                  <a:pt x="1270270" y="2411016"/>
-                </a:cubicBezTo>
-                <a:cubicBezTo>
-                  <a:pt x="1331326" y="2418160"/>
-                  <a:pt x="1401105" y="2489597"/>
-                  <a:pt x="1386568" y="2528889"/>
-                </a:cubicBezTo>
-                <a:cubicBezTo>
-                  <a:pt x="1357494" y="2593182"/>
-                  <a:pt x="1308067" y="2561035"/>
-                  <a:pt x="1267362" y="2553891"/>
-                </a:cubicBezTo>
-                <a:cubicBezTo>
-                  <a:pt x="1217936" y="2546748"/>
-                  <a:pt x="1127805" y="2528889"/>
-                  <a:pt x="1127805" y="2536032"/>
-                </a:cubicBezTo>
-                <a:cubicBezTo>
-                  <a:pt x="1095822" y="2696766"/>
-                  <a:pt x="1023136" y="2575322"/>
-                  <a:pt x="970802" y="2575322"/>
-                </a:cubicBezTo>
-                <a:cubicBezTo>
-                  <a:pt x="921375" y="2575322"/>
-                  <a:pt x="871949" y="2557463"/>
-                  <a:pt x="825429" y="2543176"/>
-                </a:cubicBezTo>
-                <a:cubicBezTo>
-                  <a:pt x="764373" y="2525316"/>
-                  <a:pt x="709132" y="2557463"/>
-                  <a:pt x="650982" y="2564607"/>
-                </a:cubicBezTo>
-                <a:cubicBezTo>
-                  <a:pt x="598648" y="2571751"/>
-                  <a:pt x="627722" y="2664620"/>
-                  <a:pt x="595740" y="2703909"/>
-                </a:cubicBezTo>
-                <a:cubicBezTo>
-                  <a:pt x="589926" y="2714626"/>
-                  <a:pt x="584111" y="2714626"/>
-                  <a:pt x="578296" y="2714626"/>
-                </a:cubicBezTo>
-                <a:cubicBezTo>
-                  <a:pt x="560851" y="2993232"/>
-                  <a:pt x="255568" y="2925366"/>
-                  <a:pt x="255568" y="2936081"/>
-                </a:cubicBezTo>
-                <a:cubicBezTo>
-                  <a:pt x="229401" y="2953941"/>
-                  <a:pt x="197419" y="2911079"/>
-                  <a:pt x="165437" y="2953941"/>
-                </a:cubicBezTo>
-                <a:cubicBezTo>
-                  <a:pt x="302087" y="3150394"/>
-                  <a:pt x="511425" y="3196828"/>
-                  <a:pt x="697501" y="3343275"/>
-                </a:cubicBezTo>
-                <a:cubicBezTo>
-                  <a:pt x="543407" y="3393282"/>
-                  <a:pt x="453275" y="3221832"/>
-                  <a:pt x="339884" y="3243263"/>
-                </a:cubicBezTo>
-                <a:cubicBezTo>
-                  <a:pt x="284643" y="3296842"/>
-                  <a:pt x="450368" y="3382566"/>
-                  <a:pt x="290458" y="3407569"/>
-                </a:cubicBezTo>
-                <a:cubicBezTo>
-                  <a:pt x="360236" y="3454004"/>
-                  <a:pt x="409664" y="3500439"/>
-                  <a:pt x="459090" y="3554016"/>
-                </a:cubicBezTo>
-                <a:cubicBezTo>
-                  <a:pt x="543407" y="3650457"/>
-                  <a:pt x="560851" y="3714751"/>
-                  <a:pt x="520147" y="3843338"/>
-                </a:cubicBezTo>
-                <a:cubicBezTo>
-                  <a:pt x="493979" y="3929063"/>
-                  <a:pt x="456183" y="4007645"/>
-                  <a:pt x="491072" y="4107657"/>
-                </a:cubicBezTo>
-                <a:cubicBezTo>
-                  <a:pt x="514332" y="4175522"/>
-                  <a:pt x="505609" y="4221957"/>
-                  <a:pt x="418386" y="4189810"/>
-                </a:cubicBezTo>
-                <a:cubicBezTo>
-                  <a:pt x="325347" y="4157663"/>
-                  <a:pt x="290458" y="4218386"/>
-                  <a:pt x="313718" y="4339829"/>
-                </a:cubicBezTo>
-                <a:cubicBezTo>
-                  <a:pt x="328254" y="4418410"/>
-                  <a:pt x="313718" y="4443413"/>
-                  <a:pt x="249753" y="4432698"/>
-                </a:cubicBezTo>
-                <a:cubicBezTo>
-                  <a:pt x="179975" y="4421982"/>
-                  <a:pt x="113103" y="4371976"/>
-                  <a:pt x="25879" y="4396979"/>
-                </a:cubicBezTo>
-                <a:cubicBezTo>
-                  <a:pt x="95658" y="4539854"/>
-                  <a:pt x="243939" y="4496991"/>
-                  <a:pt x="325347" y="4632722"/>
-                </a:cubicBezTo>
-                <a:cubicBezTo>
-                  <a:pt x="229401" y="4632722"/>
-                  <a:pt x="153807" y="4632722"/>
-                  <a:pt x="84029" y="4604147"/>
-                </a:cubicBezTo>
-                <a:cubicBezTo>
-                  <a:pt x="54954" y="4593433"/>
-                  <a:pt x="22972" y="4579145"/>
-                  <a:pt x="5527" y="4622007"/>
-                </a:cubicBezTo>
-                <a:cubicBezTo>
-                  <a:pt x="-14826" y="4672014"/>
-                  <a:pt x="25879" y="4689872"/>
-                  <a:pt x="49139" y="4697016"/>
-                </a:cubicBezTo>
-                <a:cubicBezTo>
-                  <a:pt x="116011" y="4722019"/>
-                  <a:pt x="168344" y="4779170"/>
-                  <a:pt x="226494" y="4825604"/>
-                </a:cubicBezTo>
-                <a:cubicBezTo>
-                  <a:pt x="351514" y="4925616"/>
-                  <a:pt x="488165" y="5011341"/>
-                  <a:pt x="592833" y="5175647"/>
-                </a:cubicBezTo>
-                <a:cubicBezTo>
-                  <a:pt x="461997" y="5132785"/>
-                  <a:pt x="363144" y="5032772"/>
-                  <a:pt x="238123" y="5014913"/>
-                </a:cubicBezTo>
-                <a:cubicBezTo>
-                  <a:pt x="345700" y="5164932"/>
-                  <a:pt x="482350" y="5264944"/>
-                  <a:pt x="610278" y="5375673"/>
-                </a:cubicBezTo>
-                <a:cubicBezTo>
-                  <a:pt x="648075" y="5407819"/>
-                  <a:pt x="685872" y="5429250"/>
-                  <a:pt x="691686" y="5497116"/>
-                </a:cubicBezTo>
-                <a:cubicBezTo>
-                  <a:pt x="709132" y="5629276"/>
-                  <a:pt x="755650" y="5736432"/>
-                  <a:pt x="860319" y="5793582"/>
-                </a:cubicBezTo>
-                <a:cubicBezTo>
-                  <a:pt x="860319" y="5793582"/>
-                  <a:pt x="854504" y="5815013"/>
-                  <a:pt x="851597" y="5825729"/>
-                </a:cubicBezTo>
-                <a:cubicBezTo>
-                  <a:pt x="787632" y="5829301"/>
-                  <a:pt x="738206" y="5750720"/>
-                  <a:pt x="659704" y="5779295"/>
-                </a:cubicBezTo>
-                <a:cubicBezTo>
-                  <a:pt x="738206" y="5886451"/>
-                  <a:pt x="802169" y="5979319"/>
-                  <a:pt x="909746" y="6029326"/>
-                </a:cubicBezTo>
-                <a:cubicBezTo>
-                  <a:pt x="996969" y="6068616"/>
-                  <a:pt x="1104545" y="6093620"/>
-                  <a:pt x="1168509" y="6222207"/>
-                </a:cubicBezTo>
-                <a:cubicBezTo>
-                  <a:pt x="1095822" y="6247210"/>
-                  <a:pt x="1040581" y="6215063"/>
-                  <a:pt x="985339" y="6193632"/>
-                </a:cubicBezTo>
-                <a:cubicBezTo>
-                  <a:pt x="901023" y="6157913"/>
-                  <a:pt x="816707" y="6118623"/>
-                  <a:pt x="732391" y="6082904"/>
-                </a:cubicBezTo>
-                <a:cubicBezTo>
-                  <a:pt x="700408" y="6068616"/>
-                  <a:pt x="665519" y="6061472"/>
-                  <a:pt x="645167" y="6125766"/>
-                </a:cubicBezTo>
-                <a:cubicBezTo>
-                  <a:pt x="752743" y="6140053"/>
-                  <a:pt x="816707" y="6225779"/>
-                  <a:pt x="883579" y="6307932"/>
-                </a:cubicBezTo>
-                <a:cubicBezTo>
-                  <a:pt x="921375" y="6354366"/>
-                  <a:pt x="953358" y="6415088"/>
-                  <a:pt x="1020229" y="6393657"/>
-                </a:cubicBezTo>
-                <a:cubicBezTo>
-                  <a:pt x="1055118" y="6382942"/>
-                  <a:pt x="1078378" y="6415088"/>
-                  <a:pt x="1075471" y="6457950"/>
-                </a:cubicBezTo>
-                <a:cubicBezTo>
-                  <a:pt x="1060933" y="6607970"/>
-                  <a:pt x="1145250" y="6657976"/>
-                  <a:pt x="1232473" y="6686551"/>
-                </a:cubicBezTo>
-                <a:cubicBezTo>
-                  <a:pt x="1360401" y="6729413"/>
-                  <a:pt x="1473792" y="6815138"/>
-                  <a:pt x="1592997" y="6886576"/>
-                </a:cubicBezTo>
-                <a:lnTo>
-                  <a:pt x="5511704" y="6886576"/>
-                </a:lnTo>
-                <a:close/>
-              </a:path>
-            </a:pathLst>
-          </a:custGeom>
-          <a:solidFill>
-            <a:srgbClr val="9698C6">
-              <a:alpha val="20000"/>
-            </a:srgbClr>
-          </a:solidFill>
-          <a:ln w="32707" cap="flat">
-            <a:noFill/>
-            <a:prstDash val="solid"/>
-            <a:miter/>
-          </a:ln>
-        </p:spPr>
-        <p:txBody>
-          <a:bodyPr rtlCol="0" anchor="ctr"/>
-          <a:lstStyle/>
-          <a:p>
-            <a:endParaRPr lang="en-US" dirty="0"/>
-          </a:p>
-        </p:txBody>
-      </p:sp>
-      <p:sp>
-        <p:nvSpPr>
-          <p:cNvPr id="2" name="Titre 1">
-            <a:extLst>
-              <a:ext uri="{FF2B5EF4-FFF2-40B4-BE49-F238E27FC236}">
                 <a16:creationId xmlns:a16="http://schemas.microsoft.com/office/drawing/2014/main" id="{154F1B5F-58CA-4B7E-8C36-B4FA6ACBA1AE}"/>
               </a:ext>
             </a:extLst>
@@ -20515,7 +20427,7 @@
 </p:sld>
 </file>
 
-<file path=ppt/slides/slide16.xml><?xml version="1.0" encoding="utf-8"?>
+<file path=ppt/slides/slide15.xml><?xml version="1.0" encoding="utf-8"?>
 <p:sld xmlns:a="http://schemas.openxmlformats.org/drawingml/2006/main" xmlns:r="http://schemas.openxmlformats.org/officeDocument/2006/relationships" xmlns:p="http://schemas.openxmlformats.org/presentationml/2006/main">
   <p:cSld>
     <p:bg>
@@ -25074,8 +24986,8 @@
         </p:nvSpPr>
         <p:spPr>
           <a:xfrm>
-            <a:off x="8109284" y="1674546"/>
-            <a:ext cx="3404938" cy="3508908"/>
+            <a:off x="7893698" y="1674546"/>
+            <a:ext cx="3620524" cy="3508908"/>
           </a:xfrm>
         </p:spPr>
         <p:txBody>
@@ -25088,24 +25000,16 @@
               <a:buNone/>
             </a:pPr>
             <a:r>
-              <a:rPr lang="en-US" cap="all" dirty="0">
+              <a:rPr lang="fr-FR" dirty="0">
                 <a:solidFill>
-                  <a:srgbClr val="FFFFFF"/>
+                  <a:schemeClr val="bg1"/>
                 </a:solidFill>
               </a:rPr>
-              <a:t>Le </a:t>
-            </a:r>
-            <a:r>
-              <a:rPr lang="en-US" cap="all" dirty="0" err="1">
-                <a:solidFill>
-                  <a:srgbClr val="FFFFFF"/>
-                </a:solidFill>
-              </a:rPr>
-              <a:t>sujet</a:t>
+              <a:t>Cahier des charges</a:t>
             </a:r>
             <a:endParaRPr lang="en-US" cap="all" dirty="0">
               <a:solidFill>
-                <a:srgbClr val="FFFFFF"/>
+                <a:schemeClr val="bg1"/>
               </a:solidFill>
             </a:endParaRPr>
           </a:p>
@@ -26179,1165 +26083,6 @@
           <p:cNvPr id="2" name="Titre 1">
             <a:extLst>
               <a:ext uri="{FF2B5EF4-FFF2-40B4-BE49-F238E27FC236}">
-                <a16:creationId xmlns:a16="http://schemas.microsoft.com/office/drawing/2014/main" id="{0000D95E-68D6-4FD5-AFAF-CE0C2921B8C9}"/>
-              </a:ext>
-            </a:extLst>
-          </p:cNvPr>
-          <p:cNvSpPr>
-            <a:spLocks noGrp="1"/>
-          </p:cNvSpPr>
-          <p:nvPr>
-            <p:ph type="title"/>
-          </p:nvPr>
-        </p:nvSpPr>
-        <p:spPr>
-          <a:xfrm>
-            <a:off x="838200" y="713312"/>
-            <a:ext cx="3524250" cy="5431376"/>
-          </a:xfrm>
-        </p:spPr>
-        <p:txBody>
-          <a:bodyPr>
-            <a:normAutofit/>
-          </a:bodyPr>
-          <a:lstStyle/>
-          <a:p>
-            <a:r>
-              <a:rPr lang="fr-FR" dirty="0">
-                <a:ea typeface="+mj-lt"/>
-                <a:cs typeface="+mj-lt"/>
-              </a:rPr>
-              <a:t>Objectifs</a:t>
-            </a:r>
-            <a:endParaRPr lang="fr-FR" dirty="0"/>
-          </a:p>
-        </p:txBody>
-      </p:sp>
-      <p:sp>
-        <p:nvSpPr>
-          <p:cNvPr id="3" name="Espace réservé du contenu 2">
-            <a:extLst>
-              <a:ext uri="{FF2B5EF4-FFF2-40B4-BE49-F238E27FC236}">
-                <a16:creationId xmlns:a16="http://schemas.microsoft.com/office/drawing/2014/main" id="{D9C4688B-4DB8-4AFB-95BB-FE290F6651C4}"/>
-              </a:ext>
-            </a:extLst>
-          </p:cNvPr>
-          <p:cNvSpPr>
-            <a:spLocks noGrp="1"/>
-          </p:cNvSpPr>
-          <p:nvPr>
-            <p:ph idx="1"/>
-          </p:nvPr>
-        </p:nvSpPr>
-        <p:spPr>
-          <a:xfrm>
-            <a:off x="6095999" y="713313"/>
-            <a:ext cx="5257801" cy="5431376"/>
-          </a:xfrm>
-        </p:spPr>
-        <p:txBody>
-          <a:bodyPr vert="horz" lIns="91440" tIns="45720" rIns="91440" bIns="45720" rtlCol="0" anchor="ctr">
-            <a:normAutofit/>
-          </a:bodyPr>
-          <a:lstStyle/>
-          <a:p>
-            <a:r>
-              <a:rPr lang="fr-FR" sz="2000" dirty="0"/>
-              <a:t>Réaliser un site web en accord avec le sujet</a:t>
-            </a:r>
-          </a:p>
-          <a:p>
-            <a:r>
-              <a:rPr lang="fr-FR" sz="2000" dirty="0"/>
-              <a:t>S'améliorer dans l'environnement MVC</a:t>
-            </a:r>
-          </a:p>
-          <a:p>
-            <a:r>
-              <a:rPr lang="fr-FR" sz="2000" dirty="0"/>
-              <a:t>Commenter son code</a:t>
-            </a:r>
-            <a:endParaRPr lang="fr-FR" dirty="0"/>
-          </a:p>
-          <a:p>
-            <a:r>
-              <a:rPr lang="fr-FR" sz="2000" dirty="0"/>
-              <a:t>Versionner le code sur GIT</a:t>
-            </a:r>
-          </a:p>
-          <a:p>
-            <a:endParaRPr lang="fr-FR" sz="2000"/>
-          </a:p>
-        </p:txBody>
-      </p:sp>
-    </p:spTree>
-    <p:extLst>
-      <p:ext uri="{BB962C8B-B14F-4D97-AF65-F5344CB8AC3E}">
-        <p14:creationId xmlns:p14="http://schemas.microsoft.com/office/powerpoint/2010/main" val="933919389"/>
-      </p:ext>
-    </p:extLst>
-  </p:cSld>
-  <p:clrMapOvr>
-    <a:masterClrMapping/>
-  </p:clrMapOvr>
-</p:sld>
-</file>
-
-<file path=ppt/slides/slide4.xml><?xml version="1.0" encoding="utf-8"?>
-<p:sld xmlns:a="http://schemas.openxmlformats.org/drawingml/2006/main" xmlns:r="http://schemas.openxmlformats.org/officeDocument/2006/relationships" xmlns:p="http://schemas.openxmlformats.org/presentationml/2006/main">
-  <p:cSld>
-    <p:bg>
-      <p:bgPr>
-        <a:solidFill>
-          <a:schemeClr val="bg1"/>
-        </a:solidFill>
-        <a:effectLst/>
-      </p:bgPr>
-    </p:bg>
-    <p:spTree>
-      <p:nvGrpSpPr>
-        <p:cNvPr id="1" name=""/>
-        <p:cNvGrpSpPr/>
-        <p:nvPr/>
-      </p:nvGrpSpPr>
-      <p:grpSpPr>
-        <a:xfrm>
-          <a:off x="0" y="0"/>
-          <a:ext cx="0" cy="0"/>
-          <a:chOff x="0" y="0"/>
-          <a:chExt cx="0" cy="0"/>
-        </a:xfrm>
-      </p:grpSpPr>
-      <p:sp useBgFill="1">
-        <p:nvSpPr>
-          <p:cNvPr id="8" name="Rectangle 7">
-            <a:extLst>
-              <a:ext uri="{FF2B5EF4-FFF2-40B4-BE49-F238E27FC236}">
-                <a16:creationId xmlns:a16="http://schemas.microsoft.com/office/drawing/2014/main" id="{FBE20309-1FB9-4818-BAFA-9C4C0534178B}"/>
-              </a:ext>
-              <a:ext uri="{C183D7F6-B498-43B3-948B-1728B52AA6E4}">
-                <adec:decorative xmlns:adec="http://schemas.microsoft.com/office/drawing/2017/decorative" val="1"/>
-              </a:ext>
-            </a:extLst>
-          </p:cNvPr>
-          <p:cNvSpPr>
-            <a:spLocks noGrp="1" noRot="1" noChangeAspect="1" noMove="1" noResize="1" noEditPoints="1" noAdjustHandles="1" noChangeArrowheads="1" noChangeShapeType="1" noTextEdit="1"/>
-          </p:cNvSpPr>
-          <p:nvPr>
-            <p:extLst>
-              <p:ext uri="{386F3935-93C4-4BCD-93E2-E3B085C9AB24}">
-                <p16:designElem xmlns:p16="http://schemas.microsoft.com/office/powerpoint/2015/main" val="1"/>
-              </p:ext>
-            </p:extLst>
-          </p:nvPr>
-        </p:nvSpPr>
-        <p:spPr>
-          <a:xfrm>
-            <a:off x="0" y="0"/>
-            <a:ext cx="12188952" cy="6858000"/>
-          </a:xfrm>
-          <a:prstGeom prst="rect">
-            <a:avLst/>
-          </a:prstGeom>
-          <a:ln>
-            <a:noFill/>
-          </a:ln>
-        </p:spPr>
-        <p:style>
-          <a:lnRef idx="2">
-            <a:schemeClr val="accent1">
-              <a:shade val="50000"/>
-            </a:schemeClr>
-          </a:lnRef>
-          <a:fillRef idx="1">
-            <a:schemeClr val="accent1"/>
-          </a:fillRef>
-          <a:effectRef idx="0">
-            <a:schemeClr val="accent1"/>
-          </a:effectRef>
-          <a:fontRef idx="minor">
-            <a:schemeClr val="lt1"/>
-          </a:fontRef>
-        </p:style>
-        <p:txBody>
-          <a:bodyPr rtlCol="0" anchor="ctr"/>
-          <a:lstStyle/>
-          <a:p>
-            <a:pPr algn="ctr"/>
-            <a:endParaRPr lang="en-US"/>
-          </a:p>
-        </p:txBody>
-      </p:sp>
-      <p:sp>
-        <p:nvSpPr>
-          <p:cNvPr id="10" name="Freeform: Shape 9">
-            <a:extLst>
-              <a:ext uri="{FF2B5EF4-FFF2-40B4-BE49-F238E27FC236}">
-                <a16:creationId xmlns:a16="http://schemas.microsoft.com/office/drawing/2014/main" id="{FBD77573-9EF2-4C35-8285-A1CF6FBB0EA5}"/>
-              </a:ext>
-              <a:ext uri="{C183D7F6-B498-43B3-948B-1728B52AA6E4}">
-                <adec:decorative xmlns:adec="http://schemas.microsoft.com/office/drawing/2017/decorative" val="1"/>
-              </a:ext>
-            </a:extLst>
-          </p:cNvPr>
-          <p:cNvSpPr>
-            <a:spLocks noGrp="1" noRot="1" noChangeAspect="1" noMove="1" noResize="1" noEditPoints="1" noAdjustHandles="1" noChangeArrowheads="1" noChangeShapeType="1" noTextEdit="1"/>
-          </p:cNvSpPr>
-          <p:nvPr>
-            <p:extLst>
-              <p:ext uri="{386F3935-93C4-4BCD-93E2-E3B085C9AB24}">
-                <p16:designElem xmlns:p16="http://schemas.microsoft.com/office/powerpoint/2015/main" val="1"/>
-              </p:ext>
-            </p:extLst>
-          </p:nvPr>
-        </p:nvSpPr>
-        <p:spPr>
-          <a:xfrm flipH="1">
-            <a:off x="1" y="0"/>
-            <a:ext cx="5511704" cy="6858000"/>
-          </a:xfrm>
-          <a:custGeom>
-            <a:avLst/>
-            <a:gdLst>
-              <a:gd name="connsiteX0" fmla="*/ 5511704 w 5511704"/>
-              <a:gd name="connsiteY0" fmla="*/ 0 h 6886576"/>
-              <a:gd name="connsiteX1" fmla="*/ 1008599 w 5511704"/>
-              <a:gd name="connsiteY1" fmla="*/ 0 h 6886576"/>
-              <a:gd name="connsiteX2" fmla="*/ 1310975 w 5511704"/>
-              <a:gd name="connsiteY2" fmla="*/ 110728 h 6886576"/>
-              <a:gd name="connsiteX3" fmla="*/ 1267362 w 5511704"/>
-              <a:gd name="connsiteY3" fmla="*/ 135731 h 6886576"/>
-              <a:gd name="connsiteX4" fmla="*/ 1005692 w 5511704"/>
-              <a:gd name="connsiteY4" fmla="*/ 71437 h 6886576"/>
-              <a:gd name="connsiteX5" fmla="*/ 953358 w 5511704"/>
-              <a:gd name="connsiteY5" fmla="*/ 89297 h 6886576"/>
-              <a:gd name="connsiteX6" fmla="*/ 979525 w 5511704"/>
-              <a:gd name="connsiteY6" fmla="*/ 164307 h 6886576"/>
-              <a:gd name="connsiteX7" fmla="*/ 1092915 w 5511704"/>
-              <a:gd name="connsiteY7" fmla="*/ 192882 h 6886576"/>
-              <a:gd name="connsiteX8" fmla="*/ 1270270 w 5511704"/>
-              <a:gd name="connsiteY8" fmla="*/ 375047 h 6886576"/>
-              <a:gd name="connsiteX9" fmla="*/ 1002784 w 5511704"/>
-              <a:gd name="connsiteY9" fmla="*/ 353615 h 6886576"/>
-              <a:gd name="connsiteX10" fmla="*/ 956265 w 5511704"/>
-              <a:gd name="connsiteY10" fmla="*/ 396479 h 6886576"/>
-              <a:gd name="connsiteX11" fmla="*/ 938820 w 5511704"/>
-              <a:gd name="connsiteY11" fmla="*/ 453629 h 6886576"/>
-              <a:gd name="connsiteX12" fmla="*/ 860319 w 5511704"/>
-              <a:gd name="connsiteY12" fmla="*/ 360759 h 6886576"/>
-              <a:gd name="connsiteX13" fmla="*/ 793447 w 5511704"/>
-              <a:gd name="connsiteY13" fmla="*/ 335757 h 6886576"/>
-              <a:gd name="connsiteX14" fmla="*/ 773095 w 5511704"/>
-              <a:gd name="connsiteY14" fmla="*/ 417910 h 6886576"/>
-              <a:gd name="connsiteX15" fmla="*/ 834151 w 5511704"/>
-              <a:gd name="connsiteY15" fmla="*/ 507206 h 6886576"/>
-              <a:gd name="connsiteX16" fmla="*/ 996969 w 5511704"/>
-              <a:gd name="connsiteY16" fmla="*/ 560785 h 6886576"/>
-              <a:gd name="connsiteX17" fmla="*/ 822522 w 5511704"/>
-              <a:gd name="connsiteY17" fmla="*/ 560785 h 6886576"/>
-              <a:gd name="connsiteX18" fmla="*/ 621908 w 5511704"/>
-              <a:gd name="connsiteY18" fmla="*/ 525066 h 6886576"/>
-              <a:gd name="connsiteX19" fmla="*/ 409664 w 5511704"/>
-              <a:gd name="connsiteY19" fmla="*/ 535781 h 6886576"/>
-              <a:gd name="connsiteX20" fmla="*/ 209049 w 5511704"/>
-              <a:gd name="connsiteY20" fmla="*/ 464344 h 6886576"/>
-              <a:gd name="connsiteX21" fmla="*/ 5527 w 5511704"/>
-              <a:gd name="connsiteY21" fmla="*/ 467916 h 6886576"/>
-              <a:gd name="connsiteX22" fmla="*/ 906838 w 5511704"/>
-              <a:gd name="connsiteY22" fmla="*/ 914400 h 6886576"/>
-              <a:gd name="connsiteX23" fmla="*/ 863226 w 5511704"/>
-              <a:gd name="connsiteY23" fmla="*/ 925116 h 6886576"/>
-              <a:gd name="connsiteX24" fmla="*/ 805077 w 5511704"/>
-              <a:gd name="connsiteY24" fmla="*/ 953691 h 6886576"/>
-              <a:gd name="connsiteX25" fmla="*/ 848689 w 5511704"/>
-              <a:gd name="connsiteY25" fmla="*/ 1010841 h 6886576"/>
-              <a:gd name="connsiteX26" fmla="*/ 1084193 w 5511704"/>
-              <a:gd name="connsiteY26" fmla="*/ 1117997 h 6886576"/>
-              <a:gd name="connsiteX27" fmla="*/ 1142342 w 5511704"/>
-              <a:gd name="connsiteY27" fmla="*/ 1225153 h 6886576"/>
-              <a:gd name="connsiteX28" fmla="*/ 1069655 w 5511704"/>
-              <a:gd name="connsiteY28" fmla="*/ 1214438 h 6886576"/>
-              <a:gd name="connsiteX29" fmla="*/ 1005692 w 5511704"/>
-              <a:gd name="connsiteY29" fmla="*/ 1235869 h 6886576"/>
-              <a:gd name="connsiteX30" fmla="*/ 1031858 w 5511704"/>
-              <a:gd name="connsiteY30" fmla="*/ 1371600 h 6886576"/>
-              <a:gd name="connsiteX31" fmla="*/ 1366216 w 5511704"/>
-              <a:gd name="connsiteY31" fmla="*/ 1546622 h 6886576"/>
-              <a:gd name="connsiteX32" fmla="*/ 1395290 w 5511704"/>
-              <a:gd name="connsiteY32" fmla="*/ 1603772 h 6886576"/>
-              <a:gd name="connsiteX33" fmla="*/ 1354586 w 5511704"/>
-              <a:gd name="connsiteY33" fmla="*/ 1643063 h 6886576"/>
-              <a:gd name="connsiteX34" fmla="*/ 1247011 w 5511704"/>
-              <a:gd name="connsiteY34" fmla="*/ 1664494 h 6886576"/>
-              <a:gd name="connsiteX35" fmla="*/ 1398198 w 5511704"/>
-              <a:gd name="connsiteY35" fmla="*/ 1857375 h 6886576"/>
-              <a:gd name="connsiteX36" fmla="*/ 1453440 w 5511704"/>
-              <a:gd name="connsiteY36" fmla="*/ 1910954 h 6886576"/>
-              <a:gd name="connsiteX37" fmla="*/ 1549386 w 5511704"/>
-              <a:gd name="connsiteY37" fmla="*/ 1993106 h 6886576"/>
-              <a:gd name="connsiteX38" fmla="*/ 1549386 w 5511704"/>
-              <a:gd name="connsiteY38" fmla="*/ 2021681 h 6886576"/>
-              <a:gd name="connsiteX39" fmla="*/ 1421458 w 5511704"/>
-              <a:gd name="connsiteY39" fmla="*/ 2110978 h 6886576"/>
-              <a:gd name="connsiteX40" fmla="*/ 1188861 w 5511704"/>
-              <a:gd name="connsiteY40" fmla="*/ 2085976 h 6886576"/>
-              <a:gd name="connsiteX41" fmla="*/ 1531941 w 5511704"/>
-              <a:gd name="connsiteY41" fmla="*/ 2218135 h 6886576"/>
-              <a:gd name="connsiteX42" fmla="*/ 421293 w 5511704"/>
-              <a:gd name="connsiteY42" fmla="*/ 1900238 h 6886576"/>
-              <a:gd name="connsiteX43" fmla="*/ 491072 w 5511704"/>
-              <a:gd name="connsiteY43" fmla="*/ 1982391 h 6886576"/>
-              <a:gd name="connsiteX44" fmla="*/ 880671 w 5511704"/>
-              <a:gd name="connsiteY44" fmla="*/ 2200276 h 6886576"/>
-              <a:gd name="connsiteX45" fmla="*/ 991154 w 5511704"/>
-              <a:gd name="connsiteY45" fmla="*/ 2336007 h 6886576"/>
-              <a:gd name="connsiteX46" fmla="*/ 1107453 w 5511704"/>
-              <a:gd name="connsiteY46" fmla="*/ 2411016 h 6886576"/>
-              <a:gd name="connsiteX47" fmla="*/ 1270270 w 5511704"/>
-              <a:gd name="connsiteY47" fmla="*/ 2411016 h 6886576"/>
-              <a:gd name="connsiteX48" fmla="*/ 1386568 w 5511704"/>
-              <a:gd name="connsiteY48" fmla="*/ 2528889 h 6886576"/>
-              <a:gd name="connsiteX49" fmla="*/ 1267362 w 5511704"/>
-              <a:gd name="connsiteY49" fmla="*/ 2553891 h 6886576"/>
-              <a:gd name="connsiteX50" fmla="*/ 1127805 w 5511704"/>
-              <a:gd name="connsiteY50" fmla="*/ 2536032 h 6886576"/>
-              <a:gd name="connsiteX51" fmla="*/ 970802 w 5511704"/>
-              <a:gd name="connsiteY51" fmla="*/ 2575322 h 6886576"/>
-              <a:gd name="connsiteX52" fmla="*/ 825429 w 5511704"/>
-              <a:gd name="connsiteY52" fmla="*/ 2543176 h 6886576"/>
-              <a:gd name="connsiteX53" fmla="*/ 650982 w 5511704"/>
-              <a:gd name="connsiteY53" fmla="*/ 2564607 h 6886576"/>
-              <a:gd name="connsiteX54" fmla="*/ 595740 w 5511704"/>
-              <a:gd name="connsiteY54" fmla="*/ 2703909 h 6886576"/>
-              <a:gd name="connsiteX55" fmla="*/ 578296 w 5511704"/>
-              <a:gd name="connsiteY55" fmla="*/ 2714626 h 6886576"/>
-              <a:gd name="connsiteX56" fmla="*/ 255568 w 5511704"/>
-              <a:gd name="connsiteY56" fmla="*/ 2936081 h 6886576"/>
-              <a:gd name="connsiteX57" fmla="*/ 165437 w 5511704"/>
-              <a:gd name="connsiteY57" fmla="*/ 2953941 h 6886576"/>
-              <a:gd name="connsiteX58" fmla="*/ 697501 w 5511704"/>
-              <a:gd name="connsiteY58" fmla="*/ 3343275 h 6886576"/>
-              <a:gd name="connsiteX59" fmla="*/ 339884 w 5511704"/>
-              <a:gd name="connsiteY59" fmla="*/ 3243263 h 6886576"/>
-              <a:gd name="connsiteX60" fmla="*/ 290458 w 5511704"/>
-              <a:gd name="connsiteY60" fmla="*/ 3407569 h 6886576"/>
-              <a:gd name="connsiteX61" fmla="*/ 459090 w 5511704"/>
-              <a:gd name="connsiteY61" fmla="*/ 3554016 h 6886576"/>
-              <a:gd name="connsiteX62" fmla="*/ 520147 w 5511704"/>
-              <a:gd name="connsiteY62" fmla="*/ 3843338 h 6886576"/>
-              <a:gd name="connsiteX63" fmla="*/ 491072 w 5511704"/>
-              <a:gd name="connsiteY63" fmla="*/ 4107657 h 6886576"/>
-              <a:gd name="connsiteX64" fmla="*/ 418386 w 5511704"/>
-              <a:gd name="connsiteY64" fmla="*/ 4189810 h 6886576"/>
-              <a:gd name="connsiteX65" fmla="*/ 313718 w 5511704"/>
-              <a:gd name="connsiteY65" fmla="*/ 4339829 h 6886576"/>
-              <a:gd name="connsiteX66" fmla="*/ 249753 w 5511704"/>
-              <a:gd name="connsiteY66" fmla="*/ 4432698 h 6886576"/>
-              <a:gd name="connsiteX67" fmla="*/ 25879 w 5511704"/>
-              <a:gd name="connsiteY67" fmla="*/ 4396979 h 6886576"/>
-              <a:gd name="connsiteX68" fmla="*/ 325347 w 5511704"/>
-              <a:gd name="connsiteY68" fmla="*/ 4632722 h 6886576"/>
-              <a:gd name="connsiteX69" fmla="*/ 84029 w 5511704"/>
-              <a:gd name="connsiteY69" fmla="*/ 4604147 h 6886576"/>
-              <a:gd name="connsiteX70" fmla="*/ 5527 w 5511704"/>
-              <a:gd name="connsiteY70" fmla="*/ 4622007 h 6886576"/>
-              <a:gd name="connsiteX71" fmla="*/ 49139 w 5511704"/>
-              <a:gd name="connsiteY71" fmla="*/ 4697016 h 6886576"/>
-              <a:gd name="connsiteX72" fmla="*/ 226494 w 5511704"/>
-              <a:gd name="connsiteY72" fmla="*/ 4825604 h 6886576"/>
-              <a:gd name="connsiteX73" fmla="*/ 592833 w 5511704"/>
-              <a:gd name="connsiteY73" fmla="*/ 5175647 h 6886576"/>
-              <a:gd name="connsiteX74" fmla="*/ 238123 w 5511704"/>
-              <a:gd name="connsiteY74" fmla="*/ 5014913 h 6886576"/>
-              <a:gd name="connsiteX75" fmla="*/ 610278 w 5511704"/>
-              <a:gd name="connsiteY75" fmla="*/ 5375673 h 6886576"/>
-              <a:gd name="connsiteX76" fmla="*/ 691686 w 5511704"/>
-              <a:gd name="connsiteY76" fmla="*/ 5497116 h 6886576"/>
-              <a:gd name="connsiteX77" fmla="*/ 860319 w 5511704"/>
-              <a:gd name="connsiteY77" fmla="*/ 5793582 h 6886576"/>
-              <a:gd name="connsiteX78" fmla="*/ 851597 w 5511704"/>
-              <a:gd name="connsiteY78" fmla="*/ 5825729 h 6886576"/>
-              <a:gd name="connsiteX79" fmla="*/ 659704 w 5511704"/>
-              <a:gd name="connsiteY79" fmla="*/ 5779295 h 6886576"/>
-              <a:gd name="connsiteX80" fmla="*/ 909746 w 5511704"/>
-              <a:gd name="connsiteY80" fmla="*/ 6029326 h 6886576"/>
-              <a:gd name="connsiteX81" fmla="*/ 1168509 w 5511704"/>
-              <a:gd name="connsiteY81" fmla="*/ 6222207 h 6886576"/>
-              <a:gd name="connsiteX82" fmla="*/ 985339 w 5511704"/>
-              <a:gd name="connsiteY82" fmla="*/ 6193632 h 6886576"/>
-              <a:gd name="connsiteX83" fmla="*/ 732391 w 5511704"/>
-              <a:gd name="connsiteY83" fmla="*/ 6082904 h 6886576"/>
-              <a:gd name="connsiteX84" fmla="*/ 645167 w 5511704"/>
-              <a:gd name="connsiteY84" fmla="*/ 6125766 h 6886576"/>
-              <a:gd name="connsiteX85" fmla="*/ 883579 w 5511704"/>
-              <a:gd name="connsiteY85" fmla="*/ 6307932 h 6886576"/>
-              <a:gd name="connsiteX86" fmla="*/ 1020229 w 5511704"/>
-              <a:gd name="connsiteY86" fmla="*/ 6393657 h 6886576"/>
-              <a:gd name="connsiteX87" fmla="*/ 1075471 w 5511704"/>
-              <a:gd name="connsiteY87" fmla="*/ 6457950 h 6886576"/>
-              <a:gd name="connsiteX88" fmla="*/ 1232473 w 5511704"/>
-              <a:gd name="connsiteY88" fmla="*/ 6686551 h 6886576"/>
-              <a:gd name="connsiteX89" fmla="*/ 1592997 w 5511704"/>
-              <a:gd name="connsiteY89" fmla="*/ 6886576 h 6886576"/>
-              <a:gd name="connsiteX90" fmla="*/ 5511704 w 5511704"/>
-              <a:gd name="connsiteY90" fmla="*/ 6886576 h 6886576"/>
-            </a:gdLst>
-            <a:ahLst/>
-            <a:cxnLst>
-              <a:cxn ang="0">
-                <a:pos x="connsiteX0" y="connsiteY0"/>
-              </a:cxn>
-              <a:cxn ang="0">
-                <a:pos x="connsiteX1" y="connsiteY1"/>
-              </a:cxn>
-              <a:cxn ang="0">
-                <a:pos x="connsiteX2" y="connsiteY2"/>
-              </a:cxn>
-              <a:cxn ang="0">
-                <a:pos x="connsiteX3" y="connsiteY3"/>
-              </a:cxn>
-              <a:cxn ang="0">
-                <a:pos x="connsiteX4" y="connsiteY4"/>
-              </a:cxn>
-              <a:cxn ang="0">
-                <a:pos x="connsiteX5" y="connsiteY5"/>
-              </a:cxn>
-              <a:cxn ang="0">
-                <a:pos x="connsiteX6" y="connsiteY6"/>
-              </a:cxn>
-              <a:cxn ang="0">
-                <a:pos x="connsiteX7" y="connsiteY7"/>
-              </a:cxn>
-              <a:cxn ang="0">
-                <a:pos x="connsiteX8" y="connsiteY8"/>
-              </a:cxn>
-              <a:cxn ang="0">
-                <a:pos x="connsiteX9" y="connsiteY9"/>
-              </a:cxn>
-              <a:cxn ang="0">
-                <a:pos x="connsiteX10" y="connsiteY10"/>
-              </a:cxn>
-              <a:cxn ang="0">
-                <a:pos x="connsiteX11" y="connsiteY11"/>
-              </a:cxn>
-              <a:cxn ang="0">
-                <a:pos x="connsiteX12" y="connsiteY12"/>
-              </a:cxn>
-              <a:cxn ang="0">
-                <a:pos x="connsiteX13" y="connsiteY13"/>
-              </a:cxn>
-              <a:cxn ang="0">
-                <a:pos x="connsiteX14" y="connsiteY14"/>
-              </a:cxn>
-              <a:cxn ang="0">
-                <a:pos x="connsiteX15" y="connsiteY15"/>
-              </a:cxn>
-              <a:cxn ang="0">
-                <a:pos x="connsiteX16" y="connsiteY16"/>
-              </a:cxn>
-              <a:cxn ang="0">
-                <a:pos x="connsiteX17" y="connsiteY17"/>
-              </a:cxn>
-              <a:cxn ang="0">
-                <a:pos x="connsiteX18" y="connsiteY18"/>
-              </a:cxn>
-              <a:cxn ang="0">
-                <a:pos x="connsiteX19" y="connsiteY19"/>
-              </a:cxn>
-              <a:cxn ang="0">
-                <a:pos x="connsiteX20" y="connsiteY20"/>
-              </a:cxn>
-              <a:cxn ang="0">
-                <a:pos x="connsiteX21" y="connsiteY21"/>
-              </a:cxn>
-              <a:cxn ang="0">
-                <a:pos x="connsiteX22" y="connsiteY22"/>
-              </a:cxn>
-              <a:cxn ang="0">
-                <a:pos x="connsiteX23" y="connsiteY23"/>
-              </a:cxn>
-              <a:cxn ang="0">
-                <a:pos x="connsiteX24" y="connsiteY24"/>
-              </a:cxn>
-              <a:cxn ang="0">
-                <a:pos x="connsiteX25" y="connsiteY25"/>
-              </a:cxn>
-              <a:cxn ang="0">
-                <a:pos x="connsiteX26" y="connsiteY26"/>
-              </a:cxn>
-              <a:cxn ang="0">
-                <a:pos x="connsiteX27" y="connsiteY27"/>
-              </a:cxn>
-              <a:cxn ang="0">
-                <a:pos x="connsiteX28" y="connsiteY28"/>
-              </a:cxn>
-              <a:cxn ang="0">
-                <a:pos x="connsiteX29" y="connsiteY29"/>
-              </a:cxn>
-              <a:cxn ang="0">
-                <a:pos x="connsiteX30" y="connsiteY30"/>
-              </a:cxn>
-              <a:cxn ang="0">
-                <a:pos x="connsiteX31" y="connsiteY31"/>
-              </a:cxn>
-              <a:cxn ang="0">
-                <a:pos x="connsiteX32" y="connsiteY32"/>
-              </a:cxn>
-              <a:cxn ang="0">
-                <a:pos x="connsiteX33" y="connsiteY33"/>
-              </a:cxn>
-              <a:cxn ang="0">
-                <a:pos x="connsiteX34" y="connsiteY34"/>
-              </a:cxn>
-              <a:cxn ang="0">
-                <a:pos x="connsiteX35" y="connsiteY35"/>
-              </a:cxn>
-              <a:cxn ang="0">
-                <a:pos x="connsiteX36" y="connsiteY36"/>
-              </a:cxn>
-              <a:cxn ang="0">
-                <a:pos x="connsiteX37" y="connsiteY37"/>
-              </a:cxn>
-              <a:cxn ang="0">
-                <a:pos x="connsiteX38" y="connsiteY38"/>
-              </a:cxn>
-              <a:cxn ang="0">
-                <a:pos x="connsiteX39" y="connsiteY39"/>
-              </a:cxn>
-              <a:cxn ang="0">
-                <a:pos x="connsiteX40" y="connsiteY40"/>
-              </a:cxn>
-              <a:cxn ang="0">
-                <a:pos x="connsiteX41" y="connsiteY41"/>
-              </a:cxn>
-              <a:cxn ang="0">
-                <a:pos x="connsiteX42" y="connsiteY42"/>
-              </a:cxn>
-              <a:cxn ang="0">
-                <a:pos x="connsiteX43" y="connsiteY43"/>
-              </a:cxn>
-              <a:cxn ang="0">
-                <a:pos x="connsiteX44" y="connsiteY44"/>
-              </a:cxn>
-              <a:cxn ang="0">
-                <a:pos x="connsiteX45" y="connsiteY45"/>
-              </a:cxn>
-              <a:cxn ang="0">
-                <a:pos x="connsiteX46" y="connsiteY46"/>
-              </a:cxn>
-              <a:cxn ang="0">
-                <a:pos x="connsiteX47" y="connsiteY47"/>
-              </a:cxn>
-              <a:cxn ang="0">
-                <a:pos x="connsiteX48" y="connsiteY48"/>
-              </a:cxn>
-              <a:cxn ang="0">
-                <a:pos x="connsiteX49" y="connsiteY49"/>
-              </a:cxn>
-              <a:cxn ang="0">
-                <a:pos x="connsiteX50" y="connsiteY50"/>
-              </a:cxn>
-              <a:cxn ang="0">
-                <a:pos x="connsiteX51" y="connsiteY51"/>
-              </a:cxn>
-              <a:cxn ang="0">
-                <a:pos x="connsiteX52" y="connsiteY52"/>
-              </a:cxn>
-              <a:cxn ang="0">
-                <a:pos x="connsiteX53" y="connsiteY53"/>
-              </a:cxn>
-              <a:cxn ang="0">
-                <a:pos x="connsiteX54" y="connsiteY54"/>
-              </a:cxn>
-              <a:cxn ang="0">
-                <a:pos x="connsiteX55" y="connsiteY55"/>
-              </a:cxn>
-              <a:cxn ang="0">
-                <a:pos x="connsiteX56" y="connsiteY56"/>
-              </a:cxn>
-              <a:cxn ang="0">
-                <a:pos x="connsiteX57" y="connsiteY57"/>
-              </a:cxn>
-              <a:cxn ang="0">
-                <a:pos x="connsiteX58" y="connsiteY58"/>
-              </a:cxn>
-              <a:cxn ang="0">
-                <a:pos x="connsiteX59" y="connsiteY59"/>
-              </a:cxn>
-              <a:cxn ang="0">
-                <a:pos x="connsiteX60" y="connsiteY60"/>
-              </a:cxn>
-              <a:cxn ang="0">
-                <a:pos x="connsiteX61" y="connsiteY61"/>
-              </a:cxn>
-              <a:cxn ang="0">
-                <a:pos x="connsiteX62" y="connsiteY62"/>
-              </a:cxn>
-              <a:cxn ang="0">
-                <a:pos x="connsiteX63" y="connsiteY63"/>
-              </a:cxn>
-              <a:cxn ang="0">
-                <a:pos x="connsiteX64" y="connsiteY64"/>
-              </a:cxn>
-              <a:cxn ang="0">
-                <a:pos x="connsiteX65" y="connsiteY65"/>
-              </a:cxn>
-              <a:cxn ang="0">
-                <a:pos x="connsiteX66" y="connsiteY66"/>
-              </a:cxn>
-              <a:cxn ang="0">
-                <a:pos x="connsiteX67" y="connsiteY67"/>
-              </a:cxn>
-              <a:cxn ang="0">
-                <a:pos x="connsiteX68" y="connsiteY68"/>
-              </a:cxn>
-              <a:cxn ang="0">
-                <a:pos x="connsiteX69" y="connsiteY69"/>
-              </a:cxn>
-              <a:cxn ang="0">
-                <a:pos x="connsiteX70" y="connsiteY70"/>
-              </a:cxn>
-              <a:cxn ang="0">
-                <a:pos x="connsiteX71" y="connsiteY71"/>
-              </a:cxn>
-              <a:cxn ang="0">
-                <a:pos x="connsiteX72" y="connsiteY72"/>
-              </a:cxn>
-              <a:cxn ang="0">
-                <a:pos x="connsiteX73" y="connsiteY73"/>
-              </a:cxn>
-              <a:cxn ang="0">
-                <a:pos x="connsiteX74" y="connsiteY74"/>
-              </a:cxn>
-              <a:cxn ang="0">
-                <a:pos x="connsiteX75" y="connsiteY75"/>
-              </a:cxn>
-              <a:cxn ang="0">
-                <a:pos x="connsiteX76" y="connsiteY76"/>
-              </a:cxn>
-              <a:cxn ang="0">
-                <a:pos x="connsiteX77" y="connsiteY77"/>
-              </a:cxn>
-              <a:cxn ang="0">
-                <a:pos x="connsiteX78" y="connsiteY78"/>
-              </a:cxn>
-              <a:cxn ang="0">
-                <a:pos x="connsiteX79" y="connsiteY79"/>
-              </a:cxn>
-              <a:cxn ang="0">
-                <a:pos x="connsiteX80" y="connsiteY80"/>
-              </a:cxn>
-              <a:cxn ang="0">
-                <a:pos x="connsiteX81" y="connsiteY81"/>
-              </a:cxn>
-              <a:cxn ang="0">
-                <a:pos x="connsiteX82" y="connsiteY82"/>
-              </a:cxn>
-              <a:cxn ang="0">
-                <a:pos x="connsiteX83" y="connsiteY83"/>
-              </a:cxn>
-              <a:cxn ang="0">
-                <a:pos x="connsiteX84" y="connsiteY84"/>
-              </a:cxn>
-              <a:cxn ang="0">
-                <a:pos x="connsiteX85" y="connsiteY85"/>
-              </a:cxn>
-              <a:cxn ang="0">
-                <a:pos x="connsiteX86" y="connsiteY86"/>
-              </a:cxn>
-              <a:cxn ang="0">
-                <a:pos x="connsiteX87" y="connsiteY87"/>
-              </a:cxn>
-              <a:cxn ang="0">
-                <a:pos x="connsiteX88" y="connsiteY88"/>
-              </a:cxn>
-              <a:cxn ang="0">
-                <a:pos x="connsiteX89" y="connsiteY89"/>
-              </a:cxn>
-              <a:cxn ang="0">
-                <a:pos x="connsiteX90" y="connsiteY90"/>
-              </a:cxn>
-            </a:cxnLst>
-            <a:rect l="l" t="t" r="r" b="b"/>
-            <a:pathLst>
-              <a:path w="5511704" h="6886576">
-                <a:moveTo>
-                  <a:pt x="5511704" y="0"/>
-                </a:moveTo>
-                <a:lnTo>
-                  <a:pt x="1008599" y="0"/>
-                </a:lnTo>
-                <a:cubicBezTo>
-                  <a:pt x="1110360" y="35719"/>
-                  <a:pt x="1209214" y="78581"/>
-                  <a:pt x="1310975" y="110728"/>
-                </a:cubicBezTo>
-                <a:cubicBezTo>
-                  <a:pt x="1296437" y="146447"/>
-                  <a:pt x="1281900" y="139303"/>
-                  <a:pt x="1267362" y="135731"/>
-                </a:cubicBezTo>
-                <a:cubicBezTo>
-                  <a:pt x="1180139" y="121445"/>
-                  <a:pt x="1090008" y="110728"/>
-                  <a:pt x="1005692" y="71437"/>
-                </a:cubicBezTo>
-                <a:cubicBezTo>
-                  <a:pt x="985339" y="64294"/>
-                  <a:pt x="962080" y="64294"/>
-                  <a:pt x="953358" y="89297"/>
-                </a:cubicBezTo>
-                <a:cubicBezTo>
-                  <a:pt x="938820" y="125016"/>
-                  <a:pt x="959172" y="146447"/>
-                  <a:pt x="979525" y="164307"/>
-                </a:cubicBezTo>
-                <a:cubicBezTo>
-                  <a:pt x="1014414" y="196453"/>
-                  <a:pt x="1055118" y="189310"/>
-                  <a:pt x="1092915" y="192882"/>
-                </a:cubicBezTo>
-                <a:cubicBezTo>
-                  <a:pt x="1197583" y="210741"/>
-                  <a:pt x="1247011" y="260747"/>
-                  <a:pt x="1270270" y="375047"/>
-                </a:cubicBezTo>
-                <a:cubicBezTo>
-                  <a:pt x="1180139" y="328613"/>
-                  <a:pt x="1090008" y="385763"/>
-                  <a:pt x="1002784" y="353615"/>
-                </a:cubicBezTo>
-                <a:cubicBezTo>
-                  <a:pt x="979525" y="346472"/>
-                  <a:pt x="944635" y="357188"/>
-                  <a:pt x="956265" y="396479"/>
-                </a:cubicBezTo>
-                <a:cubicBezTo>
-                  <a:pt x="967894" y="432198"/>
-                  <a:pt x="1005692" y="460772"/>
-                  <a:pt x="938820" y="453629"/>
-                </a:cubicBezTo>
-                <a:cubicBezTo>
-                  <a:pt x="889393" y="450056"/>
-                  <a:pt x="874856" y="407194"/>
-                  <a:pt x="860319" y="360759"/>
-                </a:cubicBezTo>
-                <a:cubicBezTo>
-                  <a:pt x="848689" y="335757"/>
-                  <a:pt x="816707" y="321469"/>
-                  <a:pt x="793447" y="335757"/>
-                </a:cubicBezTo>
-                <a:cubicBezTo>
-                  <a:pt x="764373" y="350044"/>
-                  <a:pt x="773095" y="389335"/>
-                  <a:pt x="773095" y="417910"/>
-                </a:cubicBezTo>
-                <a:cubicBezTo>
-                  <a:pt x="770187" y="471488"/>
-                  <a:pt x="793447" y="496491"/>
-                  <a:pt x="834151" y="507206"/>
-                </a:cubicBezTo>
-                <a:cubicBezTo>
-                  <a:pt x="883579" y="521494"/>
-                  <a:pt x="933005" y="539354"/>
-                  <a:pt x="996969" y="560785"/>
-                </a:cubicBezTo>
-                <a:cubicBezTo>
-                  <a:pt x="927190" y="596503"/>
-                  <a:pt x="874856" y="589360"/>
-                  <a:pt x="822522" y="560785"/>
-                </a:cubicBezTo>
-                <a:cubicBezTo>
-                  <a:pt x="758558" y="528637"/>
-                  <a:pt x="674242" y="485775"/>
-                  <a:pt x="621908" y="525066"/>
-                </a:cubicBezTo>
-                <a:cubicBezTo>
-                  <a:pt x="543407" y="582216"/>
-                  <a:pt x="479443" y="546497"/>
-                  <a:pt x="409664" y="535781"/>
-                </a:cubicBezTo>
-                <a:cubicBezTo>
-                  <a:pt x="264290" y="514350"/>
-                  <a:pt x="354422" y="482204"/>
-                  <a:pt x="209049" y="464344"/>
-                </a:cubicBezTo>
-                <a:cubicBezTo>
-                  <a:pt x="150900" y="457200"/>
-                  <a:pt x="89843" y="428625"/>
-                  <a:pt x="5527" y="467916"/>
-                </a:cubicBezTo>
-                <a:cubicBezTo>
-                  <a:pt x="386404" y="675085"/>
-                  <a:pt x="566666" y="660797"/>
-                  <a:pt x="906838" y="914400"/>
-                </a:cubicBezTo>
-                <a:cubicBezTo>
-                  <a:pt x="892301" y="939404"/>
-                  <a:pt x="877764" y="928688"/>
-                  <a:pt x="863226" y="925116"/>
-                </a:cubicBezTo>
-                <a:cubicBezTo>
-                  <a:pt x="839967" y="921544"/>
-                  <a:pt x="810892" y="907256"/>
-                  <a:pt x="805077" y="953691"/>
-                </a:cubicBezTo>
-                <a:cubicBezTo>
-                  <a:pt x="802169" y="989410"/>
-                  <a:pt x="819615" y="1007269"/>
-                  <a:pt x="848689" y="1010841"/>
-                </a:cubicBezTo>
-                <a:cubicBezTo>
-                  <a:pt x="933005" y="1025129"/>
-                  <a:pt x="1008599" y="1075135"/>
-                  <a:pt x="1084193" y="1117997"/>
-                </a:cubicBezTo>
-                <a:cubicBezTo>
-                  <a:pt x="1119082" y="1135857"/>
-                  <a:pt x="1156879" y="1160860"/>
-                  <a:pt x="1142342" y="1225153"/>
-                </a:cubicBezTo>
-                <a:cubicBezTo>
-                  <a:pt x="1113268" y="1243013"/>
-                  <a:pt x="1092915" y="1218009"/>
-                  <a:pt x="1069655" y="1214438"/>
-                </a:cubicBezTo>
-                <a:cubicBezTo>
-                  <a:pt x="1046396" y="1210866"/>
-                  <a:pt x="991154" y="1225153"/>
-                  <a:pt x="1005692" y="1235869"/>
-                </a:cubicBezTo>
-                <a:cubicBezTo>
-                  <a:pt x="1072563" y="1275159"/>
-                  <a:pt x="950450" y="1371600"/>
-                  <a:pt x="1031858" y="1371600"/>
-                </a:cubicBezTo>
-                <a:cubicBezTo>
-                  <a:pt x="1165601" y="1371600"/>
-                  <a:pt x="1238288" y="1543050"/>
-                  <a:pt x="1366216" y="1546622"/>
-                </a:cubicBezTo>
-                <a:cubicBezTo>
-                  <a:pt x="1386568" y="1546622"/>
-                  <a:pt x="1395290" y="1578770"/>
-                  <a:pt x="1395290" y="1603772"/>
-                </a:cubicBezTo>
-                <a:cubicBezTo>
-                  <a:pt x="1395290" y="1635920"/>
-                  <a:pt x="1374939" y="1639491"/>
-                  <a:pt x="1354586" y="1643063"/>
-                </a:cubicBezTo>
-                <a:cubicBezTo>
-                  <a:pt x="1322604" y="1646635"/>
-                  <a:pt x="1287715" y="1603772"/>
-                  <a:pt x="1247011" y="1664494"/>
-                </a:cubicBezTo>
-                <a:cubicBezTo>
-                  <a:pt x="1322604" y="1700213"/>
-                  <a:pt x="1401105" y="1735932"/>
-                  <a:pt x="1398198" y="1857375"/>
-                </a:cubicBezTo>
-                <a:cubicBezTo>
-                  <a:pt x="1398198" y="1889523"/>
-                  <a:pt x="1430180" y="1903810"/>
-                  <a:pt x="1453440" y="1910954"/>
-                </a:cubicBezTo>
-                <a:cubicBezTo>
-                  <a:pt x="1494144" y="1925241"/>
-                  <a:pt x="1526126" y="1946673"/>
-                  <a:pt x="1549386" y="1993106"/>
-                </a:cubicBezTo>
-                <a:cubicBezTo>
-                  <a:pt x="1549386" y="2003822"/>
-                  <a:pt x="1549386" y="2010966"/>
-                  <a:pt x="1549386" y="2021681"/>
-                </a:cubicBezTo>
-                <a:cubicBezTo>
-                  <a:pt x="1543571" y="2132410"/>
-                  <a:pt x="1485422" y="2128838"/>
-                  <a:pt x="1421458" y="2110978"/>
-                </a:cubicBezTo>
-                <a:cubicBezTo>
-                  <a:pt x="1345864" y="2089547"/>
-                  <a:pt x="1270270" y="2046685"/>
-                  <a:pt x="1188861" y="2085976"/>
-                </a:cubicBezTo>
-                <a:cubicBezTo>
-                  <a:pt x="1302252" y="2139554"/>
-                  <a:pt x="1427272" y="2143126"/>
-                  <a:pt x="1531941" y="2218135"/>
-                </a:cubicBezTo>
-                <a:cubicBezTo>
-                  <a:pt x="1142342" y="2232422"/>
-                  <a:pt x="799262" y="1993106"/>
-                  <a:pt x="421293" y="1900238"/>
-                </a:cubicBezTo>
-                <a:cubicBezTo>
-                  <a:pt x="432923" y="1960960"/>
-                  <a:pt x="464905" y="1975247"/>
-                  <a:pt x="491072" y="1982391"/>
-                </a:cubicBezTo>
-                <a:cubicBezTo>
-                  <a:pt x="630630" y="2028825"/>
-                  <a:pt x="752743" y="2121695"/>
-                  <a:pt x="880671" y="2200276"/>
-                </a:cubicBezTo>
-                <a:cubicBezTo>
-                  <a:pt x="933005" y="2232422"/>
-                  <a:pt x="970802" y="2268142"/>
-                  <a:pt x="991154" y="2336007"/>
-                </a:cubicBezTo>
-                <a:cubicBezTo>
-                  <a:pt x="1008599" y="2400300"/>
-                  <a:pt x="1043489" y="2428875"/>
-                  <a:pt x="1107453" y="2411016"/>
-                </a:cubicBezTo>
-                <a:cubicBezTo>
-                  <a:pt x="1159787" y="2396729"/>
-                  <a:pt x="1215029" y="2403873"/>
-                  <a:pt x="1270270" y="2411016"/>
-                </a:cubicBezTo>
-                <a:cubicBezTo>
-                  <a:pt x="1331326" y="2418160"/>
-                  <a:pt x="1401105" y="2489597"/>
-                  <a:pt x="1386568" y="2528889"/>
-                </a:cubicBezTo>
-                <a:cubicBezTo>
-                  <a:pt x="1357494" y="2593182"/>
-                  <a:pt x="1308067" y="2561035"/>
-                  <a:pt x="1267362" y="2553891"/>
-                </a:cubicBezTo>
-                <a:cubicBezTo>
-                  <a:pt x="1217936" y="2546748"/>
-                  <a:pt x="1127805" y="2528889"/>
-                  <a:pt x="1127805" y="2536032"/>
-                </a:cubicBezTo>
-                <a:cubicBezTo>
-                  <a:pt x="1095822" y="2696766"/>
-                  <a:pt x="1023136" y="2575322"/>
-                  <a:pt x="970802" y="2575322"/>
-                </a:cubicBezTo>
-                <a:cubicBezTo>
-                  <a:pt x="921375" y="2575322"/>
-                  <a:pt x="871949" y="2557463"/>
-                  <a:pt x="825429" y="2543176"/>
-                </a:cubicBezTo>
-                <a:cubicBezTo>
-                  <a:pt x="764373" y="2525316"/>
-                  <a:pt x="709132" y="2557463"/>
-                  <a:pt x="650982" y="2564607"/>
-                </a:cubicBezTo>
-                <a:cubicBezTo>
-                  <a:pt x="598648" y="2571751"/>
-                  <a:pt x="627722" y="2664620"/>
-                  <a:pt x="595740" y="2703909"/>
-                </a:cubicBezTo>
-                <a:cubicBezTo>
-                  <a:pt x="589926" y="2714626"/>
-                  <a:pt x="584111" y="2714626"/>
-                  <a:pt x="578296" y="2714626"/>
-                </a:cubicBezTo>
-                <a:cubicBezTo>
-                  <a:pt x="560851" y="2993232"/>
-                  <a:pt x="255568" y="2925366"/>
-                  <a:pt x="255568" y="2936081"/>
-                </a:cubicBezTo>
-                <a:cubicBezTo>
-                  <a:pt x="229401" y="2953941"/>
-                  <a:pt x="197419" y="2911079"/>
-                  <a:pt x="165437" y="2953941"/>
-                </a:cubicBezTo>
-                <a:cubicBezTo>
-                  <a:pt x="302087" y="3150394"/>
-                  <a:pt x="511425" y="3196828"/>
-                  <a:pt x="697501" y="3343275"/>
-                </a:cubicBezTo>
-                <a:cubicBezTo>
-                  <a:pt x="543407" y="3393282"/>
-                  <a:pt x="453275" y="3221832"/>
-                  <a:pt x="339884" y="3243263"/>
-                </a:cubicBezTo>
-                <a:cubicBezTo>
-                  <a:pt x="284643" y="3296842"/>
-                  <a:pt x="450368" y="3382566"/>
-                  <a:pt x="290458" y="3407569"/>
-                </a:cubicBezTo>
-                <a:cubicBezTo>
-                  <a:pt x="360236" y="3454004"/>
-                  <a:pt x="409664" y="3500439"/>
-                  <a:pt x="459090" y="3554016"/>
-                </a:cubicBezTo>
-                <a:cubicBezTo>
-                  <a:pt x="543407" y="3650457"/>
-                  <a:pt x="560851" y="3714751"/>
-                  <a:pt x="520147" y="3843338"/>
-                </a:cubicBezTo>
-                <a:cubicBezTo>
-                  <a:pt x="493979" y="3929063"/>
-                  <a:pt x="456183" y="4007645"/>
-                  <a:pt x="491072" y="4107657"/>
-                </a:cubicBezTo>
-                <a:cubicBezTo>
-                  <a:pt x="514332" y="4175522"/>
-                  <a:pt x="505609" y="4221957"/>
-                  <a:pt x="418386" y="4189810"/>
-                </a:cubicBezTo>
-                <a:cubicBezTo>
-                  <a:pt x="325347" y="4157663"/>
-                  <a:pt x="290458" y="4218386"/>
-                  <a:pt x="313718" y="4339829"/>
-                </a:cubicBezTo>
-                <a:cubicBezTo>
-                  <a:pt x="328254" y="4418410"/>
-                  <a:pt x="313718" y="4443413"/>
-                  <a:pt x="249753" y="4432698"/>
-                </a:cubicBezTo>
-                <a:cubicBezTo>
-                  <a:pt x="179975" y="4421982"/>
-                  <a:pt x="113103" y="4371976"/>
-                  <a:pt x="25879" y="4396979"/>
-                </a:cubicBezTo>
-                <a:cubicBezTo>
-                  <a:pt x="95658" y="4539854"/>
-                  <a:pt x="243939" y="4496991"/>
-                  <a:pt x="325347" y="4632722"/>
-                </a:cubicBezTo>
-                <a:cubicBezTo>
-                  <a:pt x="229401" y="4632722"/>
-                  <a:pt x="153807" y="4632722"/>
-                  <a:pt x="84029" y="4604147"/>
-                </a:cubicBezTo>
-                <a:cubicBezTo>
-                  <a:pt x="54954" y="4593433"/>
-                  <a:pt x="22972" y="4579145"/>
-                  <a:pt x="5527" y="4622007"/>
-                </a:cubicBezTo>
-                <a:cubicBezTo>
-                  <a:pt x="-14826" y="4672014"/>
-                  <a:pt x="25879" y="4689872"/>
-                  <a:pt x="49139" y="4697016"/>
-                </a:cubicBezTo>
-                <a:cubicBezTo>
-                  <a:pt x="116011" y="4722019"/>
-                  <a:pt x="168344" y="4779170"/>
-                  <a:pt x="226494" y="4825604"/>
-                </a:cubicBezTo>
-                <a:cubicBezTo>
-                  <a:pt x="351514" y="4925616"/>
-                  <a:pt x="488165" y="5011341"/>
-                  <a:pt x="592833" y="5175647"/>
-                </a:cubicBezTo>
-                <a:cubicBezTo>
-                  <a:pt x="461997" y="5132785"/>
-                  <a:pt x="363144" y="5032772"/>
-                  <a:pt x="238123" y="5014913"/>
-                </a:cubicBezTo>
-                <a:cubicBezTo>
-                  <a:pt x="345700" y="5164932"/>
-                  <a:pt x="482350" y="5264944"/>
-                  <a:pt x="610278" y="5375673"/>
-                </a:cubicBezTo>
-                <a:cubicBezTo>
-                  <a:pt x="648075" y="5407819"/>
-                  <a:pt x="685872" y="5429250"/>
-                  <a:pt x="691686" y="5497116"/>
-                </a:cubicBezTo>
-                <a:cubicBezTo>
-                  <a:pt x="709132" y="5629276"/>
-                  <a:pt x="755650" y="5736432"/>
-                  <a:pt x="860319" y="5793582"/>
-                </a:cubicBezTo>
-                <a:cubicBezTo>
-                  <a:pt x="860319" y="5793582"/>
-                  <a:pt x="854504" y="5815013"/>
-                  <a:pt x="851597" y="5825729"/>
-                </a:cubicBezTo>
-                <a:cubicBezTo>
-                  <a:pt x="787632" y="5829301"/>
-                  <a:pt x="738206" y="5750720"/>
-                  <a:pt x="659704" y="5779295"/>
-                </a:cubicBezTo>
-                <a:cubicBezTo>
-                  <a:pt x="738206" y="5886451"/>
-                  <a:pt x="802169" y="5979319"/>
-                  <a:pt x="909746" y="6029326"/>
-                </a:cubicBezTo>
-                <a:cubicBezTo>
-                  <a:pt x="996969" y="6068616"/>
-                  <a:pt x="1104545" y="6093620"/>
-                  <a:pt x="1168509" y="6222207"/>
-                </a:cubicBezTo>
-                <a:cubicBezTo>
-                  <a:pt x="1095822" y="6247210"/>
-                  <a:pt x="1040581" y="6215063"/>
-                  <a:pt x="985339" y="6193632"/>
-                </a:cubicBezTo>
-                <a:cubicBezTo>
-                  <a:pt x="901023" y="6157913"/>
-                  <a:pt x="816707" y="6118623"/>
-                  <a:pt x="732391" y="6082904"/>
-                </a:cubicBezTo>
-                <a:cubicBezTo>
-                  <a:pt x="700408" y="6068616"/>
-                  <a:pt x="665519" y="6061472"/>
-                  <a:pt x="645167" y="6125766"/>
-                </a:cubicBezTo>
-                <a:cubicBezTo>
-                  <a:pt x="752743" y="6140053"/>
-                  <a:pt x="816707" y="6225779"/>
-                  <a:pt x="883579" y="6307932"/>
-                </a:cubicBezTo>
-                <a:cubicBezTo>
-                  <a:pt x="921375" y="6354366"/>
-                  <a:pt x="953358" y="6415088"/>
-                  <a:pt x="1020229" y="6393657"/>
-                </a:cubicBezTo>
-                <a:cubicBezTo>
-                  <a:pt x="1055118" y="6382942"/>
-                  <a:pt x="1078378" y="6415088"/>
-                  <a:pt x="1075471" y="6457950"/>
-                </a:cubicBezTo>
-                <a:cubicBezTo>
-                  <a:pt x="1060933" y="6607970"/>
-                  <a:pt x="1145250" y="6657976"/>
-                  <a:pt x="1232473" y="6686551"/>
-                </a:cubicBezTo>
-                <a:cubicBezTo>
-                  <a:pt x="1360401" y="6729413"/>
-                  <a:pt x="1473792" y="6815138"/>
-                  <a:pt x="1592997" y="6886576"/>
-                </a:cubicBezTo>
-                <a:lnTo>
-                  <a:pt x="5511704" y="6886576"/>
-                </a:lnTo>
-                <a:close/>
-              </a:path>
-            </a:pathLst>
-          </a:custGeom>
-          <a:solidFill>
-            <a:srgbClr val="9698C6">
-              <a:alpha val="20000"/>
-            </a:srgbClr>
-          </a:solidFill>
-          <a:ln w="32707" cap="flat">
-            <a:noFill/>
-            <a:prstDash val="solid"/>
-            <a:miter/>
-          </a:ln>
-        </p:spPr>
-        <p:txBody>
-          <a:bodyPr rtlCol="0" anchor="ctr"/>
-          <a:lstStyle/>
-          <a:p>
-            <a:endParaRPr lang="en-US" dirty="0"/>
-          </a:p>
-        </p:txBody>
-      </p:sp>
-      <p:sp>
-        <p:nvSpPr>
-          <p:cNvPr id="2" name="Titre 1">
-            <a:extLst>
-              <a:ext uri="{FF2B5EF4-FFF2-40B4-BE49-F238E27FC236}">
                 <a16:creationId xmlns:a16="http://schemas.microsoft.com/office/drawing/2014/main" id="{10D97571-7809-48E5-9D8D-7620BB502B76}"/>
               </a:ext>
             </a:extLst>
@@ -27363,7 +26108,7 @@
           <a:p>
             <a:r>
               <a:rPr lang="fr-FR" dirty="0"/>
-              <a:t>Contraintes</a:t>
+              <a:t>Objectifs</a:t>
             </a:r>
           </a:p>
         </p:txBody>
@@ -27386,22 +26131,31 @@
         </p:nvSpPr>
         <p:spPr>
           <a:xfrm>
-            <a:off x="6095999" y="713313"/>
-            <a:ext cx="5257801" cy="5431376"/>
+            <a:off x="6680297" y="3650872"/>
+            <a:ext cx="5257801" cy="2908548"/>
           </a:xfrm>
         </p:spPr>
         <p:txBody>
           <a:bodyPr vert="horz" lIns="91440" tIns="45720" rIns="91440" bIns="45720" rtlCol="0" anchor="ctr">
-            <a:normAutofit/>
+            <a:normAutofit fontScale="92500" lnSpcReduction="20000"/>
           </a:bodyPr>
           <a:lstStyle/>
+          <a:p>
+            <a:pPr marL="0" indent="0">
+              <a:buNone/>
+            </a:pPr>
+            <a:endParaRPr lang="fr-FR" sz="2000" dirty="0">
+              <a:ea typeface="+mn-lt"/>
+              <a:cs typeface="+mn-lt"/>
+            </a:endParaRPr>
+          </a:p>
           <a:p>
             <a:r>
               <a:rPr lang="fr-FR" sz="2000" dirty="0">
                 <a:ea typeface="+mn-lt"/>
                 <a:cs typeface="+mn-lt"/>
               </a:rPr>
-              <a:t>Conception d'une base de données (MCD, MLD et script)</a:t>
+              <a:t>Concevoir une base de données (MCD, MLD et script)</a:t>
             </a:r>
             <a:endParaRPr lang="fr-FR" dirty="0"/>
           </a:p>
@@ -27411,21 +26165,8 @@
                 <a:ea typeface="+mn-lt"/>
                 <a:cs typeface="+mn-lt"/>
               </a:rPr>
-              <a:t>CRUD : Ajout / Lire / Modification / Suppression</a:t>
+              <a:t>CRUD </a:t>
             </a:r>
-          </a:p>
-          <a:p>
-            <a:r>
-              <a:rPr lang="fr-FR" sz="2000" dirty="0">
-                <a:ea typeface="+mn-lt"/>
-                <a:cs typeface="+mn-lt"/>
-              </a:rPr>
-              <a:t>Filtrer selon plusieurs critères</a:t>
-            </a:r>
-            <a:endParaRPr lang="en-US" sz="2000" dirty="0">
-              <a:ea typeface="+mn-lt"/>
-              <a:cs typeface="+mn-lt"/>
-            </a:endParaRPr>
           </a:p>
           <a:p>
             <a:r>
@@ -27453,7 +26194,281 @@
             </a:r>
           </a:p>
           <a:p>
-            <a:endParaRPr lang="fr-FR" sz="2000"/>
+            <a:r>
+              <a:rPr lang="fr-FR" sz="2000" dirty="0"/>
+              <a:t>Versionner le code sur GIT</a:t>
+            </a:r>
+          </a:p>
+          <a:p>
+            <a:endParaRPr lang="fr-FR" sz="2000" dirty="0"/>
+          </a:p>
+          <a:p>
+            <a:endParaRPr lang="fr-FR" sz="2000" dirty="0"/>
+          </a:p>
+        </p:txBody>
+      </p:sp>
+      <p:sp>
+        <p:nvSpPr>
+          <p:cNvPr id="4" name="ZoneTexte 3">
+            <a:extLst>
+              <a:ext uri="{FF2B5EF4-FFF2-40B4-BE49-F238E27FC236}">
+                <a16:creationId xmlns:a16="http://schemas.microsoft.com/office/drawing/2014/main" id="{C7F12251-CB87-4B73-BD17-9DF7826FD73F}"/>
+              </a:ext>
+            </a:extLst>
+          </p:cNvPr>
+          <p:cNvSpPr txBox="1"/>
+          <p:nvPr/>
+        </p:nvSpPr>
+        <p:spPr>
+          <a:xfrm>
+            <a:off x="6094476" y="1085396"/>
+            <a:ext cx="1449436" cy="369332"/>
+          </a:xfrm>
+          <a:prstGeom prst="rect">
+            <a:avLst/>
+          </a:prstGeom>
+          <a:noFill/>
+        </p:spPr>
+        <p:txBody>
+          <a:bodyPr wrap="none" rtlCol="0">
+            <a:spAutoFit/>
+          </a:bodyPr>
+          <a:lstStyle/>
+          <a:p>
+            <a:r>
+              <a:rPr lang="fr-FR" dirty="0"/>
+              <a:t>Le visiteur : </a:t>
+            </a:r>
+          </a:p>
+        </p:txBody>
+      </p:sp>
+      <p:sp>
+        <p:nvSpPr>
+          <p:cNvPr id="5" name="ZoneTexte 4">
+            <a:extLst>
+              <a:ext uri="{FF2B5EF4-FFF2-40B4-BE49-F238E27FC236}">
+                <a16:creationId xmlns:a16="http://schemas.microsoft.com/office/drawing/2014/main" id="{B87AFD28-2FF8-4BE8-8E92-8DBEAC3FE9C1}"/>
+              </a:ext>
+            </a:extLst>
+          </p:cNvPr>
+          <p:cNvSpPr txBox="1"/>
+          <p:nvPr/>
+        </p:nvSpPr>
+        <p:spPr>
+          <a:xfrm>
+            <a:off x="7543912" y="716064"/>
+            <a:ext cx="2690160" cy="369332"/>
+          </a:xfrm>
+          <a:prstGeom prst="rect">
+            <a:avLst/>
+          </a:prstGeom>
+          <a:noFill/>
+        </p:spPr>
+        <p:txBody>
+          <a:bodyPr wrap="none" rtlCol="0">
+            <a:spAutoFit/>
+          </a:bodyPr>
+          <a:lstStyle/>
+          <a:p>
+            <a:r>
+              <a:rPr lang="fr-FR" dirty="0"/>
+              <a:t>Voir la liste des salariés</a:t>
+            </a:r>
+          </a:p>
+        </p:txBody>
+      </p:sp>
+      <p:sp>
+        <p:nvSpPr>
+          <p:cNvPr id="6" name="ZoneTexte 5">
+            <a:extLst>
+              <a:ext uri="{FF2B5EF4-FFF2-40B4-BE49-F238E27FC236}">
+                <a16:creationId xmlns:a16="http://schemas.microsoft.com/office/drawing/2014/main" id="{B69E1EC0-F603-4AB6-9409-E9130B5B6C29}"/>
+              </a:ext>
+            </a:extLst>
+          </p:cNvPr>
+          <p:cNvSpPr txBox="1"/>
+          <p:nvPr/>
+        </p:nvSpPr>
+        <p:spPr>
+          <a:xfrm>
+            <a:off x="7543912" y="1085396"/>
+            <a:ext cx="4237057" cy="369332"/>
+          </a:xfrm>
+          <a:prstGeom prst="rect">
+            <a:avLst/>
+          </a:prstGeom>
+          <a:noFill/>
+        </p:spPr>
+        <p:txBody>
+          <a:bodyPr wrap="none" rtlCol="0">
+            <a:spAutoFit/>
+          </a:bodyPr>
+          <a:lstStyle/>
+          <a:p>
+            <a:r>
+              <a:rPr lang="fr-FR" dirty="0"/>
+              <a:t>Faire des recherches avec des filtres</a:t>
+            </a:r>
+          </a:p>
+        </p:txBody>
+      </p:sp>
+      <p:sp>
+        <p:nvSpPr>
+          <p:cNvPr id="7" name="ZoneTexte 6">
+            <a:extLst>
+              <a:ext uri="{FF2B5EF4-FFF2-40B4-BE49-F238E27FC236}">
+                <a16:creationId xmlns:a16="http://schemas.microsoft.com/office/drawing/2014/main" id="{A2433A55-BF8B-4265-B6F9-8D4E13F2CA9F}"/>
+              </a:ext>
+            </a:extLst>
+          </p:cNvPr>
+          <p:cNvSpPr txBox="1"/>
+          <p:nvPr/>
+        </p:nvSpPr>
+        <p:spPr>
+          <a:xfrm>
+            <a:off x="7543911" y="1432128"/>
+            <a:ext cx="4198585" cy="369332"/>
+          </a:xfrm>
+          <a:prstGeom prst="rect">
+            <a:avLst/>
+          </a:prstGeom>
+          <a:noFill/>
+        </p:spPr>
+        <p:txBody>
+          <a:bodyPr wrap="none" rtlCol="0">
+            <a:spAutoFit/>
+          </a:bodyPr>
+          <a:lstStyle/>
+          <a:p>
+            <a:r>
+              <a:rPr lang="fr-FR" dirty="0"/>
+              <a:t>Afficher les informations d’un salarié</a:t>
+            </a:r>
+          </a:p>
+        </p:txBody>
+      </p:sp>
+      <p:sp>
+        <p:nvSpPr>
+          <p:cNvPr id="9" name="ZoneTexte 8">
+            <a:extLst>
+              <a:ext uri="{FF2B5EF4-FFF2-40B4-BE49-F238E27FC236}">
+                <a16:creationId xmlns:a16="http://schemas.microsoft.com/office/drawing/2014/main" id="{66CE92FD-2C5C-4880-8E61-97CF86DEE50E}"/>
+              </a:ext>
+            </a:extLst>
+          </p:cNvPr>
+          <p:cNvSpPr txBox="1"/>
+          <p:nvPr/>
+        </p:nvSpPr>
+        <p:spPr>
+          <a:xfrm>
+            <a:off x="5442054" y="2196144"/>
+            <a:ext cx="2101857" cy="369332"/>
+          </a:xfrm>
+          <a:prstGeom prst="rect">
+            <a:avLst/>
+          </a:prstGeom>
+          <a:noFill/>
+        </p:spPr>
+        <p:txBody>
+          <a:bodyPr wrap="none" rtlCol="0">
+            <a:spAutoFit/>
+          </a:bodyPr>
+          <a:lstStyle/>
+          <a:p>
+            <a:r>
+              <a:rPr lang="fr-FR" dirty="0"/>
+              <a:t>L’administrateur :</a:t>
+            </a:r>
+          </a:p>
+        </p:txBody>
+      </p:sp>
+      <p:sp>
+        <p:nvSpPr>
+          <p:cNvPr id="11" name="ZoneTexte 10">
+            <a:extLst>
+              <a:ext uri="{FF2B5EF4-FFF2-40B4-BE49-F238E27FC236}">
+                <a16:creationId xmlns:a16="http://schemas.microsoft.com/office/drawing/2014/main" id="{EC203543-5530-48E0-A78C-2F2AC1E53D92}"/>
+              </a:ext>
+            </a:extLst>
+          </p:cNvPr>
+          <p:cNvSpPr txBox="1"/>
+          <p:nvPr/>
+        </p:nvSpPr>
+        <p:spPr>
+          <a:xfrm>
+            <a:off x="7543911" y="2101058"/>
+            <a:ext cx="3919663" cy="923330"/>
+          </a:xfrm>
+          <a:prstGeom prst="rect">
+            <a:avLst/>
+          </a:prstGeom>
+          <a:noFill/>
+        </p:spPr>
+        <p:txBody>
+          <a:bodyPr wrap="none" rtlCol="0">
+            <a:spAutoFit/>
+          </a:bodyPr>
+          <a:lstStyle/>
+          <a:p>
+            <a:r>
+              <a:rPr lang="fr-FR" sz="1800" dirty="0">
+                <a:ea typeface="+mn-lt"/>
+                <a:cs typeface="+mn-lt"/>
+              </a:rPr>
+              <a:t>Ajouter/ Modifier / Supprimer </a:t>
+            </a:r>
+          </a:p>
+          <a:p>
+            <a:r>
+              <a:rPr lang="fr-FR" dirty="0">
+                <a:ea typeface="+mn-lt"/>
+                <a:cs typeface="+mn-lt"/>
+              </a:rPr>
+              <a:t>Les salariés, les sites et les services</a:t>
+            </a:r>
+            <a:endParaRPr lang="fr-FR" sz="1800" dirty="0">
+              <a:ea typeface="+mn-lt"/>
+              <a:cs typeface="+mn-lt"/>
+            </a:endParaRPr>
+          </a:p>
+          <a:p>
+            <a:endParaRPr lang="fr-FR" dirty="0"/>
+          </a:p>
+        </p:txBody>
+      </p:sp>
+      <p:sp>
+        <p:nvSpPr>
+          <p:cNvPr id="12" name="ZoneTexte 11">
+            <a:extLst>
+              <a:ext uri="{FF2B5EF4-FFF2-40B4-BE49-F238E27FC236}">
+                <a16:creationId xmlns:a16="http://schemas.microsoft.com/office/drawing/2014/main" id="{CCAF375C-D8D7-44E1-951F-C0E526BD81E6}"/>
+              </a:ext>
+            </a:extLst>
+          </p:cNvPr>
+          <p:cNvSpPr txBox="1"/>
+          <p:nvPr/>
+        </p:nvSpPr>
+        <p:spPr>
+          <a:xfrm>
+            <a:off x="7688987" y="3300829"/>
+            <a:ext cx="2400017" cy="369332"/>
+          </a:xfrm>
+          <a:prstGeom prst="rect">
+            <a:avLst/>
+          </a:prstGeom>
+          <a:noFill/>
+        </p:spPr>
+        <p:txBody>
+          <a:bodyPr wrap="none" rtlCol="0">
+            <a:spAutoFit/>
+          </a:bodyPr>
+          <a:lstStyle/>
+          <a:p>
+            <a:pPr algn="ctr"/>
+            <a:r>
+              <a:rPr lang="fr-FR" b="1" dirty="0"/>
+              <a:t>Objectifs Technique</a:t>
+            </a:r>
           </a:p>
         </p:txBody>
       </p:sp>
@@ -27467,10 +26482,659 @@
   <p:clrMapOvr>
     <a:masterClrMapping/>
   </p:clrMapOvr>
+  <p:timing>
+    <p:tnLst>
+      <p:par>
+        <p:cTn id="1" dur="indefinite" restart="never" nodeType="tmRoot">
+          <p:childTnLst>
+            <p:seq concurrent="1" nextAc="seek">
+              <p:cTn id="2" dur="indefinite" nodeType="mainSeq">
+                <p:childTnLst>
+                  <p:par>
+                    <p:cTn id="3" fill="hold">
+                      <p:stCondLst>
+                        <p:cond delay="indefinite"/>
+                      </p:stCondLst>
+                      <p:childTnLst>
+                        <p:par>
+                          <p:cTn id="4" fill="hold">
+                            <p:stCondLst>
+                              <p:cond delay="0"/>
+                            </p:stCondLst>
+                            <p:childTnLst>
+                              <p:par>
+                                <p:cTn id="5" presetID="1" presetClass="entr" presetSubtype="0" fill="hold" grpId="0" nodeType="clickEffect">
+                                  <p:stCondLst>
+                                    <p:cond delay="0"/>
+                                  </p:stCondLst>
+                                  <p:childTnLst>
+                                    <p:set>
+                                      <p:cBhvr>
+                                        <p:cTn id="6" dur="1" fill="hold">
+                                          <p:stCondLst>
+                                            <p:cond delay="0"/>
+                                          </p:stCondLst>
+                                        </p:cTn>
+                                        <p:tgtEl>
+                                          <p:spTgt spid="4"/>
+                                        </p:tgtEl>
+                                        <p:attrNameLst>
+                                          <p:attrName>style.visibility</p:attrName>
+                                        </p:attrNameLst>
+                                      </p:cBhvr>
+                                      <p:to>
+                                        <p:strVal val="visible"/>
+                                      </p:to>
+                                    </p:set>
+                                  </p:childTnLst>
+                                </p:cTn>
+                              </p:par>
+                            </p:childTnLst>
+                          </p:cTn>
+                        </p:par>
+                      </p:childTnLst>
+                    </p:cTn>
+                  </p:par>
+                  <p:par>
+                    <p:cTn id="7" fill="hold">
+                      <p:stCondLst>
+                        <p:cond delay="indefinite"/>
+                      </p:stCondLst>
+                      <p:childTnLst>
+                        <p:par>
+                          <p:cTn id="8" fill="hold">
+                            <p:stCondLst>
+                              <p:cond delay="0"/>
+                            </p:stCondLst>
+                            <p:childTnLst>
+                              <p:par>
+                                <p:cTn id="9" presetID="1" presetClass="entr" presetSubtype="0" fill="hold" grpId="0" nodeType="clickEffect">
+                                  <p:stCondLst>
+                                    <p:cond delay="0"/>
+                                  </p:stCondLst>
+                                  <p:childTnLst>
+                                    <p:set>
+                                      <p:cBhvr>
+                                        <p:cTn id="10" dur="1" fill="hold">
+                                          <p:stCondLst>
+                                            <p:cond delay="0"/>
+                                          </p:stCondLst>
+                                        </p:cTn>
+                                        <p:tgtEl>
+                                          <p:spTgt spid="5"/>
+                                        </p:tgtEl>
+                                        <p:attrNameLst>
+                                          <p:attrName>style.visibility</p:attrName>
+                                        </p:attrNameLst>
+                                      </p:cBhvr>
+                                      <p:to>
+                                        <p:strVal val="visible"/>
+                                      </p:to>
+                                    </p:set>
+                                  </p:childTnLst>
+                                </p:cTn>
+                              </p:par>
+                            </p:childTnLst>
+                          </p:cTn>
+                        </p:par>
+                      </p:childTnLst>
+                    </p:cTn>
+                  </p:par>
+                  <p:par>
+                    <p:cTn id="11" fill="hold">
+                      <p:stCondLst>
+                        <p:cond delay="indefinite"/>
+                      </p:stCondLst>
+                      <p:childTnLst>
+                        <p:par>
+                          <p:cTn id="12" fill="hold">
+                            <p:stCondLst>
+                              <p:cond delay="0"/>
+                            </p:stCondLst>
+                            <p:childTnLst>
+                              <p:par>
+                                <p:cTn id="13" presetID="1" presetClass="entr" presetSubtype="0" fill="hold" grpId="0" nodeType="clickEffect">
+                                  <p:stCondLst>
+                                    <p:cond delay="0"/>
+                                  </p:stCondLst>
+                                  <p:childTnLst>
+                                    <p:set>
+                                      <p:cBhvr>
+                                        <p:cTn id="14" dur="1" fill="hold">
+                                          <p:stCondLst>
+                                            <p:cond delay="0"/>
+                                          </p:stCondLst>
+                                        </p:cTn>
+                                        <p:tgtEl>
+                                          <p:spTgt spid="6"/>
+                                        </p:tgtEl>
+                                        <p:attrNameLst>
+                                          <p:attrName>style.visibility</p:attrName>
+                                        </p:attrNameLst>
+                                      </p:cBhvr>
+                                      <p:to>
+                                        <p:strVal val="visible"/>
+                                      </p:to>
+                                    </p:set>
+                                  </p:childTnLst>
+                                </p:cTn>
+                              </p:par>
+                            </p:childTnLst>
+                          </p:cTn>
+                        </p:par>
+                      </p:childTnLst>
+                    </p:cTn>
+                  </p:par>
+                  <p:par>
+                    <p:cTn id="15" fill="hold">
+                      <p:stCondLst>
+                        <p:cond delay="indefinite"/>
+                      </p:stCondLst>
+                      <p:childTnLst>
+                        <p:par>
+                          <p:cTn id="16" fill="hold">
+                            <p:stCondLst>
+                              <p:cond delay="0"/>
+                            </p:stCondLst>
+                            <p:childTnLst>
+                              <p:par>
+                                <p:cTn id="17" presetID="1" presetClass="entr" presetSubtype="0" fill="hold" grpId="0" nodeType="clickEffect">
+                                  <p:stCondLst>
+                                    <p:cond delay="0"/>
+                                  </p:stCondLst>
+                                  <p:childTnLst>
+                                    <p:set>
+                                      <p:cBhvr>
+                                        <p:cTn id="18" dur="1" fill="hold">
+                                          <p:stCondLst>
+                                            <p:cond delay="0"/>
+                                          </p:stCondLst>
+                                        </p:cTn>
+                                        <p:tgtEl>
+                                          <p:spTgt spid="7"/>
+                                        </p:tgtEl>
+                                        <p:attrNameLst>
+                                          <p:attrName>style.visibility</p:attrName>
+                                        </p:attrNameLst>
+                                      </p:cBhvr>
+                                      <p:to>
+                                        <p:strVal val="visible"/>
+                                      </p:to>
+                                    </p:set>
+                                  </p:childTnLst>
+                                </p:cTn>
+                              </p:par>
+                            </p:childTnLst>
+                          </p:cTn>
+                        </p:par>
+                      </p:childTnLst>
+                    </p:cTn>
+                  </p:par>
+                  <p:par>
+                    <p:cTn id="19" fill="hold">
+                      <p:stCondLst>
+                        <p:cond delay="indefinite"/>
+                      </p:stCondLst>
+                      <p:childTnLst>
+                        <p:par>
+                          <p:cTn id="20" fill="hold">
+                            <p:stCondLst>
+                              <p:cond delay="0"/>
+                            </p:stCondLst>
+                            <p:childTnLst>
+                              <p:par>
+                                <p:cTn id="21" presetID="1" presetClass="entr" presetSubtype="0" fill="hold" grpId="0" nodeType="clickEffect">
+                                  <p:stCondLst>
+                                    <p:cond delay="0"/>
+                                  </p:stCondLst>
+                                  <p:childTnLst>
+                                    <p:set>
+                                      <p:cBhvr>
+                                        <p:cTn id="22" dur="1" fill="hold">
+                                          <p:stCondLst>
+                                            <p:cond delay="0"/>
+                                          </p:stCondLst>
+                                        </p:cTn>
+                                        <p:tgtEl>
+                                          <p:spTgt spid="9"/>
+                                        </p:tgtEl>
+                                        <p:attrNameLst>
+                                          <p:attrName>style.visibility</p:attrName>
+                                        </p:attrNameLst>
+                                      </p:cBhvr>
+                                      <p:to>
+                                        <p:strVal val="visible"/>
+                                      </p:to>
+                                    </p:set>
+                                  </p:childTnLst>
+                                </p:cTn>
+                              </p:par>
+                            </p:childTnLst>
+                          </p:cTn>
+                        </p:par>
+                      </p:childTnLst>
+                    </p:cTn>
+                  </p:par>
+                  <p:par>
+                    <p:cTn id="23" fill="hold">
+                      <p:stCondLst>
+                        <p:cond delay="indefinite"/>
+                      </p:stCondLst>
+                      <p:childTnLst>
+                        <p:par>
+                          <p:cTn id="24" fill="hold">
+                            <p:stCondLst>
+                              <p:cond delay="0"/>
+                            </p:stCondLst>
+                            <p:childTnLst>
+                              <p:par>
+                                <p:cTn id="25" presetID="1" presetClass="entr" presetSubtype="0" fill="hold" grpId="0" nodeType="clickEffect">
+                                  <p:stCondLst>
+                                    <p:cond delay="0"/>
+                                  </p:stCondLst>
+                                  <p:childTnLst>
+                                    <p:set>
+                                      <p:cBhvr>
+                                        <p:cTn id="26" dur="1" fill="hold">
+                                          <p:stCondLst>
+                                            <p:cond delay="0"/>
+                                          </p:stCondLst>
+                                        </p:cTn>
+                                        <p:tgtEl>
+                                          <p:spTgt spid="11"/>
+                                        </p:tgtEl>
+                                        <p:attrNameLst>
+                                          <p:attrName>style.visibility</p:attrName>
+                                        </p:attrNameLst>
+                                      </p:cBhvr>
+                                      <p:to>
+                                        <p:strVal val="visible"/>
+                                      </p:to>
+                                    </p:set>
+                                  </p:childTnLst>
+                                </p:cTn>
+                              </p:par>
+                            </p:childTnLst>
+                          </p:cTn>
+                        </p:par>
+                      </p:childTnLst>
+                    </p:cTn>
+                  </p:par>
+                  <p:par>
+                    <p:cTn id="27" fill="hold">
+                      <p:stCondLst>
+                        <p:cond delay="indefinite"/>
+                      </p:stCondLst>
+                      <p:childTnLst>
+                        <p:par>
+                          <p:cTn id="28" fill="hold">
+                            <p:stCondLst>
+                              <p:cond delay="0"/>
+                            </p:stCondLst>
+                            <p:childTnLst>
+                              <p:par>
+                                <p:cTn id="29" presetID="1" presetClass="entr" presetSubtype="0" fill="hold" grpId="0" nodeType="clickEffect">
+                                  <p:stCondLst>
+                                    <p:cond delay="0"/>
+                                  </p:stCondLst>
+                                  <p:childTnLst>
+                                    <p:set>
+                                      <p:cBhvr>
+                                        <p:cTn id="30" dur="1" fill="hold">
+                                          <p:stCondLst>
+                                            <p:cond delay="0"/>
+                                          </p:stCondLst>
+                                        </p:cTn>
+                                        <p:tgtEl>
+                                          <p:spTgt spid="12"/>
+                                        </p:tgtEl>
+                                        <p:attrNameLst>
+                                          <p:attrName>style.visibility</p:attrName>
+                                        </p:attrNameLst>
+                                      </p:cBhvr>
+                                      <p:to>
+                                        <p:strVal val="visible"/>
+                                      </p:to>
+                                    </p:set>
+                                  </p:childTnLst>
+                                </p:cTn>
+                              </p:par>
+                            </p:childTnLst>
+                          </p:cTn>
+                        </p:par>
+                      </p:childTnLst>
+                    </p:cTn>
+                  </p:par>
+                  <p:par>
+                    <p:cTn id="31" fill="hold">
+                      <p:stCondLst>
+                        <p:cond delay="indefinite"/>
+                      </p:stCondLst>
+                      <p:childTnLst>
+                        <p:par>
+                          <p:cTn id="32" fill="hold">
+                            <p:stCondLst>
+                              <p:cond delay="0"/>
+                            </p:stCondLst>
+                            <p:childTnLst>
+                              <p:par>
+                                <p:cTn id="33" presetID="1" presetClass="entr" presetSubtype="0" fill="hold" grpId="0" nodeType="clickEffect">
+                                  <p:stCondLst>
+                                    <p:cond delay="0"/>
+                                  </p:stCondLst>
+                                  <p:childTnLst>
+                                    <p:set>
+                                      <p:cBhvr>
+                                        <p:cTn id="34" dur="1" fill="hold">
+                                          <p:stCondLst>
+                                            <p:cond delay="0"/>
+                                          </p:stCondLst>
+                                        </p:cTn>
+                                        <p:tgtEl>
+                                          <p:spTgt spid="3">
+                                            <p:txEl>
+                                              <p:pRg st="1" end="1"/>
+                                            </p:txEl>
+                                          </p:spTgt>
+                                        </p:tgtEl>
+                                        <p:attrNameLst>
+                                          <p:attrName>style.visibility</p:attrName>
+                                        </p:attrNameLst>
+                                      </p:cBhvr>
+                                      <p:to>
+                                        <p:strVal val="visible"/>
+                                      </p:to>
+                                    </p:set>
+                                  </p:childTnLst>
+                                </p:cTn>
+                              </p:par>
+                            </p:childTnLst>
+                          </p:cTn>
+                        </p:par>
+                      </p:childTnLst>
+                    </p:cTn>
+                  </p:par>
+                  <p:par>
+                    <p:cTn id="35" fill="hold">
+                      <p:stCondLst>
+                        <p:cond delay="indefinite"/>
+                      </p:stCondLst>
+                      <p:childTnLst>
+                        <p:par>
+                          <p:cTn id="36" fill="hold">
+                            <p:stCondLst>
+                              <p:cond delay="0"/>
+                            </p:stCondLst>
+                            <p:childTnLst>
+                              <p:par>
+                                <p:cTn id="37" presetID="1" presetClass="entr" presetSubtype="0" fill="hold" grpId="0" nodeType="clickEffect">
+                                  <p:stCondLst>
+                                    <p:cond delay="0"/>
+                                  </p:stCondLst>
+                                  <p:childTnLst>
+                                    <p:set>
+                                      <p:cBhvr>
+                                        <p:cTn id="38" dur="1" fill="hold">
+                                          <p:stCondLst>
+                                            <p:cond delay="0"/>
+                                          </p:stCondLst>
+                                        </p:cTn>
+                                        <p:tgtEl>
+                                          <p:spTgt spid="3">
+                                            <p:txEl>
+                                              <p:pRg st="2" end="2"/>
+                                            </p:txEl>
+                                          </p:spTgt>
+                                        </p:tgtEl>
+                                        <p:attrNameLst>
+                                          <p:attrName>style.visibility</p:attrName>
+                                        </p:attrNameLst>
+                                      </p:cBhvr>
+                                      <p:to>
+                                        <p:strVal val="visible"/>
+                                      </p:to>
+                                    </p:set>
+                                  </p:childTnLst>
+                                </p:cTn>
+                              </p:par>
+                            </p:childTnLst>
+                          </p:cTn>
+                        </p:par>
+                      </p:childTnLst>
+                    </p:cTn>
+                  </p:par>
+                  <p:par>
+                    <p:cTn id="39" fill="hold">
+                      <p:stCondLst>
+                        <p:cond delay="indefinite"/>
+                      </p:stCondLst>
+                      <p:childTnLst>
+                        <p:par>
+                          <p:cTn id="40" fill="hold">
+                            <p:stCondLst>
+                              <p:cond delay="0"/>
+                            </p:stCondLst>
+                            <p:childTnLst>
+                              <p:par>
+                                <p:cTn id="41" presetID="1" presetClass="entr" presetSubtype="0" fill="hold" grpId="0" nodeType="clickEffect">
+                                  <p:stCondLst>
+                                    <p:cond delay="0"/>
+                                  </p:stCondLst>
+                                  <p:childTnLst>
+                                    <p:set>
+                                      <p:cBhvr>
+                                        <p:cTn id="42" dur="1" fill="hold">
+                                          <p:stCondLst>
+                                            <p:cond delay="0"/>
+                                          </p:stCondLst>
+                                        </p:cTn>
+                                        <p:tgtEl>
+                                          <p:spTgt spid="3">
+                                            <p:txEl>
+                                              <p:pRg st="3" end="3"/>
+                                            </p:txEl>
+                                          </p:spTgt>
+                                        </p:tgtEl>
+                                        <p:attrNameLst>
+                                          <p:attrName>style.visibility</p:attrName>
+                                        </p:attrNameLst>
+                                      </p:cBhvr>
+                                      <p:to>
+                                        <p:strVal val="visible"/>
+                                      </p:to>
+                                    </p:set>
+                                  </p:childTnLst>
+                                </p:cTn>
+                              </p:par>
+                            </p:childTnLst>
+                          </p:cTn>
+                        </p:par>
+                      </p:childTnLst>
+                    </p:cTn>
+                  </p:par>
+                  <p:par>
+                    <p:cTn id="43" fill="hold">
+                      <p:stCondLst>
+                        <p:cond delay="indefinite"/>
+                      </p:stCondLst>
+                      <p:childTnLst>
+                        <p:par>
+                          <p:cTn id="44" fill="hold">
+                            <p:stCondLst>
+                              <p:cond delay="0"/>
+                            </p:stCondLst>
+                            <p:childTnLst>
+                              <p:par>
+                                <p:cTn id="45" presetID="1" presetClass="entr" presetSubtype="0" fill="hold" grpId="0" nodeType="clickEffect">
+                                  <p:stCondLst>
+                                    <p:cond delay="0"/>
+                                  </p:stCondLst>
+                                  <p:childTnLst>
+                                    <p:set>
+                                      <p:cBhvr>
+                                        <p:cTn id="46" dur="1" fill="hold">
+                                          <p:stCondLst>
+                                            <p:cond delay="0"/>
+                                          </p:stCondLst>
+                                        </p:cTn>
+                                        <p:tgtEl>
+                                          <p:spTgt spid="3">
+                                            <p:txEl>
+                                              <p:pRg st="4" end="4"/>
+                                            </p:txEl>
+                                          </p:spTgt>
+                                        </p:tgtEl>
+                                        <p:attrNameLst>
+                                          <p:attrName>style.visibility</p:attrName>
+                                        </p:attrNameLst>
+                                      </p:cBhvr>
+                                      <p:to>
+                                        <p:strVal val="visible"/>
+                                      </p:to>
+                                    </p:set>
+                                  </p:childTnLst>
+                                </p:cTn>
+                              </p:par>
+                            </p:childTnLst>
+                          </p:cTn>
+                        </p:par>
+                      </p:childTnLst>
+                    </p:cTn>
+                  </p:par>
+                  <p:par>
+                    <p:cTn id="47" fill="hold">
+                      <p:stCondLst>
+                        <p:cond delay="indefinite"/>
+                      </p:stCondLst>
+                      <p:childTnLst>
+                        <p:par>
+                          <p:cTn id="48" fill="hold">
+                            <p:stCondLst>
+                              <p:cond delay="0"/>
+                            </p:stCondLst>
+                            <p:childTnLst>
+                              <p:par>
+                                <p:cTn id="49" presetID="1" presetClass="entr" presetSubtype="0" fill="hold" grpId="0" nodeType="clickEffect">
+                                  <p:stCondLst>
+                                    <p:cond delay="0"/>
+                                  </p:stCondLst>
+                                  <p:childTnLst>
+                                    <p:set>
+                                      <p:cBhvr>
+                                        <p:cTn id="50" dur="1" fill="hold">
+                                          <p:stCondLst>
+                                            <p:cond delay="0"/>
+                                          </p:stCondLst>
+                                        </p:cTn>
+                                        <p:tgtEl>
+                                          <p:spTgt spid="3">
+                                            <p:txEl>
+                                              <p:pRg st="5" end="5"/>
+                                            </p:txEl>
+                                          </p:spTgt>
+                                        </p:tgtEl>
+                                        <p:attrNameLst>
+                                          <p:attrName>style.visibility</p:attrName>
+                                        </p:attrNameLst>
+                                      </p:cBhvr>
+                                      <p:to>
+                                        <p:strVal val="visible"/>
+                                      </p:to>
+                                    </p:set>
+                                  </p:childTnLst>
+                                </p:cTn>
+                              </p:par>
+                            </p:childTnLst>
+                          </p:cTn>
+                        </p:par>
+                      </p:childTnLst>
+                    </p:cTn>
+                  </p:par>
+                  <p:par>
+                    <p:cTn id="51" fill="hold">
+                      <p:stCondLst>
+                        <p:cond delay="indefinite"/>
+                      </p:stCondLst>
+                      <p:childTnLst>
+                        <p:par>
+                          <p:cTn id="52" fill="hold">
+                            <p:stCondLst>
+                              <p:cond delay="0"/>
+                            </p:stCondLst>
+                            <p:childTnLst>
+                              <p:par>
+                                <p:cTn id="53" presetID="1" presetClass="entr" presetSubtype="0" fill="hold" grpId="0" nodeType="clickEffect">
+                                  <p:stCondLst>
+                                    <p:cond delay="0"/>
+                                  </p:stCondLst>
+                                  <p:childTnLst>
+                                    <p:set>
+                                      <p:cBhvr>
+                                        <p:cTn id="54" dur="1" fill="hold">
+                                          <p:stCondLst>
+                                            <p:cond delay="0"/>
+                                          </p:stCondLst>
+                                        </p:cTn>
+                                        <p:tgtEl>
+                                          <p:spTgt spid="3">
+                                            <p:txEl>
+                                              <p:pRg st="6" end="6"/>
+                                            </p:txEl>
+                                          </p:spTgt>
+                                        </p:tgtEl>
+                                        <p:attrNameLst>
+                                          <p:attrName>style.visibility</p:attrName>
+                                        </p:attrNameLst>
+                                      </p:cBhvr>
+                                      <p:to>
+                                        <p:strVal val="visible"/>
+                                      </p:to>
+                                    </p:set>
+                                  </p:childTnLst>
+                                </p:cTn>
+                              </p:par>
+                            </p:childTnLst>
+                          </p:cTn>
+                        </p:par>
+                      </p:childTnLst>
+                    </p:cTn>
+                  </p:par>
+                </p:childTnLst>
+              </p:cTn>
+              <p:prevCondLst>
+                <p:cond evt="onPrev" delay="0">
+                  <p:tgtEl>
+                    <p:sldTgt/>
+                  </p:tgtEl>
+                </p:cond>
+              </p:prevCondLst>
+              <p:nextCondLst>
+                <p:cond evt="onNext" delay="0">
+                  <p:tgtEl>
+                    <p:sldTgt/>
+                  </p:tgtEl>
+                </p:cond>
+              </p:nextCondLst>
+            </p:seq>
+          </p:childTnLst>
+        </p:cTn>
+      </p:par>
+    </p:tnLst>
+    <p:bldLst>
+      <p:bldP spid="3" grpId="0" build="p"/>
+      <p:bldP spid="4" grpId="0"/>
+      <p:bldP spid="5" grpId="0"/>
+      <p:bldP spid="6" grpId="0"/>
+      <p:bldP spid="7" grpId="0"/>
+      <p:bldP spid="9" grpId="0"/>
+      <p:bldP spid="11" grpId="0"/>
+      <p:bldP spid="12" grpId="0"/>
+    </p:bldLst>
+  </p:timing>
 </p:sld>
 </file>
 
-<file path=ppt/slides/slide5.xml><?xml version="1.0" encoding="utf-8"?>
+<file path=ppt/slides/slide4.xml><?xml version="1.0" encoding="utf-8"?>
 <p:sld xmlns:a="http://schemas.openxmlformats.org/drawingml/2006/main" xmlns:r="http://schemas.openxmlformats.org/officeDocument/2006/relationships" xmlns:p="http://schemas.openxmlformats.org/presentationml/2006/main">
   <p:cSld>
     <p:bg>
@@ -29820,7 +29484,7 @@
 </p:sld>
 </file>
 
-<file path=ppt/slides/slide6.xml><?xml version="1.0" encoding="utf-8"?>
+<file path=ppt/slides/slide5.xml><?xml version="1.0" encoding="utf-8"?>
 <p:sld xmlns:a="http://schemas.openxmlformats.org/drawingml/2006/main" xmlns:r="http://schemas.openxmlformats.org/officeDocument/2006/relationships" xmlns:p="http://schemas.openxmlformats.org/presentationml/2006/main">
   <p:cSld>
     <p:spTree>
@@ -30132,7 +29796,7 @@
 </p:sld>
 </file>
 
-<file path=ppt/slides/slide7.xml><?xml version="1.0" encoding="utf-8"?>
+<file path=ppt/slides/slide6.xml><?xml version="1.0" encoding="utf-8"?>
 <p:sld xmlns:a="http://schemas.openxmlformats.org/drawingml/2006/main" xmlns:r="http://schemas.openxmlformats.org/officeDocument/2006/relationships" xmlns:p="http://schemas.openxmlformats.org/presentationml/2006/main">
   <p:cSld>
     <p:spTree>
@@ -30369,7 +30033,7 @@
 </p:sld>
 </file>
 
-<file path=ppt/slides/slide8.xml><?xml version="1.0" encoding="utf-8"?>
+<file path=ppt/slides/slide7.xml><?xml version="1.0" encoding="utf-8"?>
 <p:sld xmlns:a="http://schemas.openxmlformats.org/drawingml/2006/main" xmlns:r="http://schemas.openxmlformats.org/officeDocument/2006/relationships" xmlns:p="http://schemas.openxmlformats.org/presentationml/2006/main">
   <p:cSld>
     <p:bg>
@@ -31501,7 +31165,7 @@
 </p:sld>
 </file>
 
-<file path=ppt/slides/slide9.xml><?xml version="1.0" encoding="utf-8"?>
+<file path=ppt/slides/slide8.xml><?xml version="1.0" encoding="utf-8"?>
 <p:sld xmlns:a="http://schemas.openxmlformats.org/drawingml/2006/main" xmlns:r="http://schemas.openxmlformats.org/officeDocument/2006/relationships" xmlns:p="http://schemas.openxmlformats.org/presentationml/2006/main">
   <p:cSld>
     <p:bg>
@@ -33258,7 +32922,7 @@
         </p:nvSpPr>
         <p:spPr>
           <a:xfrm>
-            <a:off x="838200" y="1113158"/>
+            <a:off x="547813" y="1523317"/>
             <a:ext cx="4614334" cy="2806704"/>
           </a:xfrm>
         </p:spPr>
@@ -33269,9 +32933,22 @@
           <a:lstStyle/>
           <a:p>
             <a:r>
-              <a:rPr lang="en-US" sz="4800" i="1"/>
-              <a:t>Les outils</a:t>
+              <a:rPr lang="en-US" sz="4800" i="1" dirty="0"/>
+              <a:t>Les </a:t>
             </a:r>
+            <a:r>
+              <a:rPr lang="en-US" sz="4800" i="1" dirty="0" err="1"/>
+              <a:t>outils</a:t>
+            </a:r>
+            <a:r>
+              <a:rPr lang="en-US" sz="4800" i="1" dirty="0"/>
+              <a:t> et </a:t>
+            </a:r>
+            <a:r>
+              <a:rPr lang="en-US" sz="4800" i="1" dirty="0" err="1"/>
+              <a:t>Librairies</a:t>
+            </a:r>
+            <a:endParaRPr lang="en-US" sz="4800" i="1" dirty="0"/>
           </a:p>
         </p:txBody>
       </p:sp>
@@ -33765,6 +33442,93 @@
       </p:par>
     </p:tnLst>
   </p:timing>
+</p:sld>
+</file>
+
+<file path=ppt/slides/slide9.xml><?xml version="1.0" encoding="utf-8"?>
+<p:sld xmlns:a="http://schemas.openxmlformats.org/drawingml/2006/main" xmlns:r="http://schemas.openxmlformats.org/officeDocument/2006/relationships" xmlns:p="http://schemas.openxmlformats.org/presentationml/2006/main">
+  <p:cSld>
+    <p:spTree>
+      <p:nvGrpSpPr>
+        <p:cNvPr id="1" name=""/>
+        <p:cNvGrpSpPr/>
+        <p:nvPr/>
+      </p:nvGrpSpPr>
+      <p:grpSpPr>
+        <a:xfrm>
+          <a:off x="0" y="0"/>
+          <a:ext cx="0" cy="0"/>
+          <a:chOff x="0" y="0"/>
+          <a:chExt cx="0" cy="0"/>
+        </a:xfrm>
+      </p:grpSpPr>
+      <p:sp>
+        <p:nvSpPr>
+          <p:cNvPr id="2" name="Titre 1">
+            <a:extLst>
+              <a:ext uri="{FF2B5EF4-FFF2-40B4-BE49-F238E27FC236}">
+                <a16:creationId xmlns:a16="http://schemas.microsoft.com/office/drawing/2014/main" id="{DC2C7A8D-4BAB-400B-BCD7-095582F0CEE9}"/>
+              </a:ext>
+            </a:extLst>
+          </p:cNvPr>
+          <p:cNvSpPr>
+            <a:spLocks noGrp="1"/>
+          </p:cNvSpPr>
+          <p:nvPr>
+            <p:ph type="title"/>
+          </p:nvPr>
+        </p:nvSpPr>
+        <p:spPr/>
+        <p:txBody>
+          <a:bodyPr/>
+          <a:lstStyle/>
+          <a:p>
+            <a:r>
+              <a:rPr lang="fr-FR" dirty="0"/>
+              <a:t>Structure du site web</a:t>
+            </a:r>
+          </a:p>
+        </p:txBody>
+      </p:sp>
+      <p:pic>
+        <p:nvPicPr>
+          <p:cNvPr id="4" name="Image 4" descr="Une image contenant texte&#10;&#10;Description générée automatiquement">
+            <a:extLst>
+              <a:ext uri="{FF2B5EF4-FFF2-40B4-BE49-F238E27FC236}">
+                <a16:creationId xmlns:a16="http://schemas.microsoft.com/office/drawing/2014/main" id="{658D00A9-B801-41C5-BB79-2B90173A64FC}"/>
+              </a:ext>
+            </a:extLst>
+          </p:cNvPr>
+          <p:cNvPicPr>
+            <a:picLocks noGrp="1" noChangeAspect="1"/>
+          </p:cNvPicPr>
+          <p:nvPr>
+            <p:ph idx="1"/>
+          </p:nvPr>
+        </p:nvPicPr>
+        <p:blipFill>
+          <a:blip r:embed="rId2"/>
+          <a:stretch>
+            <a:fillRect/>
+          </a:stretch>
+        </p:blipFill>
+        <p:spPr>
+          <a:xfrm>
+            <a:off x="2188151" y="1542075"/>
+            <a:ext cx="8205560" cy="5197194"/>
+          </a:xfrm>
+        </p:spPr>
+      </p:pic>
+    </p:spTree>
+    <p:extLst>
+      <p:ext uri="{BB962C8B-B14F-4D97-AF65-F5344CB8AC3E}">
+        <p14:creationId xmlns:p14="http://schemas.microsoft.com/office/powerpoint/2010/main" val="2243696926"/>
+      </p:ext>
+    </p:extLst>
+  </p:cSld>
+  <p:clrMapOvr>
+    <a:masterClrMapping/>
+  </p:clrMapOvr>
 </p:sld>
 </file>
 
